--- a/RDM101_Assignment2_Week2_DataFlowMap_Template.pptx
+++ b/RDM101_Assignment2_Week2_DataFlowMap_Template.pptx
@@ -156,6 +156,435 @@
 </p:cmAuthorLst>
 </file>
 
+<file path=ppt/revisionInfo.xml><?xml version="1.0" encoding="utf-8"?>
+<p1510:revInfo xmlns:a="http://schemas.openxmlformats.org/drawingml/2006/main" xmlns:r="http://schemas.openxmlformats.org/officeDocument/2006/relationships" xmlns:p1510="http://schemas.microsoft.com/office/powerpoint/2015/10/main">
+  <p1510:revLst>
+    <p1510:client id="{2A825A2F-254B-4689-9BFD-AF4FB70C4BC7}" v="7" dt="2023-06-21T08:48:17.175"/>
+  </p1510:revLst>
+</p1510:revInfo>
+</file>
+
+<file path=ppt/changesInfos/changesInfo1.xml><?xml version="1.0" encoding="utf-8"?>
+<pc:chgInfo xmlns:a="http://schemas.openxmlformats.org/drawingml/2006/main" xmlns:r="http://schemas.openxmlformats.org/officeDocument/2006/relationships" xmlns:ac="http://schemas.microsoft.com/office/drawing/2013/main/command" xmlns:pc="http://schemas.microsoft.com/office/powerpoint/2013/main/command">
+  <pc:docChgLst>
+    <pc:chgData name="Abdulkadir Biffo" userId="48d5a00c-ef51-413e-a040-a3b98278eae3" providerId="ADAL" clId="{2A825A2F-254B-4689-9BFD-AF4FB70C4BC7}"/>
+    <pc:docChg chg="custSel modSld">
+      <pc:chgData name="Abdulkadir Biffo" userId="48d5a00c-ef51-413e-a040-a3b98278eae3" providerId="ADAL" clId="{2A825A2F-254B-4689-9BFD-AF4FB70C4BC7}" dt="2023-06-21T08:48:17.175" v="277"/>
+      <pc:docMkLst>
+        <pc:docMk/>
+      </pc:docMkLst>
+      <pc:sldChg chg="addSp delSp modSp mod">
+        <pc:chgData name="Abdulkadir Biffo" userId="48d5a00c-ef51-413e-a040-a3b98278eae3" providerId="ADAL" clId="{2A825A2F-254B-4689-9BFD-AF4FB70C4BC7}" dt="2023-06-21T08:47:26.525" v="269"/>
+        <pc:sldMkLst>
+          <pc:docMk/>
+          <pc:sldMk cId="1689771769" sldId="262"/>
+        </pc:sldMkLst>
+        <pc:spChg chg="add mod">
+          <ac:chgData name="Abdulkadir Biffo" userId="48d5a00c-ef51-413e-a040-a3b98278eae3" providerId="ADAL" clId="{2A825A2F-254B-4689-9BFD-AF4FB70C4BC7}" dt="2023-06-21T08:47:26.525" v="269"/>
+          <ac:spMkLst>
+            <pc:docMk/>
+            <pc:sldMk cId="1689771769" sldId="262"/>
+            <ac:spMk id="3" creationId="{D5C88AA7-FB03-FC84-6D21-855AE093B376}"/>
+          </ac:spMkLst>
+        </pc:spChg>
+        <pc:spChg chg="add mod">
+          <ac:chgData name="Abdulkadir Biffo" userId="48d5a00c-ef51-413e-a040-a3b98278eae3" providerId="ADAL" clId="{2A825A2F-254B-4689-9BFD-AF4FB70C4BC7}" dt="2023-06-21T08:47:26.525" v="269"/>
+          <ac:spMkLst>
+            <pc:docMk/>
+            <pc:sldMk cId="1689771769" sldId="262"/>
+            <ac:spMk id="4" creationId="{C5547310-0609-9688-5015-3AD8F4C6D086}"/>
+          </ac:spMkLst>
+        </pc:spChg>
+        <pc:spChg chg="add mod">
+          <ac:chgData name="Abdulkadir Biffo" userId="48d5a00c-ef51-413e-a040-a3b98278eae3" providerId="ADAL" clId="{2A825A2F-254B-4689-9BFD-AF4FB70C4BC7}" dt="2023-06-21T08:47:26.525" v="269"/>
+          <ac:spMkLst>
+            <pc:docMk/>
+            <pc:sldMk cId="1689771769" sldId="262"/>
+            <ac:spMk id="5" creationId="{E75344E0-7123-E68E-2E07-566F485382A4}"/>
+          </ac:spMkLst>
+        </pc:spChg>
+        <pc:spChg chg="del">
+          <ac:chgData name="Abdulkadir Biffo" userId="48d5a00c-ef51-413e-a040-a3b98278eae3" providerId="ADAL" clId="{2A825A2F-254B-4689-9BFD-AF4FB70C4BC7}" dt="2023-06-21T08:47:26.095" v="268" actId="478"/>
+          <ac:spMkLst>
+            <pc:docMk/>
+            <pc:sldMk cId="1689771769" sldId="262"/>
+            <ac:spMk id="12" creationId="{C40A7323-DDFC-C188-FD3F-358207DD841A}"/>
+          </ac:spMkLst>
+        </pc:spChg>
+        <pc:spChg chg="del">
+          <ac:chgData name="Abdulkadir Biffo" userId="48d5a00c-ef51-413e-a040-a3b98278eae3" providerId="ADAL" clId="{2A825A2F-254B-4689-9BFD-AF4FB70C4BC7}" dt="2023-06-21T08:47:26.095" v="268" actId="478"/>
+          <ac:spMkLst>
+            <pc:docMk/>
+            <pc:sldMk cId="1689771769" sldId="262"/>
+            <ac:spMk id="13" creationId="{3AFBECA0-7430-506A-290A-3D2CC83DAFFB}"/>
+          </ac:spMkLst>
+        </pc:spChg>
+        <pc:spChg chg="del">
+          <ac:chgData name="Abdulkadir Biffo" userId="48d5a00c-ef51-413e-a040-a3b98278eae3" providerId="ADAL" clId="{2A825A2F-254B-4689-9BFD-AF4FB70C4BC7}" dt="2023-06-21T08:47:26.095" v="268" actId="478"/>
+          <ac:spMkLst>
+            <pc:docMk/>
+            <pc:sldMk cId="1689771769" sldId="262"/>
+            <ac:spMk id="21" creationId="{E7DF7AE0-B505-4104-1950-9D35B348D3B5}"/>
+          </ac:spMkLst>
+        </pc:spChg>
+      </pc:sldChg>
+      <pc:sldChg chg="addSp delSp modSp mod">
+        <pc:chgData name="Abdulkadir Biffo" userId="48d5a00c-ef51-413e-a040-a3b98278eae3" providerId="ADAL" clId="{2A825A2F-254B-4689-9BFD-AF4FB70C4BC7}" dt="2023-06-21T08:47:48.715" v="271"/>
+        <pc:sldMkLst>
+          <pc:docMk/>
+          <pc:sldMk cId="3025110461" sldId="263"/>
+        </pc:sldMkLst>
+        <pc:spChg chg="del">
+          <ac:chgData name="Abdulkadir Biffo" userId="48d5a00c-ef51-413e-a040-a3b98278eae3" providerId="ADAL" clId="{2A825A2F-254B-4689-9BFD-AF4FB70C4BC7}" dt="2023-06-21T08:47:47.865" v="270" actId="478"/>
+          <ac:spMkLst>
+            <pc:docMk/>
+            <pc:sldMk cId="3025110461" sldId="263"/>
+            <ac:spMk id="3" creationId="{811B959F-AD4D-768E-D1AB-9FD302EBC5DB}"/>
+          </ac:spMkLst>
+        </pc:spChg>
+        <pc:spChg chg="del">
+          <ac:chgData name="Abdulkadir Biffo" userId="48d5a00c-ef51-413e-a040-a3b98278eae3" providerId="ADAL" clId="{2A825A2F-254B-4689-9BFD-AF4FB70C4BC7}" dt="2023-06-21T08:47:47.865" v="270" actId="478"/>
+          <ac:spMkLst>
+            <pc:docMk/>
+            <pc:sldMk cId="3025110461" sldId="263"/>
+            <ac:spMk id="4" creationId="{BDFC5E5A-8DC7-4F9C-4011-4FB4F9288F31}"/>
+          </ac:spMkLst>
+        </pc:spChg>
+        <pc:spChg chg="del">
+          <ac:chgData name="Abdulkadir Biffo" userId="48d5a00c-ef51-413e-a040-a3b98278eae3" providerId="ADAL" clId="{2A825A2F-254B-4689-9BFD-AF4FB70C4BC7}" dt="2023-06-21T08:47:47.865" v="270" actId="478"/>
+          <ac:spMkLst>
+            <pc:docMk/>
+            <pc:sldMk cId="3025110461" sldId="263"/>
+            <ac:spMk id="11" creationId="{C7DC9BDC-0613-AB3C-27F1-9AF0EC234B3E}"/>
+          </ac:spMkLst>
+        </pc:spChg>
+        <pc:spChg chg="add mod">
+          <ac:chgData name="Abdulkadir Biffo" userId="48d5a00c-ef51-413e-a040-a3b98278eae3" providerId="ADAL" clId="{2A825A2F-254B-4689-9BFD-AF4FB70C4BC7}" dt="2023-06-21T08:47:48.715" v="271"/>
+          <ac:spMkLst>
+            <pc:docMk/>
+            <pc:sldMk cId="3025110461" sldId="263"/>
+            <ac:spMk id="12" creationId="{C1D7F720-969B-7342-B743-122CBA560F67}"/>
+          </ac:spMkLst>
+        </pc:spChg>
+        <pc:spChg chg="add mod">
+          <ac:chgData name="Abdulkadir Biffo" userId="48d5a00c-ef51-413e-a040-a3b98278eae3" providerId="ADAL" clId="{2A825A2F-254B-4689-9BFD-AF4FB70C4BC7}" dt="2023-06-21T08:47:48.715" v="271"/>
+          <ac:spMkLst>
+            <pc:docMk/>
+            <pc:sldMk cId="3025110461" sldId="263"/>
+            <ac:spMk id="13" creationId="{8C45DE9F-8A07-1B65-F599-9E0A5F84A4F4}"/>
+          </ac:spMkLst>
+        </pc:spChg>
+        <pc:spChg chg="add mod">
+          <ac:chgData name="Abdulkadir Biffo" userId="48d5a00c-ef51-413e-a040-a3b98278eae3" providerId="ADAL" clId="{2A825A2F-254B-4689-9BFD-AF4FB70C4BC7}" dt="2023-06-21T08:47:48.715" v="271"/>
+          <ac:spMkLst>
+            <pc:docMk/>
+            <pc:sldMk cId="3025110461" sldId="263"/>
+            <ac:spMk id="14" creationId="{D9D0089C-ED1B-2619-7CD1-DA85EAE471FE}"/>
+          </ac:spMkLst>
+        </pc:spChg>
+      </pc:sldChg>
+      <pc:sldChg chg="modSp mod">
+        <pc:chgData name="Abdulkadir Biffo" userId="48d5a00c-ef51-413e-a040-a3b98278eae3" providerId="ADAL" clId="{2A825A2F-254B-4689-9BFD-AF4FB70C4BC7}" dt="2023-06-21T08:44:20.826" v="133" actId="20577"/>
+        <pc:sldMkLst>
+          <pc:docMk/>
+          <pc:sldMk cId="3983167434" sldId="264"/>
+        </pc:sldMkLst>
+        <pc:spChg chg="mod">
+          <ac:chgData name="Abdulkadir Biffo" userId="48d5a00c-ef51-413e-a040-a3b98278eae3" providerId="ADAL" clId="{2A825A2F-254B-4689-9BFD-AF4FB70C4BC7}" dt="2023-06-21T08:44:06.477" v="119" actId="27636"/>
+          <ac:spMkLst>
+            <pc:docMk/>
+            <pc:sldMk cId="3983167434" sldId="264"/>
+            <ac:spMk id="3" creationId="{A962F5C4-D9F2-2D06-C596-90F358DF6F1D}"/>
+          </ac:spMkLst>
+        </pc:spChg>
+        <pc:spChg chg="mod">
+          <ac:chgData name="Abdulkadir Biffo" userId="48d5a00c-ef51-413e-a040-a3b98278eae3" providerId="ADAL" clId="{2A825A2F-254B-4689-9BFD-AF4FB70C4BC7}" dt="2023-06-21T08:44:20.826" v="133" actId="20577"/>
+          <ac:spMkLst>
+            <pc:docMk/>
+            <pc:sldMk cId="3983167434" sldId="264"/>
+            <ac:spMk id="4" creationId="{0565D56C-F752-94FA-4600-1320D821D0BD}"/>
+          </ac:spMkLst>
+        </pc:spChg>
+        <pc:spChg chg="mod">
+          <ac:chgData name="Abdulkadir Biffo" userId="48d5a00c-ef51-413e-a040-a3b98278eae3" providerId="ADAL" clId="{2A825A2F-254B-4689-9BFD-AF4FB70C4BC7}" dt="2023-06-21T08:44:15.297" v="123" actId="20577"/>
+          <ac:spMkLst>
+            <pc:docMk/>
+            <pc:sldMk cId="3983167434" sldId="264"/>
+            <ac:spMk id="5" creationId="{AD4FADF8-1713-CB15-8741-5A842CEABD07}"/>
+          </ac:spMkLst>
+        </pc:spChg>
+      </pc:sldChg>
+      <pc:sldChg chg="addSp delSp modSp mod">
+        <pc:chgData name="Abdulkadir Biffo" userId="48d5a00c-ef51-413e-a040-a3b98278eae3" providerId="ADAL" clId="{2A825A2F-254B-4689-9BFD-AF4FB70C4BC7}" dt="2023-06-21T08:47:03.709" v="265"/>
+        <pc:sldMkLst>
+          <pc:docMk/>
+          <pc:sldMk cId="1679606183" sldId="266"/>
+        </pc:sldMkLst>
+        <pc:spChg chg="add mod">
+          <ac:chgData name="Abdulkadir Biffo" userId="48d5a00c-ef51-413e-a040-a3b98278eae3" providerId="ADAL" clId="{2A825A2F-254B-4689-9BFD-AF4FB70C4BC7}" dt="2023-06-21T08:47:03.709" v="265"/>
+          <ac:spMkLst>
+            <pc:docMk/>
+            <pc:sldMk cId="1679606183" sldId="266"/>
+            <ac:spMk id="2" creationId="{8C2CF8FA-FF08-7836-EBA5-21D2B0886C4F}"/>
+          </ac:spMkLst>
+        </pc:spChg>
+        <pc:spChg chg="add mod">
+          <ac:chgData name="Abdulkadir Biffo" userId="48d5a00c-ef51-413e-a040-a3b98278eae3" providerId="ADAL" clId="{2A825A2F-254B-4689-9BFD-AF4FB70C4BC7}" dt="2023-06-21T08:47:03.709" v="265"/>
+          <ac:spMkLst>
+            <pc:docMk/>
+            <pc:sldMk cId="1679606183" sldId="266"/>
+            <ac:spMk id="3" creationId="{D1A68E22-8383-2BB8-2FC7-A9EEE8FFE688}"/>
+          </ac:spMkLst>
+        </pc:spChg>
+        <pc:spChg chg="add mod">
+          <ac:chgData name="Abdulkadir Biffo" userId="48d5a00c-ef51-413e-a040-a3b98278eae3" providerId="ADAL" clId="{2A825A2F-254B-4689-9BFD-AF4FB70C4BC7}" dt="2023-06-21T08:47:03.709" v="265"/>
+          <ac:spMkLst>
+            <pc:docMk/>
+            <pc:sldMk cId="1679606183" sldId="266"/>
+            <ac:spMk id="4" creationId="{9A424F59-582C-1532-2CA3-A13AD66761D0}"/>
+          </ac:spMkLst>
+        </pc:spChg>
+        <pc:spChg chg="del">
+          <ac:chgData name="Abdulkadir Biffo" userId="48d5a00c-ef51-413e-a040-a3b98278eae3" providerId="ADAL" clId="{2A825A2F-254B-4689-9BFD-AF4FB70C4BC7}" dt="2023-06-21T08:47:03.255" v="264" actId="478"/>
+          <ac:spMkLst>
+            <pc:docMk/>
+            <pc:sldMk cId="1679606183" sldId="266"/>
+            <ac:spMk id="14" creationId="{9B31760E-56E5-7C53-4DA0-8D8ACB62FF73}"/>
+          </ac:spMkLst>
+        </pc:spChg>
+        <pc:spChg chg="del">
+          <ac:chgData name="Abdulkadir Biffo" userId="48d5a00c-ef51-413e-a040-a3b98278eae3" providerId="ADAL" clId="{2A825A2F-254B-4689-9BFD-AF4FB70C4BC7}" dt="2023-06-21T08:46:58.945" v="262" actId="478"/>
+          <ac:spMkLst>
+            <pc:docMk/>
+            <pc:sldMk cId="1679606183" sldId="266"/>
+            <ac:spMk id="15" creationId="{8C2E4ED6-02FB-553D-C56F-A35C5D2EE88B}"/>
+          </ac:spMkLst>
+        </pc:spChg>
+        <pc:spChg chg="del">
+          <ac:chgData name="Abdulkadir Biffo" userId="48d5a00c-ef51-413e-a040-a3b98278eae3" providerId="ADAL" clId="{2A825A2F-254B-4689-9BFD-AF4FB70C4BC7}" dt="2023-06-21T08:47:01.435" v="263" actId="478"/>
+          <ac:spMkLst>
+            <pc:docMk/>
+            <pc:sldMk cId="1679606183" sldId="266"/>
+            <ac:spMk id="22" creationId="{E9B4AECB-8E96-2C2D-332A-96C8C6D47515}"/>
+          </ac:spMkLst>
+        </pc:spChg>
+      </pc:sldChg>
+      <pc:sldChg chg="addSp delSp modSp mod">
+        <pc:chgData name="Abdulkadir Biffo" userId="48d5a00c-ef51-413e-a040-a3b98278eae3" providerId="ADAL" clId="{2A825A2F-254B-4689-9BFD-AF4FB70C4BC7}" dt="2023-06-21T08:47:55.865" v="273"/>
+        <pc:sldMkLst>
+          <pc:docMk/>
+          <pc:sldMk cId="3191386205" sldId="267"/>
+        </pc:sldMkLst>
+        <pc:spChg chg="del">
+          <ac:chgData name="Abdulkadir Biffo" userId="48d5a00c-ef51-413e-a040-a3b98278eae3" providerId="ADAL" clId="{2A825A2F-254B-4689-9BFD-AF4FB70C4BC7}" dt="2023-06-21T08:47:55.445" v="272" actId="478"/>
+          <ac:spMkLst>
+            <pc:docMk/>
+            <pc:sldMk cId="3191386205" sldId="267"/>
+            <ac:spMk id="3" creationId="{70BE44A3-A16B-D5F1-4474-59B5D8774D7D}"/>
+          </ac:spMkLst>
+        </pc:spChg>
+        <pc:spChg chg="del">
+          <ac:chgData name="Abdulkadir Biffo" userId="48d5a00c-ef51-413e-a040-a3b98278eae3" providerId="ADAL" clId="{2A825A2F-254B-4689-9BFD-AF4FB70C4BC7}" dt="2023-06-21T08:47:55.445" v="272" actId="478"/>
+          <ac:spMkLst>
+            <pc:docMk/>
+            <pc:sldMk cId="3191386205" sldId="267"/>
+            <ac:spMk id="4" creationId="{616161A7-730E-D87D-DC2D-0E6F0BC601D3}"/>
+          </ac:spMkLst>
+        </pc:spChg>
+        <pc:spChg chg="del">
+          <ac:chgData name="Abdulkadir Biffo" userId="48d5a00c-ef51-413e-a040-a3b98278eae3" providerId="ADAL" clId="{2A825A2F-254B-4689-9BFD-AF4FB70C4BC7}" dt="2023-06-21T08:47:55.445" v="272" actId="478"/>
+          <ac:spMkLst>
+            <pc:docMk/>
+            <pc:sldMk cId="3191386205" sldId="267"/>
+            <ac:spMk id="11" creationId="{0C1CEC16-1154-3608-C16E-9826361CA9F9}"/>
+          </ac:spMkLst>
+        </pc:spChg>
+        <pc:spChg chg="add mod">
+          <ac:chgData name="Abdulkadir Biffo" userId="48d5a00c-ef51-413e-a040-a3b98278eae3" providerId="ADAL" clId="{2A825A2F-254B-4689-9BFD-AF4FB70C4BC7}" dt="2023-06-21T08:47:55.865" v="273"/>
+          <ac:spMkLst>
+            <pc:docMk/>
+            <pc:sldMk cId="3191386205" sldId="267"/>
+            <ac:spMk id="12" creationId="{31BE7EBF-B6AE-93BB-F096-350AFA796C81}"/>
+          </ac:spMkLst>
+        </pc:spChg>
+        <pc:spChg chg="add mod">
+          <ac:chgData name="Abdulkadir Biffo" userId="48d5a00c-ef51-413e-a040-a3b98278eae3" providerId="ADAL" clId="{2A825A2F-254B-4689-9BFD-AF4FB70C4BC7}" dt="2023-06-21T08:47:55.865" v="273"/>
+          <ac:spMkLst>
+            <pc:docMk/>
+            <pc:sldMk cId="3191386205" sldId="267"/>
+            <ac:spMk id="13" creationId="{0ACD171A-42D2-AD58-56CC-1397FB046D64}"/>
+          </ac:spMkLst>
+        </pc:spChg>
+        <pc:spChg chg="add mod">
+          <ac:chgData name="Abdulkadir Biffo" userId="48d5a00c-ef51-413e-a040-a3b98278eae3" providerId="ADAL" clId="{2A825A2F-254B-4689-9BFD-AF4FB70C4BC7}" dt="2023-06-21T08:47:55.865" v="273"/>
+          <ac:spMkLst>
+            <pc:docMk/>
+            <pc:sldMk cId="3191386205" sldId="267"/>
+            <ac:spMk id="14" creationId="{06B383B5-AC9C-97E9-78A7-837A369A0B55}"/>
+          </ac:spMkLst>
+        </pc:spChg>
+      </pc:sldChg>
+      <pc:sldChg chg="addSp delSp modSp mod">
+        <pc:chgData name="Abdulkadir Biffo" userId="48d5a00c-ef51-413e-a040-a3b98278eae3" providerId="ADAL" clId="{2A825A2F-254B-4689-9BFD-AF4FB70C4BC7}" dt="2023-06-21T08:48:17.175" v="277"/>
+        <pc:sldMkLst>
+          <pc:docMk/>
+          <pc:sldMk cId="1529618746" sldId="268"/>
+        </pc:sldMkLst>
+        <pc:spChg chg="del">
+          <ac:chgData name="Abdulkadir Biffo" userId="48d5a00c-ef51-413e-a040-a3b98278eae3" providerId="ADAL" clId="{2A825A2F-254B-4689-9BFD-AF4FB70C4BC7}" dt="2023-06-21T08:48:16.735" v="276" actId="478"/>
+          <ac:spMkLst>
+            <pc:docMk/>
+            <pc:sldMk cId="1529618746" sldId="268"/>
+            <ac:spMk id="3" creationId="{FACE29FC-EC90-91E7-0B5A-CEC290C81B6C}"/>
+          </ac:spMkLst>
+        </pc:spChg>
+        <pc:spChg chg="del">
+          <ac:chgData name="Abdulkadir Biffo" userId="48d5a00c-ef51-413e-a040-a3b98278eae3" providerId="ADAL" clId="{2A825A2F-254B-4689-9BFD-AF4FB70C4BC7}" dt="2023-06-21T08:48:16.735" v="276" actId="478"/>
+          <ac:spMkLst>
+            <pc:docMk/>
+            <pc:sldMk cId="1529618746" sldId="268"/>
+            <ac:spMk id="4" creationId="{F9B5BE7D-67BA-DDA1-47FE-2C25F4E8B060}"/>
+          </ac:spMkLst>
+        </pc:spChg>
+        <pc:spChg chg="del">
+          <ac:chgData name="Abdulkadir Biffo" userId="48d5a00c-ef51-413e-a040-a3b98278eae3" providerId="ADAL" clId="{2A825A2F-254B-4689-9BFD-AF4FB70C4BC7}" dt="2023-06-21T08:48:16.735" v="276" actId="478"/>
+          <ac:spMkLst>
+            <pc:docMk/>
+            <pc:sldMk cId="1529618746" sldId="268"/>
+            <ac:spMk id="11" creationId="{CED2397B-94DF-0092-45EF-5BF727145B44}"/>
+          </ac:spMkLst>
+        </pc:spChg>
+        <pc:spChg chg="add mod">
+          <ac:chgData name="Abdulkadir Biffo" userId="48d5a00c-ef51-413e-a040-a3b98278eae3" providerId="ADAL" clId="{2A825A2F-254B-4689-9BFD-AF4FB70C4BC7}" dt="2023-06-21T08:48:17.175" v="277"/>
+          <ac:spMkLst>
+            <pc:docMk/>
+            <pc:sldMk cId="1529618746" sldId="268"/>
+            <ac:spMk id="12" creationId="{ED5BF81E-715D-B7E5-1368-47DC1E79A7BC}"/>
+          </ac:spMkLst>
+        </pc:spChg>
+        <pc:spChg chg="add mod">
+          <ac:chgData name="Abdulkadir Biffo" userId="48d5a00c-ef51-413e-a040-a3b98278eae3" providerId="ADAL" clId="{2A825A2F-254B-4689-9BFD-AF4FB70C4BC7}" dt="2023-06-21T08:48:17.175" v="277"/>
+          <ac:spMkLst>
+            <pc:docMk/>
+            <pc:sldMk cId="1529618746" sldId="268"/>
+            <ac:spMk id="13" creationId="{92E7354D-26D6-7A57-9E4A-21F293165B34}"/>
+          </ac:spMkLst>
+        </pc:spChg>
+        <pc:spChg chg="add mod">
+          <ac:chgData name="Abdulkadir Biffo" userId="48d5a00c-ef51-413e-a040-a3b98278eae3" providerId="ADAL" clId="{2A825A2F-254B-4689-9BFD-AF4FB70C4BC7}" dt="2023-06-21T08:48:17.175" v="277"/>
+          <ac:spMkLst>
+            <pc:docMk/>
+            <pc:sldMk cId="1529618746" sldId="268"/>
+            <ac:spMk id="14" creationId="{9DE7E02B-C6EB-4F2A-8FAC-9FB5D78C8537}"/>
+          </ac:spMkLst>
+        </pc:spChg>
+      </pc:sldChg>
+      <pc:sldChg chg="modSp mod">
+        <pc:chgData name="Abdulkadir Biffo" userId="48d5a00c-ef51-413e-a040-a3b98278eae3" providerId="ADAL" clId="{2A825A2F-254B-4689-9BFD-AF4FB70C4BC7}" dt="2023-06-21T08:46:27.145" v="261" actId="20577"/>
+        <pc:sldMkLst>
+          <pc:docMk/>
+          <pc:sldMk cId="1337863010" sldId="269"/>
+        </pc:sldMkLst>
+        <pc:spChg chg="mod">
+          <ac:chgData name="Abdulkadir Biffo" userId="48d5a00c-ef51-413e-a040-a3b98278eae3" providerId="ADAL" clId="{2A825A2F-254B-4689-9BFD-AF4FB70C4BC7}" dt="2023-06-21T08:46:27.145" v="261" actId="20577"/>
+          <ac:spMkLst>
+            <pc:docMk/>
+            <pc:sldMk cId="1337863010" sldId="269"/>
+            <ac:spMk id="10" creationId="{6C479684-8BC0-8E8C-779B-219A9AB7517C}"/>
+          </ac:spMkLst>
+        </pc:spChg>
+        <pc:spChg chg="mod">
+          <ac:chgData name="Abdulkadir Biffo" userId="48d5a00c-ef51-413e-a040-a3b98278eae3" providerId="ADAL" clId="{2A825A2F-254B-4689-9BFD-AF4FB70C4BC7}" dt="2023-06-21T08:45:00.946" v="194" actId="20577"/>
+          <ac:spMkLst>
+            <pc:docMk/>
+            <pc:sldMk cId="1337863010" sldId="269"/>
+            <ac:spMk id="11" creationId="{03BC9E52-86F7-4E34-D438-6E90C019E376}"/>
+          </ac:spMkLst>
+        </pc:spChg>
+      </pc:sldChg>
+      <pc:sldChg chg="addSp delSp modSp mod">
+        <pc:chgData name="Abdulkadir Biffo" userId="48d5a00c-ef51-413e-a040-a3b98278eae3" providerId="ADAL" clId="{2A825A2F-254B-4689-9BFD-AF4FB70C4BC7}" dt="2023-06-21T08:47:13.485" v="267"/>
+        <pc:sldMkLst>
+          <pc:docMk/>
+          <pc:sldMk cId="2983437295" sldId="270"/>
+        </pc:sldMkLst>
+        <pc:spChg chg="add mod">
+          <ac:chgData name="Abdulkadir Biffo" userId="48d5a00c-ef51-413e-a040-a3b98278eae3" providerId="ADAL" clId="{2A825A2F-254B-4689-9BFD-AF4FB70C4BC7}" dt="2023-06-21T08:47:13.485" v="267"/>
+          <ac:spMkLst>
+            <pc:docMk/>
+            <pc:sldMk cId="2983437295" sldId="270"/>
+            <ac:spMk id="5" creationId="{0805ED03-8204-5577-FCC9-0FBF7807C56D}"/>
+          </ac:spMkLst>
+        </pc:spChg>
+        <pc:spChg chg="add mod">
+          <ac:chgData name="Abdulkadir Biffo" userId="48d5a00c-ef51-413e-a040-a3b98278eae3" providerId="ADAL" clId="{2A825A2F-254B-4689-9BFD-AF4FB70C4BC7}" dt="2023-06-21T08:47:13.485" v="267"/>
+          <ac:spMkLst>
+            <pc:docMk/>
+            <pc:sldMk cId="2983437295" sldId="270"/>
+            <ac:spMk id="6" creationId="{FDA2A061-3CAF-FC9B-C146-883952BA35FD}"/>
+          </ac:spMkLst>
+        </pc:spChg>
+        <pc:spChg chg="del">
+          <ac:chgData name="Abdulkadir Biffo" userId="48d5a00c-ef51-413e-a040-a3b98278eae3" providerId="ADAL" clId="{2A825A2F-254B-4689-9BFD-AF4FB70C4BC7}" dt="2023-06-21T08:47:13.136" v="266" actId="478"/>
+          <ac:spMkLst>
+            <pc:docMk/>
+            <pc:sldMk cId="2983437295" sldId="270"/>
+            <ac:spMk id="12" creationId="{D0F963B1-8D34-9E31-9C4A-5D00757EC00A}"/>
+          </ac:spMkLst>
+        </pc:spChg>
+        <pc:spChg chg="del">
+          <ac:chgData name="Abdulkadir Biffo" userId="48d5a00c-ef51-413e-a040-a3b98278eae3" providerId="ADAL" clId="{2A825A2F-254B-4689-9BFD-AF4FB70C4BC7}" dt="2023-06-21T08:47:13.136" v="266" actId="478"/>
+          <ac:spMkLst>
+            <pc:docMk/>
+            <pc:sldMk cId="2983437295" sldId="270"/>
+            <ac:spMk id="13" creationId="{89DD8DD8-A9C9-9E88-22F6-CC858D956CDD}"/>
+          </ac:spMkLst>
+        </pc:spChg>
+      </pc:sldChg>
+      <pc:sldChg chg="addSp delSp modSp mod">
+        <pc:chgData name="Abdulkadir Biffo" userId="48d5a00c-ef51-413e-a040-a3b98278eae3" providerId="ADAL" clId="{2A825A2F-254B-4689-9BFD-AF4FB70C4BC7}" dt="2023-06-21T08:48:04.389" v="275"/>
+        <pc:sldMkLst>
+          <pc:docMk/>
+          <pc:sldMk cId="1160304444" sldId="271"/>
+        </pc:sldMkLst>
+        <pc:spChg chg="add mod">
+          <ac:chgData name="Abdulkadir Biffo" userId="48d5a00c-ef51-413e-a040-a3b98278eae3" providerId="ADAL" clId="{2A825A2F-254B-4689-9BFD-AF4FB70C4BC7}" dt="2023-06-21T08:48:04.389" v="275"/>
+          <ac:spMkLst>
+            <pc:docMk/>
+            <pc:sldMk cId="1160304444" sldId="271"/>
+            <ac:spMk id="6" creationId="{37398AAE-6173-A7CF-679B-1733B4CF1A94}"/>
+          </ac:spMkLst>
+        </pc:spChg>
+        <pc:spChg chg="add mod">
+          <ac:chgData name="Abdulkadir Biffo" userId="48d5a00c-ef51-413e-a040-a3b98278eae3" providerId="ADAL" clId="{2A825A2F-254B-4689-9BFD-AF4FB70C4BC7}" dt="2023-06-21T08:48:04.389" v="275"/>
+          <ac:spMkLst>
+            <pc:docMk/>
+            <pc:sldMk cId="1160304444" sldId="271"/>
+            <ac:spMk id="7" creationId="{5806C4C9-DF71-9C98-62CE-9ADA12F98B64}"/>
+          </ac:spMkLst>
+        </pc:spChg>
+        <pc:spChg chg="del">
+          <ac:chgData name="Abdulkadir Biffo" userId="48d5a00c-ef51-413e-a040-a3b98278eae3" providerId="ADAL" clId="{2A825A2F-254B-4689-9BFD-AF4FB70C4BC7}" dt="2023-06-21T08:48:03.975" v="274" actId="478"/>
+          <ac:spMkLst>
+            <pc:docMk/>
+            <pc:sldMk cId="1160304444" sldId="271"/>
+            <ac:spMk id="12" creationId="{74480A8F-9624-9F86-F6E2-39B0A4C85FEC}"/>
+          </ac:spMkLst>
+        </pc:spChg>
+        <pc:spChg chg="del">
+          <ac:chgData name="Abdulkadir Biffo" userId="48d5a00c-ef51-413e-a040-a3b98278eae3" providerId="ADAL" clId="{2A825A2F-254B-4689-9BFD-AF4FB70C4BC7}" dt="2023-06-21T08:48:03.975" v="274" actId="478"/>
+          <ac:spMkLst>
+            <pc:docMk/>
+            <pc:sldMk cId="1160304444" sldId="271"/>
+            <ac:spMk id="13" creationId="{635D628E-280B-D029-3D2F-FBEB89F34C76}"/>
+          </ac:spMkLst>
+        </pc:spChg>
+      </pc:sldChg>
+    </pc:docChg>
+  </pc:docChgLst>
+</pc:chgInfo>
+</file>
+
 <file path=ppt/handoutMasters/handoutMaster1.xml><?xml version="1.0" encoding="utf-8"?>
 <p:handoutMaster xmlns:a="http://schemas.openxmlformats.org/drawingml/2006/main" xmlns:r="http://schemas.openxmlformats.org/officeDocument/2006/relationships" xmlns:p="http://schemas.openxmlformats.org/presentationml/2006/main">
   <p:cSld>
@@ -250,7 +679,7 @@
           <a:p>
             <a:fld id="{5A98D61D-71EB-4B5A-B3E6-2F6314515180}" type="datetimeFigureOut">
               <a:rPr lang="nl-NL" smtClean="0"/>
-              <a:t>8-6-2023</a:t>
+              <a:t>21-6-2023</a:t>
             </a:fld>
             <a:endParaRPr lang="nl-NL"/>
           </a:p>
@@ -428,7 +857,7 @@
           <a:p>
             <a:fld id="{4CF404A9-005B-45EE-BDCB-A19A55D19366}" type="datetimeFigureOut">
               <a:rPr lang="nl-NL" smtClean="0"/>
-              <a:t>8-6-2023</a:t>
+              <a:t>21-6-2023</a:t>
             </a:fld>
             <a:endParaRPr lang="nl-NL"/>
           </a:p>
@@ -736,7 +1165,7 @@
           <a:p>
             <a:fld id="{350AEEAB-5A89-42FC-B6B6-5EB5286E7132}" type="datetime1">
               <a:rPr lang="nl-NL" smtClean="0"/>
-              <a:t>8-6-2023</a:t>
+              <a:t>21-6-2023</a:t>
             </a:fld>
             <a:endParaRPr lang="nl-NL"/>
           </a:p>
@@ -1076,7 +1505,7 @@
           <a:p>
             <a:fld id="{B7143579-2101-4C6F-A808-99EB0857814B}" type="datetime1">
               <a:rPr lang="nl-NL" smtClean="0"/>
-              <a:t>8-6-2023</a:t>
+              <a:t>21-6-2023</a:t>
             </a:fld>
             <a:endParaRPr lang="nl-NL"/>
           </a:p>
@@ -2064,7 +2493,7 @@
           <a:p>
             <a:fld id="{B7143579-2101-4C6F-A808-99EB0857814B}" type="datetime1">
               <a:rPr lang="nl-NL" smtClean="0"/>
-              <a:t>8-6-2023</a:t>
+              <a:t>21-6-2023</a:t>
             </a:fld>
             <a:endParaRPr lang="nl-NL"/>
           </a:p>
@@ -3364,7 +3793,7 @@
           <a:p>
             <a:fld id="{B7143579-2101-4C6F-A808-99EB0857814B}" type="datetime1">
               <a:rPr lang="nl-NL" smtClean="0"/>
-              <a:t>8-6-2023</a:t>
+              <a:t>21-6-2023</a:t>
             </a:fld>
             <a:endParaRPr lang="nl-NL"/>
           </a:p>
@@ -4549,7 +4978,7 @@
           <a:p>
             <a:fld id="{B7143579-2101-4C6F-A808-99EB0857814B}" type="datetime1">
               <a:rPr lang="nl-NL" smtClean="0"/>
-              <a:t>8-6-2023</a:t>
+              <a:t>21-6-2023</a:t>
             </a:fld>
             <a:endParaRPr lang="nl-NL"/>
           </a:p>
@@ -5825,7 +6254,7 @@
           <a:p>
             <a:fld id="{B7143579-2101-4C6F-A808-99EB0857814B}" type="datetime1">
               <a:rPr lang="nl-NL" smtClean="0"/>
-              <a:t>8-6-2023</a:t>
+              <a:t>21-6-2023</a:t>
             </a:fld>
             <a:endParaRPr lang="nl-NL"/>
           </a:p>
@@ -7168,7 +7597,7 @@
           <a:p>
             <a:fld id="{B7143579-2101-4C6F-A808-99EB0857814B}" type="datetime1">
               <a:rPr lang="nl-NL" smtClean="0"/>
-              <a:t>8-6-2023</a:t>
+              <a:t>21-6-2023</a:t>
             </a:fld>
             <a:endParaRPr lang="nl-NL"/>
           </a:p>
@@ -8573,7 +9002,7 @@
           <a:p>
             <a:fld id="{B7143579-2101-4C6F-A808-99EB0857814B}" type="datetime1">
               <a:rPr lang="nl-NL" smtClean="0"/>
-              <a:t>8-6-2023</a:t>
+              <a:t>21-6-2023</a:t>
             </a:fld>
             <a:endParaRPr lang="nl-NL"/>
           </a:p>
@@ -9993,7 +10422,7 @@
           <a:p>
             <a:fld id="{410BB17C-BEC6-423A-92E3-BDBEAB662457}" type="datetime1">
               <a:rPr lang="nl-NL" smtClean="0"/>
-              <a:t>8-6-2023</a:t>
+              <a:t>21-6-2023</a:t>
             </a:fld>
             <a:endParaRPr lang="nl-NL"/>
           </a:p>
@@ -10398,7 +10827,7 @@
           <a:p>
             <a:fld id="{7F4C3D0D-D107-4BE0-AB6B-D8A37DB967C3}" type="datetime1">
               <a:rPr lang="nl-NL" smtClean="0"/>
-              <a:t>8-6-2023</a:t>
+              <a:t>21-6-2023</a:t>
             </a:fld>
             <a:endParaRPr lang="nl-NL"/>
           </a:p>
@@ -11184,7 +11613,7 @@
         </p:spPr>
         <p:txBody>
           <a:bodyPr vert="horz" lIns="91440" tIns="45720" rIns="91440" bIns="45720" rtlCol="0" anchor="ctr">
-            <a:normAutofit fontScale="85000" lnSpcReduction="10000"/>
+            <a:normAutofit fontScale="70000" lnSpcReduction="20000"/>
           </a:bodyPr>
           <a:lstStyle>
             <a:lvl1pPr marL="0" indent="0" algn="ctr" defTabSz="914400" rtl="0" eaLnBrk="1" latinLnBrk="0" hangingPunct="1">
@@ -11352,9 +11781,17 @@
           </a:lstStyle>
           <a:p>
             <a:r>
-              <a:rPr lang="nl-NL"/>
+              <a:rPr lang="nl-NL" dirty="0"/>
               <a:t>This data is collected using the in-house Bruker X-ray diffractometer. The format could either .xrdml or .raw. The size is around 20 KB.</a:t>
             </a:r>
+          </a:p>
+          <a:p>
+            <a:r>
+              <a:rPr lang="nl-NL" dirty="0"/>
+              <a:t>YYMMDD_{sample_name}.xrdml</a:t>
+            </a:r>
+          </a:p>
+          <a:p>
             <a:endParaRPr lang="nl-NL" dirty="0"/>
           </a:p>
         </p:txBody>
@@ -11390,7 +11827,7 @@
         </p:spPr>
         <p:txBody>
           <a:bodyPr vert="horz" lIns="91440" tIns="45720" rIns="91440" bIns="45720" rtlCol="0" anchor="ctr">
-            <a:normAutofit fontScale="85000" lnSpcReduction="20000"/>
+            <a:normAutofit fontScale="70000" lnSpcReduction="20000"/>
           </a:bodyPr>
           <a:lstStyle>
             <a:lvl1pPr marL="0" indent="0" algn="ctr" defTabSz="914400" rtl="0" eaLnBrk="1" latinLnBrk="0" hangingPunct="1">
@@ -11560,6 +11997,12 @@
             <a:r>
               <a:rPr lang="nl-NL" dirty="0"/>
               <a:t>This data is generated by the MT-Lab Software. The formats possible are .fra, .Z, and .dat. The size depends on how the data is collected.</a:t>
+            </a:r>
+          </a:p>
+          <a:p>
+            <a:r>
+              <a:rPr lang="nl-NL" dirty="0"/>
+              <a:t>YYMMDD_{sample_name}_{impedance_experimental_condition}.z</a:t>
             </a:r>
           </a:p>
         </p:txBody>
@@ -11595,7 +12038,7 @@
         </p:spPr>
         <p:txBody>
           <a:bodyPr vert="horz" lIns="91440" tIns="45720" rIns="91440" bIns="45720" rtlCol="0" anchor="ctr">
-            <a:normAutofit fontScale="92500"/>
+            <a:normAutofit fontScale="77500" lnSpcReduction="20000"/>
           </a:bodyPr>
           <a:lstStyle>
             <a:lvl1pPr marL="0" indent="0" algn="ctr" defTabSz="914400" rtl="0" eaLnBrk="1" latinLnBrk="0" hangingPunct="1">
@@ -11763,10 +12206,15 @@
           </a:lstStyle>
           <a:p>
             <a:r>
-              <a:rPr lang="nl-NL"/>
+              <a:rPr lang="nl-NL" dirty="0"/>
               <a:t>This data is generated by Bruker TopSpin Software. It has the format ‘.fid’ and a size of 240 KB.</a:t>
             </a:r>
-            <a:endParaRPr lang="nl-NL" dirty="0"/>
+          </a:p>
+          <a:p>
+            <a:r>
+              <a:rPr lang="nl-NL" dirty="0"/>
+              <a:t>YYMMDD_{sample_name}_{nmr_experimental_condition}.fid</a:t>
+            </a:r>
           </a:p>
         </p:txBody>
       </p:sp>
@@ -14626,7 +15074,7 @@
         </p:spPr>
         <p:txBody>
           <a:bodyPr vert="horz" lIns="91440" tIns="45720" rIns="91440" bIns="45720" rtlCol="0" anchor="ctr">
-            <a:normAutofit fontScale="85000" lnSpcReduction="20000"/>
+            <a:normAutofit fontScale="70000" lnSpcReduction="20000"/>
           </a:bodyPr>
           <a:lstStyle>
             <a:lvl1pPr marL="0" indent="0" algn="ctr" defTabSz="914400" rtl="0" eaLnBrk="1" latinLnBrk="0" hangingPunct="1">
@@ -14794,8 +15242,14 @@
           </a:lstStyle>
           <a:p>
             <a:r>
-              <a:rPr lang="en-GB"/>
+              <a:rPr lang="en-GB" dirty="0"/>
               <a:t>These include posters and presentation slides. The size is dependent on the quality and quantity of each file. The format could be .jpeg, .pdf, etc.</a:t>
+            </a:r>
+          </a:p>
+          <a:p>
+            <a:r>
+              <a:rPr lang="en-GB" dirty="0"/>
+              <a:t>YYMMDD_{presentation_name}.pdf</a:t>
             </a:r>
             <a:endParaRPr lang="en-NL" dirty="0"/>
           </a:p>
@@ -14832,7 +15286,7 @@
         </p:spPr>
         <p:txBody>
           <a:bodyPr vert="horz" lIns="91440" tIns="45720" rIns="91440" bIns="45720" rtlCol="0" anchor="ctr">
-            <a:normAutofit fontScale="77500" lnSpcReduction="20000"/>
+            <a:normAutofit fontScale="70000" lnSpcReduction="20000"/>
           </a:bodyPr>
           <a:lstStyle>
             <a:lvl1pPr marL="0" indent="0" algn="ctr" defTabSz="914400" rtl="0" eaLnBrk="1" latinLnBrk="0" hangingPunct="1">
@@ -15000,8 +15454,42 @@
           </a:lstStyle>
           <a:p>
             <a:r>
-              <a:rPr lang="en-GB"/>
-              <a:t>These are created using VSCode. They have .ipynb format and the size is dependent on the length of each script. Theses scripts are written for data analysis and visualisation.</a:t>
+              <a:rPr lang="en-GB" dirty="0"/>
+              <a:t>These are created using </a:t>
+            </a:r>
+            <a:r>
+              <a:rPr lang="en-GB" dirty="0" err="1"/>
+              <a:t>VSCode</a:t>
+            </a:r>
+            <a:r>
+              <a:rPr lang="en-GB" dirty="0"/>
+              <a:t>. They have .</a:t>
+            </a:r>
+            <a:r>
+              <a:rPr lang="en-GB" dirty="0" err="1"/>
+              <a:t>ipynb</a:t>
+            </a:r>
+            <a:r>
+              <a:rPr lang="en-GB" dirty="0"/>
+              <a:t> format and the size is dependent on the length of each script. Theses scripts are written for data analysis and visualisation.</a:t>
+            </a:r>
+          </a:p>
+          <a:p>
+            <a:r>
+              <a:rPr lang="en-GB" dirty="0"/>
+              <a:t>YYMMDD_{</a:t>
+            </a:r>
+            <a:r>
+              <a:rPr lang="en-GB" dirty="0" err="1"/>
+              <a:t>script_purpose</a:t>
+            </a:r>
+            <a:r>
+              <a:rPr lang="en-GB" dirty="0"/>
+              <a:t>}.</a:t>
+            </a:r>
+            <a:r>
+              <a:rPr lang="en-GB" dirty="0" err="1"/>
+              <a:t>ipynb</a:t>
             </a:r>
             <a:endParaRPr lang="en-NL" dirty="0"/>
           </a:p>
@@ -16147,418 +16635,6 @@
       </p:sp>
       <p:sp>
         <p:nvSpPr>
-          <p:cNvPr id="14" name="Tijdelijke aanduiding voor tekst 25">
-            <a:extLst>
-              <a:ext uri="{FF2B5EF4-FFF2-40B4-BE49-F238E27FC236}">
-                <a16:creationId xmlns:a16="http://schemas.microsoft.com/office/drawing/2014/main" id="{9B31760E-56E5-7C53-4DA0-8D8ACB62FF73}"/>
-              </a:ext>
-            </a:extLst>
-          </p:cNvPr>
-          <p:cNvSpPr txBox="1">
-            <a:spLocks/>
-          </p:cNvSpPr>
-          <p:nvPr/>
-        </p:nvSpPr>
-        <p:spPr>
-          <a:xfrm>
-            <a:off x="4180186" y="4394006"/>
-            <a:ext cx="2208931" cy="1059093"/>
-          </a:xfrm>
-          <a:prstGeom prst="rect">
-            <a:avLst/>
-          </a:prstGeom>
-          <a:solidFill>
-            <a:schemeClr val="accent3">
-              <a:lumMod val="40000"/>
-              <a:lumOff val="60000"/>
-            </a:schemeClr>
-          </a:solidFill>
-        </p:spPr>
-        <p:txBody>
-          <a:bodyPr vert="horz" lIns="91440" tIns="45720" rIns="91440" bIns="45720" rtlCol="0" anchor="ctr">
-            <a:normAutofit fontScale="85000" lnSpcReduction="10000"/>
-          </a:bodyPr>
-          <a:lstStyle>
-            <a:lvl1pPr marL="0" indent="0" algn="ctr" defTabSz="914400" rtl="0" eaLnBrk="1" latinLnBrk="0" hangingPunct="1">
-              <a:lnSpc>
-                <a:spcPct val="90000"/>
-              </a:lnSpc>
-              <a:spcBef>
-                <a:spcPts val="1000"/>
-              </a:spcBef>
-              <a:buFont typeface="Arial" panose="020B0604020202020204" pitchFamily="34" charset="0"/>
-              <a:buNone/>
-              <a:defRPr sz="1600" b="0" i="1" u="none" kern="1200">
-                <a:solidFill>
-                  <a:schemeClr val="tx1"/>
-                </a:solidFill>
-                <a:latin typeface="+mn-lt"/>
-                <a:ea typeface="+mn-ea"/>
-                <a:cs typeface="+mn-cs"/>
-              </a:defRPr>
-            </a:lvl1pPr>
-            <a:lvl2pPr marL="685800" indent="-228600" algn="l" defTabSz="914400" rtl="0" eaLnBrk="1" latinLnBrk="0" hangingPunct="1">
-              <a:lnSpc>
-                <a:spcPct val="90000"/>
-              </a:lnSpc>
-              <a:spcBef>
-                <a:spcPts val="500"/>
-              </a:spcBef>
-              <a:buFont typeface="Arial" panose="020B0604020202020204" pitchFamily="34" charset="0"/>
-              <a:buChar char="•"/>
-              <a:defRPr sz="2400" kern="1200">
-                <a:solidFill>
-                  <a:schemeClr val="tx1"/>
-                </a:solidFill>
-                <a:latin typeface="+mn-lt"/>
-                <a:ea typeface="+mn-ea"/>
-                <a:cs typeface="+mn-cs"/>
-              </a:defRPr>
-            </a:lvl2pPr>
-            <a:lvl3pPr marL="1143000" indent="-228600" algn="l" defTabSz="914400" rtl="0" eaLnBrk="1" latinLnBrk="0" hangingPunct="1">
-              <a:lnSpc>
-                <a:spcPct val="90000"/>
-              </a:lnSpc>
-              <a:spcBef>
-                <a:spcPts val="500"/>
-              </a:spcBef>
-              <a:buFont typeface="Arial" panose="020B0604020202020204" pitchFamily="34" charset="0"/>
-              <a:buChar char="•"/>
-              <a:defRPr sz="2000" kern="1200">
-                <a:solidFill>
-                  <a:schemeClr val="tx1"/>
-                </a:solidFill>
-                <a:latin typeface="+mn-lt"/>
-                <a:ea typeface="+mn-ea"/>
-                <a:cs typeface="+mn-cs"/>
-              </a:defRPr>
-            </a:lvl3pPr>
-            <a:lvl4pPr marL="1600200" indent="-228600" algn="l" defTabSz="914400" rtl="0" eaLnBrk="1" latinLnBrk="0" hangingPunct="1">
-              <a:lnSpc>
-                <a:spcPct val="90000"/>
-              </a:lnSpc>
-              <a:spcBef>
-                <a:spcPts val="500"/>
-              </a:spcBef>
-              <a:buFont typeface="Arial" panose="020B0604020202020204" pitchFamily="34" charset="0"/>
-              <a:buChar char="•"/>
-              <a:defRPr sz="1800" kern="1200">
-                <a:solidFill>
-                  <a:schemeClr val="tx1"/>
-                </a:solidFill>
-                <a:latin typeface="+mn-lt"/>
-                <a:ea typeface="+mn-ea"/>
-                <a:cs typeface="+mn-cs"/>
-              </a:defRPr>
-            </a:lvl4pPr>
-            <a:lvl5pPr marL="2057400" indent="-228600" algn="l" defTabSz="914400" rtl="0" eaLnBrk="1" latinLnBrk="0" hangingPunct="1">
-              <a:lnSpc>
-                <a:spcPct val="90000"/>
-              </a:lnSpc>
-              <a:spcBef>
-                <a:spcPts val="500"/>
-              </a:spcBef>
-              <a:buFont typeface="Arial" panose="020B0604020202020204" pitchFamily="34" charset="0"/>
-              <a:buChar char="•"/>
-              <a:defRPr sz="1800" kern="1200">
-                <a:solidFill>
-                  <a:schemeClr val="tx1"/>
-                </a:solidFill>
-                <a:latin typeface="+mn-lt"/>
-                <a:ea typeface="+mn-ea"/>
-                <a:cs typeface="+mn-cs"/>
-              </a:defRPr>
-            </a:lvl5pPr>
-            <a:lvl6pPr marL="2514600" indent="-228600" algn="l" defTabSz="914400" rtl="0" eaLnBrk="1" latinLnBrk="0" hangingPunct="1">
-              <a:lnSpc>
-                <a:spcPct val="90000"/>
-              </a:lnSpc>
-              <a:spcBef>
-                <a:spcPts val="500"/>
-              </a:spcBef>
-              <a:buFont typeface="Arial" panose="020B0604020202020204" pitchFamily="34" charset="0"/>
-              <a:buChar char="•"/>
-              <a:defRPr sz="1800" kern="1200">
-                <a:solidFill>
-                  <a:schemeClr val="tx1"/>
-                </a:solidFill>
-                <a:latin typeface="+mn-lt"/>
-                <a:ea typeface="+mn-ea"/>
-                <a:cs typeface="+mn-cs"/>
-              </a:defRPr>
-            </a:lvl6pPr>
-            <a:lvl7pPr marL="2971800" indent="-228600" algn="l" defTabSz="914400" rtl="0" eaLnBrk="1" latinLnBrk="0" hangingPunct="1">
-              <a:lnSpc>
-                <a:spcPct val="90000"/>
-              </a:lnSpc>
-              <a:spcBef>
-                <a:spcPts val="500"/>
-              </a:spcBef>
-              <a:buFont typeface="Arial" panose="020B0604020202020204" pitchFamily="34" charset="0"/>
-              <a:buChar char="•"/>
-              <a:defRPr sz="1800" kern="1200">
-                <a:solidFill>
-                  <a:schemeClr val="tx1"/>
-                </a:solidFill>
-                <a:latin typeface="+mn-lt"/>
-                <a:ea typeface="+mn-ea"/>
-                <a:cs typeface="+mn-cs"/>
-              </a:defRPr>
-            </a:lvl7pPr>
-            <a:lvl8pPr marL="3429000" indent="-228600" algn="l" defTabSz="914400" rtl="0" eaLnBrk="1" latinLnBrk="0" hangingPunct="1">
-              <a:lnSpc>
-                <a:spcPct val="90000"/>
-              </a:lnSpc>
-              <a:spcBef>
-                <a:spcPts val="500"/>
-              </a:spcBef>
-              <a:buFont typeface="Arial" panose="020B0604020202020204" pitchFamily="34" charset="0"/>
-              <a:buChar char="•"/>
-              <a:defRPr sz="1800" kern="1200">
-                <a:solidFill>
-                  <a:schemeClr val="tx1"/>
-                </a:solidFill>
-                <a:latin typeface="+mn-lt"/>
-                <a:ea typeface="+mn-ea"/>
-                <a:cs typeface="+mn-cs"/>
-              </a:defRPr>
-            </a:lvl8pPr>
-            <a:lvl9pPr marL="3886200" indent="-228600" algn="l" defTabSz="914400" rtl="0" eaLnBrk="1" latinLnBrk="0" hangingPunct="1">
-              <a:lnSpc>
-                <a:spcPct val="90000"/>
-              </a:lnSpc>
-              <a:spcBef>
-                <a:spcPts val="500"/>
-              </a:spcBef>
-              <a:buFont typeface="Arial" panose="020B0604020202020204" pitchFamily="34" charset="0"/>
-              <a:buChar char="•"/>
-              <a:defRPr sz="1800" kern="1200">
-                <a:solidFill>
-                  <a:schemeClr val="tx1"/>
-                </a:solidFill>
-                <a:latin typeface="+mn-lt"/>
-                <a:ea typeface="+mn-ea"/>
-                <a:cs typeface="+mn-cs"/>
-              </a:defRPr>
-            </a:lvl9pPr>
-          </a:lstStyle>
-          <a:p>
-            <a:r>
-              <a:rPr lang="nl-NL"/>
-              <a:t>This data is collected using the in-house Bruker X-ray diffractometer. The format could either .xrdml or .raw. The size is around 20 KB.</a:t>
-            </a:r>
-            <a:endParaRPr lang="nl-NL" dirty="0"/>
-          </a:p>
-        </p:txBody>
-      </p:sp>
-      <p:sp>
-        <p:nvSpPr>
-          <p:cNvPr id="15" name="Tijdelijke aanduiding voor tekst 23">
-            <a:extLst>
-              <a:ext uri="{FF2B5EF4-FFF2-40B4-BE49-F238E27FC236}">
-                <a16:creationId xmlns:a16="http://schemas.microsoft.com/office/drawing/2014/main" id="{8C2E4ED6-02FB-553D-C56F-A35C5D2EE88B}"/>
-              </a:ext>
-            </a:extLst>
-          </p:cNvPr>
-          <p:cNvSpPr txBox="1">
-            <a:spLocks/>
-          </p:cNvSpPr>
-          <p:nvPr/>
-        </p:nvSpPr>
-        <p:spPr>
-          <a:xfrm>
-            <a:off x="4180187" y="1496371"/>
-            <a:ext cx="2208931" cy="1059093"/>
-          </a:xfrm>
-          <a:prstGeom prst="rect">
-            <a:avLst/>
-          </a:prstGeom>
-          <a:solidFill>
-            <a:schemeClr val="accent3">
-              <a:lumMod val="40000"/>
-              <a:lumOff val="60000"/>
-            </a:schemeClr>
-          </a:solidFill>
-        </p:spPr>
-        <p:txBody>
-          <a:bodyPr vert="horz" lIns="91440" tIns="45720" rIns="91440" bIns="45720" rtlCol="0" anchor="ctr">
-            <a:normAutofit fontScale="92500"/>
-          </a:bodyPr>
-          <a:lstStyle>
-            <a:lvl1pPr marL="0" indent="0" algn="ctr" defTabSz="914400" rtl="0" eaLnBrk="1" latinLnBrk="0" hangingPunct="1">
-              <a:lnSpc>
-                <a:spcPct val="90000"/>
-              </a:lnSpc>
-              <a:spcBef>
-                <a:spcPts val="1000"/>
-              </a:spcBef>
-              <a:buFont typeface="Arial" panose="020B0604020202020204" pitchFamily="34" charset="0"/>
-              <a:buNone/>
-              <a:defRPr sz="1600" b="0" i="1" u="none" kern="1200">
-                <a:solidFill>
-                  <a:schemeClr val="tx1"/>
-                </a:solidFill>
-                <a:latin typeface="+mn-lt"/>
-                <a:ea typeface="+mn-ea"/>
-                <a:cs typeface="+mn-cs"/>
-              </a:defRPr>
-            </a:lvl1pPr>
-            <a:lvl2pPr marL="685800" indent="-228600" algn="l" defTabSz="914400" rtl="0" eaLnBrk="1" latinLnBrk="0" hangingPunct="1">
-              <a:lnSpc>
-                <a:spcPct val="90000"/>
-              </a:lnSpc>
-              <a:spcBef>
-                <a:spcPts val="500"/>
-              </a:spcBef>
-              <a:buFont typeface="Arial" panose="020B0604020202020204" pitchFamily="34" charset="0"/>
-              <a:buChar char="•"/>
-              <a:defRPr sz="2400" kern="1200">
-                <a:solidFill>
-                  <a:schemeClr val="tx1"/>
-                </a:solidFill>
-                <a:latin typeface="+mn-lt"/>
-                <a:ea typeface="+mn-ea"/>
-                <a:cs typeface="+mn-cs"/>
-              </a:defRPr>
-            </a:lvl2pPr>
-            <a:lvl3pPr marL="1143000" indent="-228600" algn="l" defTabSz="914400" rtl="0" eaLnBrk="1" latinLnBrk="0" hangingPunct="1">
-              <a:lnSpc>
-                <a:spcPct val="90000"/>
-              </a:lnSpc>
-              <a:spcBef>
-                <a:spcPts val="500"/>
-              </a:spcBef>
-              <a:buFont typeface="Arial" panose="020B0604020202020204" pitchFamily="34" charset="0"/>
-              <a:buChar char="•"/>
-              <a:defRPr sz="2000" kern="1200">
-                <a:solidFill>
-                  <a:schemeClr val="tx1"/>
-                </a:solidFill>
-                <a:latin typeface="+mn-lt"/>
-                <a:ea typeface="+mn-ea"/>
-                <a:cs typeface="+mn-cs"/>
-              </a:defRPr>
-            </a:lvl3pPr>
-            <a:lvl4pPr marL="1600200" indent="-228600" algn="l" defTabSz="914400" rtl="0" eaLnBrk="1" latinLnBrk="0" hangingPunct="1">
-              <a:lnSpc>
-                <a:spcPct val="90000"/>
-              </a:lnSpc>
-              <a:spcBef>
-                <a:spcPts val="500"/>
-              </a:spcBef>
-              <a:buFont typeface="Arial" panose="020B0604020202020204" pitchFamily="34" charset="0"/>
-              <a:buChar char="•"/>
-              <a:defRPr sz="1800" kern="1200">
-                <a:solidFill>
-                  <a:schemeClr val="tx1"/>
-                </a:solidFill>
-                <a:latin typeface="+mn-lt"/>
-                <a:ea typeface="+mn-ea"/>
-                <a:cs typeface="+mn-cs"/>
-              </a:defRPr>
-            </a:lvl4pPr>
-            <a:lvl5pPr marL="2057400" indent="-228600" algn="l" defTabSz="914400" rtl="0" eaLnBrk="1" latinLnBrk="0" hangingPunct="1">
-              <a:lnSpc>
-                <a:spcPct val="90000"/>
-              </a:lnSpc>
-              <a:spcBef>
-                <a:spcPts val="500"/>
-              </a:spcBef>
-              <a:buFont typeface="Arial" panose="020B0604020202020204" pitchFamily="34" charset="0"/>
-              <a:buChar char="•"/>
-              <a:defRPr sz="1800" kern="1200">
-                <a:solidFill>
-                  <a:schemeClr val="tx1"/>
-                </a:solidFill>
-                <a:latin typeface="+mn-lt"/>
-                <a:ea typeface="+mn-ea"/>
-                <a:cs typeface="+mn-cs"/>
-              </a:defRPr>
-            </a:lvl5pPr>
-            <a:lvl6pPr marL="2514600" indent="-228600" algn="l" defTabSz="914400" rtl="0" eaLnBrk="1" latinLnBrk="0" hangingPunct="1">
-              <a:lnSpc>
-                <a:spcPct val="90000"/>
-              </a:lnSpc>
-              <a:spcBef>
-                <a:spcPts val="500"/>
-              </a:spcBef>
-              <a:buFont typeface="Arial" panose="020B0604020202020204" pitchFamily="34" charset="0"/>
-              <a:buChar char="•"/>
-              <a:defRPr sz="1800" kern="1200">
-                <a:solidFill>
-                  <a:schemeClr val="tx1"/>
-                </a:solidFill>
-                <a:latin typeface="+mn-lt"/>
-                <a:ea typeface="+mn-ea"/>
-                <a:cs typeface="+mn-cs"/>
-              </a:defRPr>
-            </a:lvl6pPr>
-            <a:lvl7pPr marL="2971800" indent="-228600" algn="l" defTabSz="914400" rtl="0" eaLnBrk="1" latinLnBrk="0" hangingPunct="1">
-              <a:lnSpc>
-                <a:spcPct val="90000"/>
-              </a:lnSpc>
-              <a:spcBef>
-                <a:spcPts val="500"/>
-              </a:spcBef>
-              <a:buFont typeface="Arial" panose="020B0604020202020204" pitchFamily="34" charset="0"/>
-              <a:buChar char="•"/>
-              <a:defRPr sz="1800" kern="1200">
-                <a:solidFill>
-                  <a:schemeClr val="tx1"/>
-                </a:solidFill>
-                <a:latin typeface="+mn-lt"/>
-                <a:ea typeface="+mn-ea"/>
-                <a:cs typeface="+mn-cs"/>
-              </a:defRPr>
-            </a:lvl7pPr>
-            <a:lvl8pPr marL="3429000" indent="-228600" algn="l" defTabSz="914400" rtl="0" eaLnBrk="1" latinLnBrk="0" hangingPunct="1">
-              <a:lnSpc>
-                <a:spcPct val="90000"/>
-              </a:lnSpc>
-              <a:spcBef>
-                <a:spcPts val="500"/>
-              </a:spcBef>
-              <a:buFont typeface="Arial" panose="020B0604020202020204" pitchFamily="34" charset="0"/>
-              <a:buChar char="•"/>
-              <a:defRPr sz="1800" kern="1200">
-                <a:solidFill>
-                  <a:schemeClr val="tx1"/>
-                </a:solidFill>
-                <a:latin typeface="+mn-lt"/>
-                <a:ea typeface="+mn-ea"/>
-                <a:cs typeface="+mn-cs"/>
-              </a:defRPr>
-            </a:lvl8pPr>
-            <a:lvl9pPr marL="3886200" indent="-228600" algn="l" defTabSz="914400" rtl="0" eaLnBrk="1" latinLnBrk="0" hangingPunct="1">
-              <a:lnSpc>
-                <a:spcPct val="90000"/>
-              </a:lnSpc>
-              <a:spcBef>
-                <a:spcPts val="500"/>
-              </a:spcBef>
-              <a:buFont typeface="Arial" panose="020B0604020202020204" pitchFamily="34" charset="0"/>
-              <a:buChar char="•"/>
-              <a:defRPr sz="1800" kern="1200">
-                <a:solidFill>
-                  <a:schemeClr val="tx1"/>
-                </a:solidFill>
-                <a:latin typeface="+mn-lt"/>
-                <a:ea typeface="+mn-ea"/>
-                <a:cs typeface="+mn-cs"/>
-              </a:defRPr>
-            </a:lvl9pPr>
-          </a:lstStyle>
-          <a:p>
-            <a:r>
-              <a:rPr lang="nl-NL"/>
-              <a:t>This data is generated by Bruker TopSpin Software. It has the format ‘.fid’ and a size of 240 KB.</a:t>
-            </a:r>
-            <a:endParaRPr lang="nl-NL" dirty="0"/>
-          </a:p>
-        </p:txBody>
-      </p:sp>
-      <p:sp>
-        <p:nvSpPr>
           <p:cNvPr id="16" name="Tijdelijke aanduiding voor tekst 19">
             <a:extLst>
               <a:ext uri="{FF2B5EF4-FFF2-40B4-BE49-F238E27FC236}">
@@ -17401,10 +17477,224 @@
       </p:sp>
       <p:sp>
         <p:nvSpPr>
-          <p:cNvPr id="22" name="Tijdelijke aanduiding voor tekst 24">
-            <a:extLst>
-              <a:ext uri="{FF2B5EF4-FFF2-40B4-BE49-F238E27FC236}">
-                <a16:creationId xmlns:a16="http://schemas.microsoft.com/office/drawing/2014/main" id="{E9B4AECB-8E96-2C2D-332A-96C8C6D47515}"/>
+          <p:cNvPr id="2" name="Tijdelijke aanduiding voor tekst 25">
+            <a:extLst>
+              <a:ext uri="{FF2B5EF4-FFF2-40B4-BE49-F238E27FC236}">
+                <a16:creationId xmlns:a16="http://schemas.microsoft.com/office/drawing/2014/main" id="{8C2CF8FA-FF08-7836-EBA5-21D2B0886C4F}"/>
+              </a:ext>
+            </a:extLst>
+          </p:cNvPr>
+          <p:cNvSpPr txBox="1">
+            <a:spLocks/>
+          </p:cNvSpPr>
+          <p:nvPr/>
+        </p:nvSpPr>
+        <p:spPr>
+          <a:xfrm>
+            <a:off x="4180186" y="4394006"/>
+            <a:ext cx="2208931" cy="1059093"/>
+          </a:xfrm>
+          <a:prstGeom prst="rect">
+            <a:avLst/>
+          </a:prstGeom>
+          <a:solidFill>
+            <a:schemeClr val="accent3">
+              <a:lumMod val="40000"/>
+              <a:lumOff val="60000"/>
+            </a:schemeClr>
+          </a:solidFill>
+        </p:spPr>
+        <p:txBody>
+          <a:bodyPr vert="horz" lIns="91440" tIns="45720" rIns="91440" bIns="45720" rtlCol="0" anchor="ctr">
+            <a:normAutofit fontScale="70000" lnSpcReduction="20000"/>
+          </a:bodyPr>
+          <a:lstStyle>
+            <a:lvl1pPr marL="0" indent="0" algn="ctr" defTabSz="914400" rtl="0" eaLnBrk="1" latinLnBrk="0" hangingPunct="1">
+              <a:lnSpc>
+                <a:spcPct val="90000"/>
+              </a:lnSpc>
+              <a:spcBef>
+                <a:spcPts val="1000"/>
+              </a:spcBef>
+              <a:buFont typeface="Arial" panose="020B0604020202020204" pitchFamily="34" charset="0"/>
+              <a:buNone/>
+              <a:defRPr sz="1600" b="0" i="1" u="none" kern="1200">
+                <a:solidFill>
+                  <a:schemeClr val="tx1"/>
+                </a:solidFill>
+                <a:latin typeface="+mn-lt"/>
+                <a:ea typeface="+mn-ea"/>
+                <a:cs typeface="+mn-cs"/>
+              </a:defRPr>
+            </a:lvl1pPr>
+            <a:lvl2pPr marL="685800" indent="-228600" algn="l" defTabSz="914400" rtl="0" eaLnBrk="1" latinLnBrk="0" hangingPunct="1">
+              <a:lnSpc>
+                <a:spcPct val="90000"/>
+              </a:lnSpc>
+              <a:spcBef>
+                <a:spcPts val="500"/>
+              </a:spcBef>
+              <a:buFont typeface="Arial" panose="020B0604020202020204" pitchFamily="34" charset="0"/>
+              <a:buChar char="•"/>
+              <a:defRPr sz="2400" kern="1200">
+                <a:solidFill>
+                  <a:schemeClr val="tx1"/>
+                </a:solidFill>
+                <a:latin typeface="+mn-lt"/>
+                <a:ea typeface="+mn-ea"/>
+                <a:cs typeface="+mn-cs"/>
+              </a:defRPr>
+            </a:lvl2pPr>
+            <a:lvl3pPr marL="1143000" indent="-228600" algn="l" defTabSz="914400" rtl="0" eaLnBrk="1" latinLnBrk="0" hangingPunct="1">
+              <a:lnSpc>
+                <a:spcPct val="90000"/>
+              </a:lnSpc>
+              <a:spcBef>
+                <a:spcPts val="500"/>
+              </a:spcBef>
+              <a:buFont typeface="Arial" panose="020B0604020202020204" pitchFamily="34" charset="0"/>
+              <a:buChar char="•"/>
+              <a:defRPr sz="2000" kern="1200">
+                <a:solidFill>
+                  <a:schemeClr val="tx1"/>
+                </a:solidFill>
+                <a:latin typeface="+mn-lt"/>
+                <a:ea typeface="+mn-ea"/>
+                <a:cs typeface="+mn-cs"/>
+              </a:defRPr>
+            </a:lvl3pPr>
+            <a:lvl4pPr marL="1600200" indent="-228600" algn="l" defTabSz="914400" rtl="0" eaLnBrk="1" latinLnBrk="0" hangingPunct="1">
+              <a:lnSpc>
+                <a:spcPct val="90000"/>
+              </a:lnSpc>
+              <a:spcBef>
+                <a:spcPts val="500"/>
+              </a:spcBef>
+              <a:buFont typeface="Arial" panose="020B0604020202020204" pitchFamily="34" charset="0"/>
+              <a:buChar char="•"/>
+              <a:defRPr sz="1800" kern="1200">
+                <a:solidFill>
+                  <a:schemeClr val="tx1"/>
+                </a:solidFill>
+                <a:latin typeface="+mn-lt"/>
+                <a:ea typeface="+mn-ea"/>
+                <a:cs typeface="+mn-cs"/>
+              </a:defRPr>
+            </a:lvl4pPr>
+            <a:lvl5pPr marL="2057400" indent="-228600" algn="l" defTabSz="914400" rtl="0" eaLnBrk="1" latinLnBrk="0" hangingPunct="1">
+              <a:lnSpc>
+                <a:spcPct val="90000"/>
+              </a:lnSpc>
+              <a:spcBef>
+                <a:spcPts val="500"/>
+              </a:spcBef>
+              <a:buFont typeface="Arial" panose="020B0604020202020204" pitchFamily="34" charset="0"/>
+              <a:buChar char="•"/>
+              <a:defRPr sz="1800" kern="1200">
+                <a:solidFill>
+                  <a:schemeClr val="tx1"/>
+                </a:solidFill>
+                <a:latin typeface="+mn-lt"/>
+                <a:ea typeface="+mn-ea"/>
+                <a:cs typeface="+mn-cs"/>
+              </a:defRPr>
+            </a:lvl5pPr>
+            <a:lvl6pPr marL="2514600" indent="-228600" algn="l" defTabSz="914400" rtl="0" eaLnBrk="1" latinLnBrk="0" hangingPunct="1">
+              <a:lnSpc>
+                <a:spcPct val="90000"/>
+              </a:lnSpc>
+              <a:spcBef>
+                <a:spcPts val="500"/>
+              </a:spcBef>
+              <a:buFont typeface="Arial" panose="020B0604020202020204" pitchFamily="34" charset="0"/>
+              <a:buChar char="•"/>
+              <a:defRPr sz="1800" kern="1200">
+                <a:solidFill>
+                  <a:schemeClr val="tx1"/>
+                </a:solidFill>
+                <a:latin typeface="+mn-lt"/>
+                <a:ea typeface="+mn-ea"/>
+                <a:cs typeface="+mn-cs"/>
+              </a:defRPr>
+            </a:lvl6pPr>
+            <a:lvl7pPr marL="2971800" indent="-228600" algn="l" defTabSz="914400" rtl="0" eaLnBrk="1" latinLnBrk="0" hangingPunct="1">
+              <a:lnSpc>
+                <a:spcPct val="90000"/>
+              </a:lnSpc>
+              <a:spcBef>
+                <a:spcPts val="500"/>
+              </a:spcBef>
+              <a:buFont typeface="Arial" panose="020B0604020202020204" pitchFamily="34" charset="0"/>
+              <a:buChar char="•"/>
+              <a:defRPr sz="1800" kern="1200">
+                <a:solidFill>
+                  <a:schemeClr val="tx1"/>
+                </a:solidFill>
+                <a:latin typeface="+mn-lt"/>
+                <a:ea typeface="+mn-ea"/>
+                <a:cs typeface="+mn-cs"/>
+              </a:defRPr>
+            </a:lvl7pPr>
+            <a:lvl8pPr marL="3429000" indent="-228600" algn="l" defTabSz="914400" rtl="0" eaLnBrk="1" latinLnBrk="0" hangingPunct="1">
+              <a:lnSpc>
+                <a:spcPct val="90000"/>
+              </a:lnSpc>
+              <a:spcBef>
+                <a:spcPts val="500"/>
+              </a:spcBef>
+              <a:buFont typeface="Arial" panose="020B0604020202020204" pitchFamily="34" charset="0"/>
+              <a:buChar char="•"/>
+              <a:defRPr sz="1800" kern="1200">
+                <a:solidFill>
+                  <a:schemeClr val="tx1"/>
+                </a:solidFill>
+                <a:latin typeface="+mn-lt"/>
+                <a:ea typeface="+mn-ea"/>
+                <a:cs typeface="+mn-cs"/>
+              </a:defRPr>
+            </a:lvl8pPr>
+            <a:lvl9pPr marL="3886200" indent="-228600" algn="l" defTabSz="914400" rtl="0" eaLnBrk="1" latinLnBrk="0" hangingPunct="1">
+              <a:lnSpc>
+                <a:spcPct val="90000"/>
+              </a:lnSpc>
+              <a:spcBef>
+                <a:spcPts val="500"/>
+              </a:spcBef>
+              <a:buFont typeface="Arial" panose="020B0604020202020204" pitchFamily="34" charset="0"/>
+              <a:buChar char="•"/>
+              <a:defRPr sz="1800" kern="1200">
+                <a:solidFill>
+                  <a:schemeClr val="tx1"/>
+                </a:solidFill>
+                <a:latin typeface="+mn-lt"/>
+                <a:ea typeface="+mn-ea"/>
+                <a:cs typeface="+mn-cs"/>
+              </a:defRPr>
+            </a:lvl9pPr>
+          </a:lstStyle>
+          <a:p>
+            <a:r>
+              <a:rPr lang="nl-NL" dirty="0"/>
+              <a:t>This data is collected using the in-house Bruker X-ray diffractometer. The format could either .xrdml or .raw. The size is around 20 KB.</a:t>
+            </a:r>
+          </a:p>
+          <a:p>
+            <a:r>
+              <a:rPr lang="nl-NL" dirty="0"/>
+              <a:t>YYMMDD_{sample_name}.xrdml</a:t>
+            </a:r>
+          </a:p>
+          <a:p>
+            <a:endParaRPr lang="nl-NL" dirty="0"/>
+          </a:p>
+        </p:txBody>
+      </p:sp>
+      <p:sp>
+        <p:nvSpPr>
+          <p:cNvPr id="3" name="Tijdelijke aanduiding voor tekst 24">
+            <a:extLst>
+              <a:ext uri="{FF2B5EF4-FFF2-40B4-BE49-F238E27FC236}">
+                <a16:creationId xmlns:a16="http://schemas.microsoft.com/office/drawing/2014/main" id="{D1A68E22-8383-2BB8-2FC7-A9EEE8FFE688}"/>
               </a:ext>
             </a:extLst>
           </p:cNvPr>
@@ -17430,7 +17720,7 @@
         </p:spPr>
         <p:txBody>
           <a:bodyPr vert="horz" lIns="91440" tIns="45720" rIns="91440" bIns="45720" rtlCol="0" anchor="ctr">
-            <a:normAutofit fontScale="85000" lnSpcReduction="20000"/>
+            <a:normAutofit fontScale="70000" lnSpcReduction="20000"/>
           </a:bodyPr>
           <a:lstStyle>
             <a:lvl1pPr marL="0" indent="0" algn="ctr" defTabSz="914400" rtl="0" eaLnBrk="1" latinLnBrk="0" hangingPunct="1">
@@ -17600,6 +17890,223 @@
             <a:r>
               <a:rPr lang="nl-NL" dirty="0"/>
               <a:t>This data is generated by the MT-Lab Software. The formats possible are .fra, .Z, and .dat. The size depends on how the data is collected.</a:t>
+            </a:r>
+          </a:p>
+          <a:p>
+            <a:r>
+              <a:rPr lang="nl-NL" dirty="0"/>
+              <a:t>YYMMDD_{sample_name}_{impedance_experimental_condition}.z</a:t>
+            </a:r>
+          </a:p>
+        </p:txBody>
+      </p:sp>
+      <p:sp>
+        <p:nvSpPr>
+          <p:cNvPr id="4" name="Tijdelijke aanduiding voor tekst 23">
+            <a:extLst>
+              <a:ext uri="{FF2B5EF4-FFF2-40B4-BE49-F238E27FC236}">
+                <a16:creationId xmlns:a16="http://schemas.microsoft.com/office/drawing/2014/main" id="{9A424F59-582C-1532-2CA3-A13AD66761D0}"/>
+              </a:ext>
+            </a:extLst>
+          </p:cNvPr>
+          <p:cNvSpPr txBox="1">
+            <a:spLocks/>
+          </p:cNvSpPr>
+          <p:nvPr/>
+        </p:nvSpPr>
+        <p:spPr>
+          <a:xfrm>
+            <a:off x="4180187" y="1496371"/>
+            <a:ext cx="2208931" cy="1059093"/>
+          </a:xfrm>
+          <a:prstGeom prst="rect">
+            <a:avLst/>
+          </a:prstGeom>
+          <a:solidFill>
+            <a:schemeClr val="accent3">
+              <a:lumMod val="40000"/>
+              <a:lumOff val="60000"/>
+            </a:schemeClr>
+          </a:solidFill>
+        </p:spPr>
+        <p:txBody>
+          <a:bodyPr vert="horz" lIns="91440" tIns="45720" rIns="91440" bIns="45720" rtlCol="0" anchor="ctr">
+            <a:normAutofit fontScale="77500" lnSpcReduction="20000"/>
+          </a:bodyPr>
+          <a:lstStyle>
+            <a:lvl1pPr marL="0" indent="0" algn="ctr" defTabSz="914400" rtl="0" eaLnBrk="1" latinLnBrk="0" hangingPunct="1">
+              <a:lnSpc>
+                <a:spcPct val="90000"/>
+              </a:lnSpc>
+              <a:spcBef>
+                <a:spcPts val="1000"/>
+              </a:spcBef>
+              <a:buFont typeface="Arial" panose="020B0604020202020204" pitchFamily="34" charset="0"/>
+              <a:buNone/>
+              <a:defRPr sz="1600" b="0" i="1" u="none" kern="1200">
+                <a:solidFill>
+                  <a:schemeClr val="tx1"/>
+                </a:solidFill>
+                <a:latin typeface="+mn-lt"/>
+                <a:ea typeface="+mn-ea"/>
+                <a:cs typeface="+mn-cs"/>
+              </a:defRPr>
+            </a:lvl1pPr>
+            <a:lvl2pPr marL="685800" indent="-228600" algn="l" defTabSz="914400" rtl="0" eaLnBrk="1" latinLnBrk="0" hangingPunct="1">
+              <a:lnSpc>
+                <a:spcPct val="90000"/>
+              </a:lnSpc>
+              <a:spcBef>
+                <a:spcPts val="500"/>
+              </a:spcBef>
+              <a:buFont typeface="Arial" panose="020B0604020202020204" pitchFamily="34" charset="0"/>
+              <a:buChar char="•"/>
+              <a:defRPr sz="2400" kern="1200">
+                <a:solidFill>
+                  <a:schemeClr val="tx1"/>
+                </a:solidFill>
+                <a:latin typeface="+mn-lt"/>
+                <a:ea typeface="+mn-ea"/>
+                <a:cs typeface="+mn-cs"/>
+              </a:defRPr>
+            </a:lvl2pPr>
+            <a:lvl3pPr marL="1143000" indent="-228600" algn="l" defTabSz="914400" rtl="0" eaLnBrk="1" latinLnBrk="0" hangingPunct="1">
+              <a:lnSpc>
+                <a:spcPct val="90000"/>
+              </a:lnSpc>
+              <a:spcBef>
+                <a:spcPts val="500"/>
+              </a:spcBef>
+              <a:buFont typeface="Arial" panose="020B0604020202020204" pitchFamily="34" charset="0"/>
+              <a:buChar char="•"/>
+              <a:defRPr sz="2000" kern="1200">
+                <a:solidFill>
+                  <a:schemeClr val="tx1"/>
+                </a:solidFill>
+                <a:latin typeface="+mn-lt"/>
+                <a:ea typeface="+mn-ea"/>
+                <a:cs typeface="+mn-cs"/>
+              </a:defRPr>
+            </a:lvl3pPr>
+            <a:lvl4pPr marL="1600200" indent="-228600" algn="l" defTabSz="914400" rtl="0" eaLnBrk="1" latinLnBrk="0" hangingPunct="1">
+              <a:lnSpc>
+                <a:spcPct val="90000"/>
+              </a:lnSpc>
+              <a:spcBef>
+                <a:spcPts val="500"/>
+              </a:spcBef>
+              <a:buFont typeface="Arial" panose="020B0604020202020204" pitchFamily="34" charset="0"/>
+              <a:buChar char="•"/>
+              <a:defRPr sz="1800" kern="1200">
+                <a:solidFill>
+                  <a:schemeClr val="tx1"/>
+                </a:solidFill>
+                <a:latin typeface="+mn-lt"/>
+                <a:ea typeface="+mn-ea"/>
+                <a:cs typeface="+mn-cs"/>
+              </a:defRPr>
+            </a:lvl4pPr>
+            <a:lvl5pPr marL="2057400" indent="-228600" algn="l" defTabSz="914400" rtl="0" eaLnBrk="1" latinLnBrk="0" hangingPunct="1">
+              <a:lnSpc>
+                <a:spcPct val="90000"/>
+              </a:lnSpc>
+              <a:spcBef>
+                <a:spcPts val="500"/>
+              </a:spcBef>
+              <a:buFont typeface="Arial" panose="020B0604020202020204" pitchFamily="34" charset="0"/>
+              <a:buChar char="•"/>
+              <a:defRPr sz="1800" kern="1200">
+                <a:solidFill>
+                  <a:schemeClr val="tx1"/>
+                </a:solidFill>
+                <a:latin typeface="+mn-lt"/>
+                <a:ea typeface="+mn-ea"/>
+                <a:cs typeface="+mn-cs"/>
+              </a:defRPr>
+            </a:lvl5pPr>
+            <a:lvl6pPr marL="2514600" indent="-228600" algn="l" defTabSz="914400" rtl="0" eaLnBrk="1" latinLnBrk="0" hangingPunct="1">
+              <a:lnSpc>
+                <a:spcPct val="90000"/>
+              </a:lnSpc>
+              <a:spcBef>
+                <a:spcPts val="500"/>
+              </a:spcBef>
+              <a:buFont typeface="Arial" panose="020B0604020202020204" pitchFamily="34" charset="0"/>
+              <a:buChar char="•"/>
+              <a:defRPr sz="1800" kern="1200">
+                <a:solidFill>
+                  <a:schemeClr val="tx1"/>
+                </a:solidFill>
+                <a:latin typeface="+mn-lt"/>
+                <a:ea typeface="+mn-ea"/>
+                <a:cs typeface="+mn-cs"/>
+              </a:defRPr>
+            </a:lvl6pPr>
+            <a:lvl7pPr marL="2971800" indent="-228600" algn="l" defTabSz="914400" rtl="0" eaLnBrk="1" latinLnBrk="0" hangingPunct="1">
+              <a:lnSpc>
+                <a:spcPct val="90000"/>
+              </a:lnSpc>
+              <a:spcBef>
+                <a:spcPts val="500"/>
+              </a:spcBef>
+              <a:buFont typeface="Arial" panose="020B0604020202020204" pitchFamily="34" charset="0"/>
+              <a:buChar char="•"/>
+              <a:defRPr sz="1800" kern="1200">
+                <a:solidFill>
+                  <a:schemeClr val="tx1"/>
+                </a:solidFill>
+                <a:latin typeface="+mn-lt"/>
+                <a:ea typeface="+mn-ea"/>
+                <a:cs typeface="+mn-cs"/>
+              </a:defRPr>
+            </a:lvl7pPr>
+            <a:lvl8pPr marL="3429000" indent="-228600" algn="l" defTabSz="914400" rtl="0" eaLnBrk="1" latinLnBrk="0" hangingPunct="1">
+              <a:lnSpc>
+                <a:spcPct val="90000"/>
+              </a:lnSpc>
+              <a:spcBef>
+                <a:spcPts val="500"/>
+              </a:spcBef>
+              <a:buFont typeface="Arial" panose="020B0604020202020204" pitchFamily="34" charset="0"/>
+              <a:buChar char="•"/>
+              <a:defRPr sz="1800" kern="1200">
+                <a:solidFill>
+                  <a:schemeClr val="tx1"/>
+                </a:solidFill>
+                <a:latin typeface="+mn-lt"/>
+                <a:ea typeface="+mn-ea"/>
+                <a:cs typeface="+mn-cs"/>
+              </a:defRPr>
+            </a:lvl8pPr>
+            <a:lvl9pPr marL="3886200" indent="-228600" algn="l" defTabSz="914400" rtl="0" eaLnBrk="1" latinLnBrk="0" hangingPunct="1">
+              <a:lnSpc>
+                <a:spcPct val="90000"/>
+              </a:lnSpc>
+              <a:spcBef>
+                <a:spcPts val="500"/>
+              </a:spcBef>
+              <a:buFont typeface="Arial" panose="020B0604020202020204" pitchFamily="34" charset="0"/>
+              <a:buChar char="•"/>
+              <a:defRPr sz="1800" kern="1200">
+                <a:solidFill>
+                  <a:schemeClr val="tx1"/>
+                </a:solidFill>
+                <a:latin typeface="+mn-lt"/>
+                <a:ea typeface="+mn-ea"/>
+                <a:cs typeface="+mn-cs"/>
+              </a:defRPr>
+            </a:lvl9pPr>
+          </a:lstStyle>
+          <a:p>
+            <a:r>
+              <a:rPr lang="nl-NL" dirty="0"/>
+              <a:t>This data is generated by Bruker TopSpin Software. It has the format ‘.fid’ and a size of 240 KB.</a:t>
+            </a:r>
+          </a:p>
+          <a:p>
+            <a:r>
+              <a:rPr lang="nl-NL" dirty="0"/>
+              <a:t>YYMMDD_{sample_name}_{nmr_experimental_condition}.fid</a:t>
             </a:r>
           </a:p>
         </p:txBody>
@@ -17736,418 +18243,6 @@
             <a:r>
               <a:rPr lang="en-GB" dirty="0"/>
               <a:t>Q2. It depends</a:t>
-            </a:r>
-            <a:endParaRPr lang="en-NL" dirty="0"/>
-          </a:p>
-        </p:txBody>
-      </p:sp>
-      <p:sp>
-        <p:nvSpPr>
-          <p:cNvPr id="12" name="Text Placeholder 2">
-            <a:extLst>
-              <a:ext uri="{FF2B5EF4-FFF2-40B4-BE49-F238E27FC236}">
-                <a16:creationId xmlns:a16="http://schemas.microsoft.com/office/drawing/2014/main" id="{D0F963B1-8D34-9E31-9C4A-5D00757EC00A}"/>
-              </a:ext>
-            </a:extLst>
-          </p:cNvPr>
-          <p:cNvSpPr txBox="1">
-            <a:spLocks/>
-          </p:cNvSpPr>
-          <p:nvPr/>
-        </p:nvSpPr>
-        <p:spPr>
-          <a:xfrm>
-            <a:off x="4180186" y="3050363"/>
-            <a:ext cx="2208931" cy="1059093"/>
-          </a:xfrm>
-          <a:prstGeom prst="rect">
-            <a:avLst/>
-          </a:prstGeom>
-          <a:solidFill>
-            <a:schemeClr val="accent3">
-              <a:lumMod val="40000"/>
-              <a:lumOff val="60000"/>
-            </a:schemeClr>
-          </a:solidFill>
-        </p:spPr>
-        <p:txBody>
-          <a:bodyPr vert="horz" lIns="91440" tIns="45720" rIns="91440" bIns="45720" rtlCol="0" anchor="ctr">
-            <a:normAutofit fontScale="85000" lnSpcReduction="20000"/>
-          </a:bodyPr>
-          <a:lstStyle>
-            <a:lvl1pPr marL="0" indent="0" algn="ctr" defTabSz="914400" rtl="0" eaLnBrk="1" latinLnBrk="0" hangingPunct="1">
-              <a:lnSpc>
-                <a:spcPct val="90000"/>
-              </a:lnSpc>
-              <a:spcBef>
-                <a:spcPts val="1000"/>
-              </a:spcBef>
-              <a:buFont typeface="Arial" panose="020B0604020202020204" pitchFamily="34" charset="0"/>
-              <a:buNone/>
-              <a:defRPr sz="1600" b="0" i="1" u="none" kern="1200">
-                <a:solidFill>
-                  <a:schemeClr val="tx1"/>
-                </a:solidFill>
-                <a:latin typeface="+mn-lt"/>
-                <a:ea typeface="+mn-ea"/>
-                <a:cs typeface="+mn-cs"/>
-              </a:defRPr>
-            </a:lvl1pPr>
-            <a:lvl2pPr marL="685800" indent="-228600" algn="l" defTabSz="914400" rtl="0" eaLnBrk="1" latinLnBrk="0" hangingPunct="1">
-              <a:lnSpc>
-                <a:spcPct val="90000"/>
-              </a:lnSpc>
-              <a:spcBef>
-                <a:spcPts val="500"/>
-              </a:spcBef>
-              <a:buFont typeface="Arial" panose="020B0604020202020204" pitchFamily="34" charset="0"/>
-              <a:buChar char="•"/>
-              <a:defRPr sz="2400" kern="1200">
-                <a:solidFill>
-                  <a:schemeClr val="tx1"/>
-                </a:solidFill>
-                <a:latin typeface="+mn-lt"/>
-                <a:ea typeface="+mn-ea"/>
-                <a:cs typeface="+mn-cs"/>
-              </a:defRPr>
-            </a:lvl2pPr>
-            <a:lvl3pPr marL="1143000" indent="-228600" algn="l" defTabSz="914400" rtl="0" eaLnBrk="1" latinLnBrk="0" hangingPunct="1">
-              <a:lnSpc>
-                <a:spcPct val="90000"/>
-              </a:lnSpc>
-              <a:spcBef>
-                <a:spcPts val="500"/>
-              </a:spcBef>
-              <a:buFont typeface="Arial" panose="020B0604020202020204" pitchFamily="34" charset="0"/>
-              <a:buChar char="•"/>
-              <a:defRPr sz="2000" kern="1200">
-                <a:solidFill>
-                  <a:schemeClr val="tx1"/>
-                </a:solidFill>
-                <a:latin typeface="+mn-lt"/>
-                <a:ea typeface="+mn-ea"/>
-                <a:cs typeface="+mn-cs"/>
-              </a:defRPr>
-            </a:lvl3pPr>
-            <a:lvl4pPr marL="1600200" indent="-228600" algn="l" defTabSz="914400" rtl="0" eaLnBrk="1" latinLnBrk="0" hangingPunct="1">
-              <a:lnSpc>
-                <a:spcPct val="90000"/>
-              </a:lnSpc>
-              <a:spcBef>
-                <a:spcPts val="500"/>
-              </a:spcBef>
-              <a:buFont typeface="Arial" panose="020B0604020202020204" pitchFamily="34" charset="0"/>
-              <a:buChar char="•"/>
-              <a:defRPr sz="1800" kern="1200">
-                <a:solidFill>
-                  <a:schemeClr val="tx1"/>
-                </a:solidFill>
-                <a:latin typeface="+mn-lt"/>
-                <a:ea typeface="+mn-ea"/>
-                <a:cs typeface="+mn-cs"/>
-              </a:defRPr>
-            </a:lvl4pPr>
-            <a:lvl5pPr marL="2057400" indent="-228600" algn="l" defTabSz="914400" rtl="0" eaLnBrk="1" latinLnBrk="0" hangingPunct="1">
-              <a:lnSpc>
-                <a:spcPct val="90000"/>
-              </a:lnSpc>
-              <a:spcBef>
-                <a:spcPts val="500"/>
-              </a:spcBef>
-              <a:buFont typeface="Arial" panose="020B0604020202020204" pitchFamily="34" charset="0"/>
-              <a:buChar char="•"/>
-              <a:defRPr sz="1800" kern="1200">
-                <a:solidFill>
-                  <a:schemeClr val="tx1"/>
-                </a:solidFill>
-                <a:latin typeface="+mn-lt"/>
-                <a:ea typeface="+mn-ea"/>
-                <a:cs typeface="+mn-cs"/>
-              </a:defRPr>
-            </a:lvl5pPr>
-            <a:lvl6pPr marL="2514600" indent="-228600" algn="l" defTabSz="914400" rtl="0" eaLnBrk="1" latinLnBrk="0" hangingPunct="1">
-              <a:lnSpc>
-                <a:spcPct val="90000"/>
-              </a:lnSpc>
-              <a:spcBef>
-                <a:spcPts val="500"/>
-              </a:spcBef>
-              <a:buFont typeface="Arial" panose="020B0604020202020204" pitchFamily="34" charset="0"/>
-              <a:buChar char="•"/>
-              <a:defRPr sz="1800" kern="1200">
-                <a:solidFill>
-                  <a:schemeClr val="tx1"/>
-                </a:solidFill>
-                <a:latin typeface="+mn-lt"/>
-                <a:ea typeface="+mn-ea"/>
-                <a:cs typeface="+mn-cs"/>
-              </a:defRPr>
-            </a:lvl6pPr>
-            <a:lvl7pPr marL="2971800" indent="-228600" algn="l" defTabSz="914400" rtl="0" eaLnBrk="1" latinLnBrk="0" hangingPunct="1">
-              <a:lnSpc>
-                <a:spcPct val="90000"/>
-              </a:lnSpc>
-              <a:spcBef>
-                <a:spcPts val="500"/>
-              </a:spcBef>
-              <a:buFont typeface="Arial" panose="020B0604020202020204" pitchFamily="34" charset="0"/>
-              <a:buChar char="•"/>
-              <a:defRPr sz="1800" kern="1200">
-                <a:solidFill>
-                  <a:schemeClr val="tx1"/>
-                </a:solidFill>
-                <a:latin typeface="+mn-lt"/>
-                <a:ea typeface="+mn-ea"/>
-                <a:cs typeface="+mn-cs"/>
-              </a:defRPr>
-            </a:lvl7pPr>
-            <a:lvl8pPr marL="3429000" indent="-228600" algn="l" defTabSz="914400" rtl="0" eaLnBrk="1" latinLnBrk="0" hangingPunct="1">
-              <a:lnSpc>
-                <a:spcPct val="90000"/>
-              </a:lnSpc>
-              <a:spcBef>
-                <a:spcPts val="500"/>
-              </a:spcBef>
-              <a:buFont typeface="Arial" panose="020B0604020202020204" pitchFamily="34" charset="0"/>
-              <a:buChar char="•"/>
-              <a:defRPr sz="1800" kern="1200">
-                <a:solidFill>
-                  <a:schemeClr val="tx1"/>
-                </a:solidFill>
-                <a:latin typeface="+mn-lt"/>
-                <a:ea typeface="+mn-ea"/>
-                <a:cs typeface="+mn-cs"/>
-              </a:defRPr>
-            </a:lvl8pPr>
-            <a:lvl9pPr marL="3886200" indent="-228600" algn="l" defTabSz="914400" rtl="0" eaLnBrk="1" latinLnBrk="0" hangingPunct="1">
-              <a:lnSpc>
-                <a:spcPct val="90000"/>
-              </a:lnSpc>
-              <a:spcBef>
-                <a:spcPts val="500"/>
-              </a:spcBef>
-              <a:buFont typeface="Arial" panose="020B0604020202020204" pitchFamily="34" charset="0"/>
-              <a:buChar char="•"/>
-              <a:defRPr sz="1800" kern="1200">
-                <a:solidFill>
-                  <a:schemeClr val="tx1"/>
-                </a:solidFill>
-                <a:latin typeface="+mn-lt"/>
-                <a:ea typeface="+mn-ea"/>
-                <a:cs typeface="+mn-cs"/>
-              </a:defRPr>
-            </a:lvl9pPr>
-          </a:lstStyle>
-          <a:p>
-            <a:r>
-              <a:rPr lang="en-GB"/>
-              <a:t>These include posters and presentation slides. The size is dependent on the quality and quantity of each file. The format could be .jpeg, .pdf, etc.</a:t>
-            </a:r>
-            <a:endParaRPr lang="en-NL" dirty="0"/>
-          </a:p>
-        </p:txBody>
-      </p:sp>
-      <p:sp>
-        <p:nvSpPr>
-          <p:cNvPr id="13" name="Text Placeholder 3">
-            <a:extLst>
-              <a:ext uri="{FF2B5EF4-FFF2-40B4-BE49-F238E27FC236}">
-                <a16:creationId xmlns:a16="http://schemas.microsoft.com/office/drawing/2014/main" id="{89DD8DD8-A9C9-9E88-22F6-CC858D956CDD}"/>
-              </a:ext>
-            </a:extLst>
-          </p:cNvPr>
-          <p:cNvSpPr txBox="1">
-            <a:spLocks/>
-          </p:cNvSpPr>
-          <p:nvPr/>
-        </p:nvSpPr>
-        <p:spPr>
-          <a:xfrm>
-            <a:off x="4180187" y="1625471"/>
-            <a:ext cx="2208931" cy="1059093"/>
-          </a:xfrm>
-          <a:prstGeom prst="rect">
-            <a:avLst/>
-          </a:prstGeom>
-          <a:solidFill>
-            <a:schemeClr val="accent3">
-              <a:lumMod val="40000"/>
-              <a:lumOff val="60000"/>
-            </a:schemeClr>
-          </a:solidFill>
-        </p:spPr>
-        <p:txBody>
-          <a:bodyPr vert="horz" lIns="91440" tIns="45720" rIns="91440" bIns="45720" rtlCol="0" anchor="ctr">
-            <a:normAutofit fontScale="77500" lnSpcReduction="20000"/>
-          </a:bodyPr>
-          <a:lstStyle>
-            <a:lvl1pPr marL="0" indent="0" algn="ctr" defTabSz="914400" rtl="0" eaLnBrk="1" latinLnBrk="0" hangingPunct="1">
-              <a:lnSpc>
-                <a:spcPct val="90000"/>
-              </a:lnSpc>
-              <a:spcBef>
-                <a:spcPts val="1000"/>
-              </a:spcBef>
-              <a:buFont typeface="Arial" panose="020B0604020202020204" pitchFamily="34" charset="0"/>
-              <a:buNone/>
-              <a:defRPr sz="1600" b="0" i="1" u="none" kern="1200">
-                <a:solidFill>
-                  <a:schemeClr val="tx1"/>
-                </a:solidFill>
-                <a:latin typeface="+mn-lt"/>
-                <a:ea typeface="+mn-ea"/>
-                <a:cs typeface="+mn-cs"/>
-              </a:defRPr>
-            </a:lvl1pPr>
-            <a:lvl2pPr marL="685800" indent="-228600" algn="l" defTabSz="914400" rtl="0" eaLnBrk="1" latinLnBrk="0" hangingPunct="1">
-              <a:lnSpc>
-                <a:spcPct val="90000"/>
-              </a:lnSpc>
-              <a:spcBef>
-                <a:spcPts val="500"/>
-              </a:spcBef>
-              <a:buFont typeface="Arial" panose="020B0604020202020204" pitchFamily="34" charset="0"/>
-              <a:buChar char="•"/>
-              <a:defRPr sz="2400" kern="1200">
-                <a:solidFill>
-                  <a:schemeClr val="tx1"/>
-                </a:solidFill>
-                <a:latin typeface="+mn-lt"/>
-                <a:ea typeface="+mn-ea"/>
-                <a:cs typeface="+mn-cs"/>
-              </a:defRPr>
-            </a:lvl2pPr>
-            <a:lvl3pPr marL="1143000" indent="-228600" algn="l" defTabSz="914400" rtl="0" eaLnBrk="1" latinLnBrk="0" hangingPunct="1">
-              <a:lnSpc>
-                <a:spcPct val="90000"/>
-              </a:lnSpc>
-              <a:spcBef>
-                <a:spcPts val="500"/>
-              </a:spcBef>
-              <a:buFont typeface="Arial" panose="020B0604020202020204" pitchFamily="34" charset="0"/>
-              <a:buChar char="•"/>
-              <a:defRPr sz="2000" kern="1200">
-                <a:solidFill>
-                  <a:schemeClr val="tx1"/>
-                </a:solidFill>
-                <a:latin typeface="+mn-lt"/>
-                <a:ea typeface="+mn-ea"/>
-                <a:cs typeface="+mn-cs"/>
-              </a:defRPr>
-            </a:lvl3pPr>
-            <a:lvl4pPr marL="1600200" indent="-228600" algn="l" defTabSz="914400" rtl="0" eaLnBrk="1" latinLnBrk="0" hangingPunct="1">
-              <a:lnSpc>
-                <a:spcPct val="90000"/>
-              </a:lnSpc>
-              <a:spcBef>
-                <a:spcPts val="500"/>
-              </a:spcBef>
-              <a:buFont typeface="Arial" panose="020B0604020202020204" pitchFamily="34" charset="0"/>
-              <a:buChar char="•"/>
-              <a:defRPr sz="1800" kern="1200">
-                <a:solidFill>
-                  <a:schemeClr val="tx1"/>
-                </a:solidFill>
-                <a:latin typeface="+mn-lt"/>
-                <a:ea typeface="+mn-ea"/>
-                <a:cs typeface="+mn-cs"/>
-              </a:defRPr>
-            </a:lvl4pPr>
-            <a:lvl5pPr marL="2057400" indent="-228600" algn="l" defTabSz="914400" rtl="0" eaLnBrk="1" latinLnBrk="0" hangingPunct="1">
-              <a:lnSpc>
-                <a:spcPct val="90000"/>
-              </a:lnSpc>
-              <a:spcBef>
-                <a:spcPts val="500"/>
-              </a:spcBef>
-              <a:buFont typeface="Arial" panose="020B0604020202020204" pitchFamily="34" charset="0"/>
-              <a:buChar char="•"/>
-              <a:defRPr sz="1800" kern="1200">
-                <a:solidFill>
-                  <a:schemeClr val="tx1"/>
-                </a:solidFill>
-                <a:latin typeface="+mn-lt"/>
-                <a:ea typeface="+mn-ea"/>
-                <a:cs typeface="+mn-cs"/>
-              </a:defRPr>
-            </a:lvl5pPr>
-            <a:lvl6pPr marL="2514600" indent="-228600" algn="l" defTabSz="914400" rtl="0" eaLnBrk="1" latinLnBrk="0" hangingPunct="1">
-              <a:lnSpc>
-                <a:spcPct val="90000"/>
-              </a:lnSpc>
-              <a:spcBef>
-                <a:spcPts val="500"/>
-              </a:spcBef>
-              <a:buFont typeface="Arial" panose="020B0604020202020204" pitchFamily="34" charset="0"/>
-              <a:buChar char="•"/>
-              <a:defRPr sz="1800" kern="1200">
-                <a:solidFill>
-                  <a:schemeClr val="tx1"/>
-                </a:solidFill>
-                <a:latin typeface="+mn-lt"/>
-                <a:ea typeface="+mn-ea"/>
-                <a:cs typeface="+mn-cs"/>
-              </a:defRPr>
-            </a:lvl6pPr>
-            <a:lvl7pPr marL="2971800" indent="-228600" algn="l" defTabSz="914400" rtl="0" eaLnBrk="1" latinLnBrk="0" hangingPunct="1">
-              <a:lnSpc>
-                <a:spcPct val="90000"/>
-              </a:lnSpc>
-              <a:spcBef>
-                <a:spcPts val="500"/>
-              </a:spcBef>
-              <a:buFont typeface="Arial" panose="020B0604020202020204" pitchFamily="34" charset="0"/>
-              <a:buChar char="•"/>
-              <a:defRPr sz="1800" kern="1200">
-                <a:solidFill>
-                  <a:schemeClr val="tx1"/>
-                </a:solidFill>
-                <a:latin typeface="+mn-lt"/>
-                <a:ea typeface="+mn-ea"/>
-                <a:cs typeface="+mn-cs"/>
-              </a:defRPr>
-            </a:lvl7pPr>
-            <a:lvl8pPr marL="3429000" indent="-228600" algn="l" defTabSz="914400" rtl="0" eaLnBrk="1" latinLnBrk="0" hangingPunct="1">
-              <a:lnSpc>
-                <a:spcPct val="90000"/>
-              </a:lnSpc>
-              <a:spcBef>
-                <a:spcPts val="500"/>
-              </a:spcBef>
-              <a:buFont typeface="Arial" panose="020B0604020202020204" pitchFamily="34" charset="0"/>
-              <a:buChar char="•"/>
-              <a:defRPr sz="1800" kern="1200">
-                <a:solidFill>
-                  <a:schemeClr val="tx1"/>
-                </a:solidFill>
-                <a:latin typeface="+mn-lt"/>
-                <a:ea typeface="+mn-ea"/>
-                <a:cs typeface="+mn-cs"/>
-              </a:defRPr>
-            </a:lvl8pPr>
-            <a:lvl9pPr marL="3886200" indent="-228600" algn="l" defTabSz="914400" rtl="0" eaLnBrk="1" latinLnBrk="0" hangingPunct="1">
-              <a:lnSpc>
-                <a:spcPct val="90000"/>
-              </a:lnSpc>
-              <a:spcBef>
-                <a:spcPts val="500"/>
-              </a:spcBef>
-              <a:buFont typeface="Arial" panose="020B0604020202020204" pitchFamily="34" charset="0"/>
-              <a:buChar char="•"/>
-              <a:defRPr sz="1800" kern="1200">
-                <a:solidFill>
-                  <a:schemeClr val="tx1"/>
-                </a:solidFill>
-                <a:latin typeface="+mn-lt"/>
-                <a:ea typeface="+mn-ea"/>
-                <a:cs typeface="+mn-cs"/>
-              </a:defRPr>
-            </a:lvl9pPr>
-          </a:lstStyle>
-          <a:p>
-            <a:r>
-              <a:rPr lang="en-GB"/>
-              <a:t>These are created using VSCode. They have .ipynb format and the size is dependent on the length of each script. Theses scripts are written for data analysis and visualisation.</a:t>
             </a:r>
             <a:endParaRPr lang="en-NL" dirty="0"/>
           </a:p>
@@ -18689,6 +18784,458 @@
           </a:p>
         </p:txBody>
       </p:sp>
+      <p:sp>
+        <p:nvSpPr>
+          <p:cNvPr id="5" name="Text Placeholder 2">
+            <a:extLst>
+              <a:ext uri="{FF2B5EF4-FFF2-40B4-BE49-F238E27FC236}">
+                <a16:creationId xmlns:a16="http://schemas.microsoft.com/office/drawing/2014/main" id="{0805ED03-8204-5577-FCC9-0FBF7807C56D}"/>
+              </a:ext>
+            </a:extLst>
+          </p:cNvPr>
+          <p:cNvSpPr txBox="1">
+            <a:spLocks/>
+          </p:cNvSpPr>
+          <p:nvPr/>
+        </p:nvSpPr>
+        <p:spPr>
+          <a:xfrm>
+            <a:off x="4180186" y="3050363"/>
+            <a:ext cx="2208931" cy="1059093"/>
+          </a:xfrm>
+          <a:prstGeom prst="rect">
+            <a:avLst/>
+          </a:prstGeom>
+          <a:solidFill>
+            <a:schemeClr val="accent3">
+              <a:lumMod val="40000"/>
+              <a:lumOff val="60000"/>
+            </a:schemeClr>
+          </a:solidFill>
+        </p:spPr>
+        <p:txBody>
+          <a:bodyPr vert="horz" lIns="91440" tIns="45720" rIns="91440" bIns="45720" rtlCol="0" anchor="ctr">
+            <a:normAutofit fontScale="70000" lnSpcReduction="20000"/>
+          </a:bodyPr>
+          <a:lstStyle>
+            <a:lvl1pPr marL="0" indent="0" algn="ctr" defTabSz="914400" rtl="0" eaLnBrk="1" latinLnBrk="0" hangingPunct="1">
+              <a:lnSpc>
+                <a:spcPct val="90000"/>
+              </a:lnSpc>
+              <a:spcBef>
+                <a:spcPts val="1000"/>
+              </a:spcBef>
+              <a:buFont typeface="Arial" panose="020B0604020202020204" pitchFamily="34" charset="0"/>
+              <a:buNone/>
+              <a:defRPr sz="1600" b="0" i="1" u="none" kern="1200">
+                <a:solidFill>
+                  <a:schemeClr val="tx1"/>
+                </a:solidFill>
+                <a:latin typeface="+mn-lt"/>
+                <a:ea typeface="+mn-ea"/>
+                <a:cs typeface="+mn-cs"/>
+              </a:defRPr>
+            </a:lvl1pPr>
+            <a:lvl2pPr marL="685800" indent="-228600" algn="l" defTabSz="914400" rtl="0" eaLnBrk="1" latinLnBrk="0" hangingPunct="1">
+              <a:lnSpc>
+                <a:spcPct val="90000"/>
+              </a:lnSpc>
+              <a:spcBef>
+                <a:spcPts val="500"/>
+              </a:spcBef>
+              <a:buFont typeface="Arial" panose="020B0604020202020204" pitchFamily="34" charset="0"/>
+              <a:buChar char="•"/>
+              <a:defRPr sz="2400" kern="1200">
+                <a:solidFill>
+                  <a:schemeClr val="tx1"/>
+                </a:solidFill>
+                <a:latin typeface="+mn-lt"/>
+                <a:ea typeface="+mn-ea"/>
+                <a:cs typeface="+mn-cs"/>
+              </a:defRPr>
+            </a:lvl2pPr>
+            <a:lvl3pPr marL="1143000" indent="-228600" algn="l" defTabSz="914400" rtl="0" eaLnBrk="1" latinLnBrk="0" hangingPunct="1">
+              <a:lnSpc>
+                <a:spcPct val="90000"/>
+              </a:lnSpc>
+              <a:spcBef>
+                <a:spcPts val="500"/>
+              </a:spcBef>
+              <a:buFont typeface="Arial" panose="020B0604020202020204" pitchFamily="34" charset="0"/>
+              <a:buChar char="•"/>
+              <a:defRPr sz="2000" kern="1200">
+                <a:solidFill>
+                  <a:schemeClr val="tx1"/>
+                </a:solidFill>
+                <a:latin typeface="+mn-lt"/>
+                <a:ea typeface="+mn-ea"/>
+                <a:cs typeface="+mn-cs"/>
+              </a:defRPr>
+            </a:lvl3pPr>
+            <a:lvl4pPr marL="1600200" indent="-228600" algn="l" defTabSz="914400" rtl="0" eaLnBrk="1" latinLnBrk="0" hangingPunct="1">
+              <a:lnSpc>
+                <a:spcPct val="90000"/>
+              </a:lnSpc>
+              <a:spcBef>
+                <a:spcPts val="500"/>
+              </a:spcBef>
+              <a:buFont typeface="Arial" panose="020B0604020202020204" pitchFamily="34" charset="0"/>
+              <a:buChar char="•"/>
+              <a:defRPr sz="1800" kern="1200">
+                <a:solidFill>
+                  <a:schemeClr val="tx1"/>
+                </a:solidFill>
+                <a:latin typeface="+mn-lt"/>
+                <a:ea typeface="+mn-ea"/>
+                <a:cs typeface="+mn-cs"/>
+              </a:defRPr>
+            </a:lvl4pPr>
+            <a:lvl5pPr marL="2057400" indent="-228600" algn="l" defTabSz="914400" rtl="0" eaLnBrk="1" latinLnBrk="0" hangingPunct="1">
+              <a:lnSpc>
+                <a:spcPct val="90000"/>
+              </a:lnSpc>
+              <a:spcBef>
+                <a:spcPts val="500"/>
+              </a:spcBef>
+              <a:buFont typeface="Arial" panose="020B0604020202020204" pitchFamily="34" charset="0"/>
+              <a:buChar char="•"/>
+              <a:defRPr sz="1800" kern="1200">
+                <a:solidFill>
+                  <a:schemeClr val="tx1"/>
+                </a:solidFill>
+                <a:latin typeface="+mn-lt"/>
+                <a:ea typeface="+mn-ea"/>
+                <a:cs typeface="+mn-cs"/>
+              </a:defRPr>
+            </a:lvl5pPr>
+            <a:lvl6pPr marL="2514600" indent="-228600" algn="l" defTabSz="914400" rtl="0" eaLnBrk="1" latinLnBrk="0" hangingPunct="1">
+              <a:lnSpc>
+                <a:spcPct val="90000"/>
+              </a:lnSpc>
+              <a:spcBef>
+                <a:spcPts val="500"/>
+              </a:spcBef>
+              <a:buFont typeface="Arial" panose="020B0604020202020204" pitchFamily="34" charset="0"/>
+              <a:buChar char="•"/>
+              <a:defRPr sz="1800" kern="1200">
+                <a:solidFill>
+                  <a:schemeClr val="tx1"/>
+                </a:solidFill>
+                <a:latin typeface="+mn-lt"/>
+                <a:ea typeface="+mn-ea"/>
+                <a:cs typeface="+mn-cs"/>
+              </a:defRPr>
+            </a:lvl6pPr>
+            <a:lvl7pPr marL="2971800" indent="-228600" algn="l" defTabSz="914400" rtl="0" eaLnBrk="1" latinLnBrk="0" hangingPunct="1">
+              <a:lnSpc>
+                <a:spcPct val="90000"/>
+              </a:lnSpc>
+              <a:spcBef>
+                <a:spcPts val="500"/>
+              </a:spcBef>
+              <a:buFont typeface="Arial" panose="020B0604020202020204" pitchFamily="34" charset="0"/>
+              <a:buChar char="•"/>
+              <a:defRPr sz="1800" kern="1200">
+                <a:solidFill>
+                  <a:schemeClr val="tx1"/>
+                </a:solidFill>
+                <a:latin typeface="+mn-lt"/>
+                <a:ea typeface="+mn-ea"/>
+                <a:cs typeface="+mn-cs"/>
+              </a:defRPr>
+            </a:lvl7pPr>
+            <a:lvl8pPr marL="3429000" indent="-228600" algn="l" defTabSz="914400" rtl="0" eaLnBrk="1" latinLnBrk="0" hangingPunct="1">
+              <a:lnSpc>
+                <a:spcPct val="90000"/>
+              </a:lnSpc>
+              <a:spcBef>
+                <a:spcPts val="500"/>
+              </a:spcBef>
+              <a:buFont typeface="Arial" panose="020B0604020202020204" pitchFamily="34" charset="0"/>
+              <a:buChar char="•"/>
+              <a:defRPr sz="1800" kern="1200">
+                <a:solidFill>
+                  <a:schemeClr val="tx1"/>
+                </a:solidFill>
+                <a:latin typeface="+mn-lt"/>
+                <a:ea typeface="+mn-ea"/>
+                <a:cs typeface="+mn-cs"/>
+              </a:defRPr>
+            </a:lvl8pPr>
+            <a:lvl9pPr marL="3886200" indent="-228600" algn="l" defTabSz="914400" rtl="0" eaLnBrk="1" latinLnBrk="0" hangingPunct="1">
+              <a:lnSpc>
+                <a:spcPct val="90000"/>
+              </a:lnSpc>
+              <a:spcBef>
+                <a:spcPts val="500"/>
+              </a:spcBef>
+              <a:buFont typeface="Arial" panose="020B0604020202020204" pitchFamily="34" charset="0"/>
+              <a:buChar char="•"/>
+              <a:defRPr sz="1800" kern="1200">
+                <a:solidFill>
+                  <a:schemeClr val="tx1"/>
+                </a:solidFill>
+                <a:latin typeface="+mn-lt"/>
+                <a:ea typeface="+mn-ea"/>
+                <a:cs typeface="+mn-cs"/>
+              </a:defRPr>
+            </a:lvl9pPr>
+          </a:lstStyle>
+          <a:p>
+            <a:r>
+              <a:rPr lang="en-GB" dirty="0"/>
+              <a:t>These include posters and presentation slides. The size is dependent on the quality and quantity of each file. The format could be .jpeg, .pdf, etc.</a:t>
+            </a:r>
+          </a:p>
+          <a:p>
+            <a:r>
+              <a:rPr lang="en-GB" dirty="0"/>
+              <a:t>YYMMDD_{presentation_name}.pdf</a:t>
+            </a:r>
+            <a:endParaRPr lang="en-NL" dirty="0"/>
+          </a:p>
+        </p:txBody>
+      </p:sp>
+      <p:sp>
+        <p:nvSpPr>
+          <p:cNvPr id="6" name="Text Placeholder 3">
+            <a:extLst>
+              <a:ext uri="{FF2B5EF4-FFF2-40B4-BE49-F238E27FC236}">
+                <a16:creationId xmlns:a16="http://schemas.microsoft.com/office/drawing/2014/main" id="{FDA2A061-3CAF-FC9B-C146-883952BA35FD}"/>
+              </a:ext>
+            </a:extLst>
+          </p:cNvPr>
+          <p:cNvSpPr txBox="1">
+            <a:spLocks/>
+          </p:cNvSpPr>
+          <p:nvPr/>
+        </p:nvSpPr>
+        <p:spPr>
+          <a:xfrm>
+            <a:off x="4180187" y="1625471"/>
+            <a:ext cx="2208931" cy="1059093"/>
+          </a:xfrm>
+          <a:prstGeom prst="rect">
+            <a:avLst/>
+          </a:prstGeom>
+          <a:solidFill>
+            <a:schemeClr val="accent3">
+              <a:lumMod val="40000"/>
+              <a:lumOff val="60000"/>
+            </a:schemeClr>
+          </a:solidFill>
+        </p:spPr>
+        <p:txBody>
+          <a:bodyPr vert="horz" lIns="91440" tIns="45720" rIns="91440" bIns="45720" rtlCol="0" anchor="ctr">
+            <a:normAutofit fontScale="70000" lnSpcReduction="20000"/>
+          </a:bodyPr>
+          <a:lstStyle>
+            <a:lvl1pPr marL="0" indent="0" algn="ctr" defTabSz="914400" rtl="0" eaLnBrk="1" latinLnBrk="0" hangingPunct="1">
+              <a:lnSpc>
+                <a:spcPct val="90000"/>
+              </a:lnSpc>
+              <a:spcBef>
+                <a:spcPts val="1000"/>
+              </a:spcBef>
+              <a:buFont typeface="Arial" panose="020B0604020202020204" pitchFamily="34" charset="0"/>
+              <a:buNone/>
+              <a:defRPr sz="1600" b="0" i="1" u="none" kern="1200">
+                <a:solidFill>
+                  <a:schemeClr val="tx1"/>
+                </a:solidFill>
+                <a:latin typeface="+mn-lt"/>
+                <a:ea typeface="+mn-ea"/>
+                <a:cs typeface="+mn-cs"/>
+              </a:defRPr>
+            </a:lvl1pPr>
+            <a:lvl2pPr marL="685800" indent="-228600" algn="l" defTabSz="914400" rtl="0" eaLnBrk="1" latinLnBrk="0" hangingPunct="1">
+              <a:lnSpc>
+                <a:spcPct val="90000"/>
+              </a:lnSpc>
+              <a:spcBef>
+                <a:spcPts val="500"/>
+              </a:spcBef>
+              <a:buFont typeface="Arial" panose="020B0604020202020204" pitchFamily="34" charset="0"/>
+              <a:buChar char="•"/>
+              <a:defRPr sz="2400" kern="1200">
+                <a:solidFill>
+                  <a:schemeClr val="tx1"/>
+                </a:solidFill>
+                <a:latin typeface="+mn-lt"/>
+                <a:ea typeface="+mn-ea"/>
+                <a:cs typeface="+mn-cs"/>
+              </a:defRPr>
+            </a:lvl2pPr>
+            <a:lvl3pPr marL="1143000" indent="-228600" algn="l" defTabSz="914400" rtl="0" eaLnBrk="1" latinLnBrk="0" hangingPunct="1">
+              <a:lnSpc>
+                <a:spcPct val="90000"/>
+              </a:lnSpc>
+              <a:spcBef>
+                <a:spcPts val="500"/>
+              </a:spcBef>
+              <a:buFont typeface="Arial" panose="020B0604020202020204" pitchFamily="34" charset="0"/>
+              <a:buChar char="•"/>
+              <a:defRPr sz="2000" kern="1200">
+                <a:solidFill>
+                  <a:schemeClr val="tx1"/>
+                </a:solidFill>
+                <a:latin typeface="+mn-lt"/>
+                <a:ea typeface="+mn-ea"/>
+                <a:cs typeface="+mn-cs"/>
+              </a:defRPr>
+            </a:lvl3pPr>
+            <a:lvl4pPr marL="1600200" indent="-228600" algn="l" defTabSz="914400" rtl="0" eaLnBrk="1" latinLnBrk="0" hangingPunct="1">
+              <a:lnSpc>
+                <a:spcPct val="90000"/>
+              </a:lnSpc>
+              <a:spcBef>
+                <a:spcPts val="500"/>
+              </a:spcBef>
+              <a:buFont typeface="Arial" panose="020B0604020202020204" pitchFamily="34" charset="0"/>
+              <a:buChar char="•"/>
+              <a:defRPr sz="1800" kern="1200">
+                <a:solidFill>
+                  <a:schemeClr val="tx1"/>
+                </a:solidFill>
+                <a:latin typeface="+mn-lt"/>
+                <a:ea typeface="+mn-ea"/>
+                <a:cs typeface="+mn-cs"/>
+              </a:defRPr>
+            </a:lvl4pPr>
+            <a:lvl5pPr marL="2057400" indent="-228600" algn="l" defTabSz="914400" rtl="0" eaLnBrk="1" latinLnBrk="0" hangingPunct="1">
+              <a:lnSpc>
+                <a:spcPct val="90000"/>
+              </a:lnSpc>
+              <a:spcBef>
+                <a:spcPts val="500"/>
+              </a:spcBef>
+              <a:buFont typeface="Arial" panose="020B0604020202020204" pitchFamily="34" charset="0"/>
+              <a:buChar char="•"/>
+              <a:defRPr sz="1800" kern="1200">
+                <a:solidFill>
+                  <a:schemeClr val="tx1"/>
+                </a:solidFill>
+                <a:latin typeface="+mn-lt"/>
+                <a:ea typeface="+mn-ea"/>
+                <a:cs typeface="+mn-cs"/>
+              </a:defRPr>
+            </a:lvl5pPr>
+            <a:lvl6pPr marL="2514600" indent="-228600" algn="l" defTabSz="914400" rtl="0" eaLnBrk="1" latinLnBrk="0" hangingPunct="1">
+              <a:lnSpc>
+                <a:spcPct val="90000"/>
+              </a:lnSpc>
+              <a:spcBef>
+                <a:spcPts val="500"/>
+              </a:spcBef>
+              <a:buFont typeface="Arial" panose="020B0604020202020204" pitchFamily="34" charset="0"/>
+              <a:buChar char="•"/>
+              <a:defRPr sz="1800" kern="1200">
+                <a:solidFill>
+                  <a:schemeClr val="tx1"/>
+                </a:solidFill>
+                <a:latin typeface="+mn-lt"/>
+                <a:ea typeface="+mn-ea"/>
+                <a:cs typeface="+mn-cs"/>
+              </a:defRPr>
+            </a:lvl6pPr>
+            <a:lvl7pPr marL="2971800" indent="-228600" algn="l" defTabSz="914400" rtl="0" eaLnBrk="1" latinLnBrk="0" hangingPunct="1">
+              <a:lnSpc>
+                <a:spcPct val="90000"/>
+              </a:lnSpc>
+              <a:spcBef>
+                <a:spcPts val="500"/>
+              </a:spcBef>
+              <a:buFont typeface="Arial" panose="020B0604020202020204" pitchFamily="34" charset="0"/>
+              <a:buChar char="•"/>
+              <a:defRPr sz="1800" kern="1200">
+                <a:solidFill>
+                  <a:schemeClr val="tx1"/>
+                </a:solidFill>
+                <a:latin typeface="+mn-lt"/>
+                <a:ea typeface="+mn-ea"/>
+                <a:cs typeface="+mn-cs"/>
+              </a:defRPr>
+            </a:lvl7pPr>
+            <a:lvl8pPr marL="3429000" indent="-228600" algn="l" defTabSz="914400" rtl="0" eaLnBrk="1" latinLnBrk="0" hangingPunct="1">
+              <a:lnSpc>
+                <a:spcPct val="90000"/>
+              </a:lnSpc>
+              <a:spcBef>
+                <a:spcPts val="500"/>
+              </a:spcBef>
+              <a:buFont typeface="Arial" panose="020B0604020202020204" pitchFamily="34" charset="0"/>
+              <a:buChar char="•"/>
+              <a:defRPr sz="1800" kern="1200">
+                <a:solidFill>
+                  <a:schemeClr val="tx1"/>
+                </a:solidFill>
+                <a:latin typeface="+mn-lt"/>
+                <a:ea typeface="+mn-ea"/>
+                <a:cs typeface="+mn-cs"/>
+              </a:defRPr>
+            </a:lvl8pPr>
+            <a:lvl9pPr marL="3886200" indent="-228600" algn="l" defTabSz="914400" rtl="0" eaLnBrk="1" latinLnBrk="0" hangingPunct="1">
+              <a:lnSpc>
+                <a:spcPct val="90000"/>
+              </a:lnSpc>
+              <a:spcBef>
+                <a:spcPts val="500"/>
+              </a:spcBef>
+              <a:buFont typeface="Arial" panose="020B0604020202020204" pitchFamily="34" charset="0"/>
+              <a:buChar char="•"/>
+              <a:defRPr sz="1800" kern="1200">
+                <a:solidFill>
+                  <a:schemeClr val="tx1"/>
+                </a:solidFill>
+                <a:latin typeface="+mn-lt"/>
+                <a:ea typeface="+mn-ea"/>
+                <a:cs typeface="+mn-cs"/>
+              </a:defRPr>
+            </a:lvl9pPr>
+          </a:lstStyle>
+          <a:p>
+            <a:r>
+              <a:rPr lang="en-GB" dirty="0"/>
+              <a:t>These are created using </a:t>
+            </a:r>
+            <a:r>
+              <a:rPr lang="en-GB" dirty="0" err="1"/>
+              <a:t>VSCode</a:t>
+            </a:r>
+            <a:r>
+              <a:rPr lang="en-GB" dirty="0"/>
+              <a:t>. They have .</a:t>
+            </a:r>
+            <a:r>
+              <a:rPr lang="en-GB" dirty="0" err="1"/>
+              <a:t>ipynb</a:t>
+            </a:r>
+            <a:r>
+              <a:rPr lang="en-GB" dirty="0"/>
+              <a:t> format and the size is dependent on the length of each script. Theses scripts are written for data analysis and visualisation.</a:t>
+            </a:r>
+          </a:p>
+          <a:p>
+            <a:r>
+              <a:rPr lang="en-GB" dirty="0"/>
+              <a:t>YYMMDD_{</a:t>
+            </a:r>
+            <a:r>
+              <a:rPr lang="en-GB" dirty="0" err="1"/>
+              <a:t>script_purpose</a:t>
+            </a:r>
+            <a:r>
+              <a:rPr lang="en-GB" dirty="0"/>
+              <a:t>}.</a:t>
+            </a:r>
+            <a:r>
+              <a:rPr lang="en-GB" dirty="0" err="1"/>
+              <a:t>ipynb</a:t>
+            </a:r>
+            <a:endParaRPr lang="en-NL" dirty="0"/>
+          </a:p>
+        </p:txBody>
+      </p:sp>
     </p:spTree>
     <p:extLst>
       <p:ext uri="{BB962C8B-B14F-4D97-AF65-F5344CB8AC3E}">
@@ -18953,418 +19500,6 @@
             <a:endParaRPr lang="en-US" sz="1200" dirty="0">
               <a:latin typeface="Abadi Extra Light" panose="020B0204020104020204" pitchFamily="34" charset="0"/>
             </a:endParaRPr>
-          </a:p>
-        </p:txBody>
-      </p:sp>
-      <p:sp>
-        <p:nvSpPr>
-          <p:cNvPr id="12" name="Tijdelijke aanduiding voor tekst 25">
-            <a:extLst>
-              <a:ext uri="{FF2B5EF4-FFF2-40B4-BE49-F238E27FC236}">
-                <a16:creationId xmlns:a16="http://schemas.microsoft.com/office/drawing/2014/main" id="{C40A7323-DDFC-C188-FD3F-358207DD841A}"/>
-              </a:ext>
-            </a:extLst>
-          </p:cNvPr>
-          <p:cNvSpPr txBox="1">
-            <a:spLocks/>
-          </p:cNvSpPr>
-          <p:nvPr/>
-        </p:nvSpPr>
-        <p:spPr>
-          <a:xfrm>
-            <a:off x="4180186" y="4394006"/>
-            <a:ext cx="2208931" cy="1059093"/>
-          </a:xfrm>
-          <a:prstGeom prst="rect">
-            <a:avLst/>
-          </a:prstGeom>
-          <a:solidFill>
-            <a:schemeClr val="accent3">
-              <a:lumMod val="40000"/>
-              <a:lumOff val="60000"/>
-            </a:schemeClr>
-          </a:solidFill>
-        </p:spPr>
-        <p:txBody>
-          <a:bodyPr vert="horz" lIns="91440" tIns="45720" rIns="91440" bIns="45720" rtlCol="0" anchor="ctr">
-            <a:normAutofit fontScale="85000" lnSpcReduction="10000"/>
-          </a:bodyPr>
-          <a:lstStyle>
-            <a:lvl1pPr marL="0" indent="0" algn="ctr" defTabSz="914400" rtl="0" eaLnBrk="1" latinLnBrk="0" hangingPunct="1">
-              <a:lnSpc>
-                <a:spcPct val="90000"/>
-              </a:lnSpc>
-              <a:spcBef>
-                <a:spcPts val="1000"/>
-              </a:spcBef>
-              <a:buFont typeface="Arial" panose="020B0604020202020204" pitchFamily="34" charset="0"/>
-              <a:buNone/>
-              <a:defRPr sz="1600" b="0" i="1" u="none" kern="1200">
-                <a:solidFill>
-                  <a:schemeClr val="tx1"/>
-                </a:solidFill>
-                <a:latin typeface="+mn-lt"/>
-                <a:ea typeface="+mn-ea"/>
-                <a:cs typeface="+mn-cs"/>
-              </a:defRPr>
-            </a:lvl1pPr>
-            <a:lvl2pPr marL="685800" indent="-228600" algn="l" defTabSz="914400" rtl="0" eaLnBrk="1" latinLnBrk="0" hangingPunct="1">
-              <a:lnSpc>
-                <a:spcPct val="90000"/>
-              </a:lnSpc>
-              <a:spcBef>
-                <a:spcPts val="500"/>
-              </a:spcBef>
-              <a:buFont typeface="Arial" panose="020B0604020202020204" pitchFamily="34" charset="0"/>
-              <a:buChar char="•"/>
-              <a:defRPr sz="2400" kern="1200">
-                <a:solidFill>
-                  <a:schemeClr val="tx1"/>
-                </a:solidFill>
-                <a:latin typeface="+mn-lt"/>
-                <a:ea typeface="+mn-ea"/>
-                <a:cs typeface="+mn-cs"/>
-              </a:defRPr>
-            </a:lvl2pPr>
-            <a:lvl3pPr marL="1143000" indent="-228600" algn="l" defTabSz="914400" rtl="0" eaLnBrk="1" latinLnBrk="0" hangingPunct="1">
-              <a:lnSpc>
-                <a:spcPct val="90000"/>
-              </a:lnSpc>
-              <a:spcBef>
-                <a:spcPts val="500"/>
-              </a:spcBef>
-              <a:buFont typeface="Arial" panose="020B0604020202020204" pitchFamily="34" charset="0"/>
-              <a:buChar char="•"/>
-              <a:defRPr sz="2000" kern="1200">
-                <a:solidFill>
-                  <a:schemeClr val="tx1"/>
-                </a:solidFill>
-                <a:latin typeface="+mn-lt"/>
-                <a:ea typeface="+mn-ea"/>
-                <a:cs typeface="+mn-cs"/>
-              </a:defRPr>
-            </a:lvl3pPr>
-            <a:lvl4pPr marL="1600200" indent="-228600" algn="l" defTabSz="914400" rtl="0" eaLnBrk="1" latinLnBrk="0" hangingPunct="1">
-              <a:lnSpc>
-                <a:spcPct val="90000"/>
-              </a:lnSpc>
-              <a:spcBef>
-                <a:spcPts val="500"/>
-              </a:spcBef>
-              <a:buFont typeface="Arial" panose="020B0604020202020204" pitchFamily="34" charset="0"/>
-              <a:buChar char="•"/>
-              <a:defRPr sz="1800" kern="1200">
-                <a:solidFill>
-                  <a:schemeClr val="tx1"/>
-                </a:solidFill>
-                <a:latin typeface="+mn-lt"/>
-                <a:ea typeface="+mn-ea"/>
-                <a:cs typeface="+mn-cs"/>
-              </a:defRPr>
-            </a:lvl4pPr>
-            <a:lvl5pPr marL="2057400" indent="-228600" algn="l" defTabSz="914400" rtl="0" eaLnBrk="1" latinLnBrk="0" hangingPunct="1">
-              <a:lnSpc>
-                <a:spcPct val="90000"/>
-              </a:lnSpc>
-              <a:spcBef>
-                <a:spcPts val="500"/>
-              </a:spcBef>
-              <a:buFont typeface="Arial" panose="020B0604020202020204" pitchFamily="34" charset="0"/>
-              <a:buChar char="•"/>
-              <a:defRPr sz="1800" kern="1200">
-                <a:solidFill>
-                  <a:schemeClr val="tx1"/>
-                </a:solidFill>
-                <a:latin typeface="+mn-lt"/>
-                <a:ea typeface="+mn-ea"/>
-                <a:cs typeface="+mn-cs"/>
-              </a:defRPr>
-            </a:lvl5pPr>
-            <a:lvl6pPr marL="2514600" indent="-228600" algn="l" defTabSz="914400" rtl="0" eaLnBrk="1" latinLnBrk="0" hangingPunct="1">
-              <a:lnSpc>
-                <a:spcPct val="90000"/>
-              </a:lnSpc>
-              <a:spcBef>
-                <a:spcPts val="500"/>
-              </a:spcBef>
-              <a:buFont typeface="Arial" panose="020B0604020202020204" pitchFamily="34" charset="0"/>
-              <a:buChar char="•"/>
-              <a:defRPr sz="1800" kern="1200">
-                <a:solidFill>
-                  <a:schemeClr val="tx1"/>
-                </a:solidFill>
-                <a:latin typeface="+mn-lt"/>
-                <a:ea typeface="+mn-ea"/>
-                <a:cs typeface="+mn-cs"/>
-              </a:defRPr>
-            </a:lvl6pPr>
-            <a:lvl7pPr marL="2971800" indent="-228600" algn="l" defTabSz="914400" rtl="0" eaLnBrk="1" latinLnBrk="0" hangingPunct="1">
-              <a:lnSpc>
-                <a:spcPct val="90000"/>
-              </a:lnSpc>
-              <a:spcBef>
-                <a:spcPts val="500"/>
-              </a:spcBef>
-              <a:buFont typeface="Arial" panose="020B0604020202020204" pitchFamily="34" charset="0"/>
-              <a:buChar char="•"/>
-              <a:defRPr sz="1800" kern="1200">
-                <a:solidFill>
-                  <a:schemeClr val="tx1"/>
-                </a:solidFill>
-                <a:latin typeface="+mn-lt"/>
-                <a:ea typeface="+mn-ea"/>
-                <a:cs typeface="+mn-cs"/>
-              </a:defRPr>
-            </a:lvl7pPr>
-            <a:lvl8pPr marL="3429000" indent="-228600" algn="l" defTabSz="914400" rtl="0" eaLnBrk="1" latinLnBrk="0" hangingPunct="1">
-              <a:lnSpc>
-                <a:spcPct val="90000"/>
-              </a:lnSpc>
-              <a:spcBef>
-                <a:spcPts val="500"/>
-              </a:spcBef>
-              <a:buFont typeface="Arial" panose="020B0604020202020204" pitchFamily="34" charset="0"/>
-              <a:buChar char="•"/>
-              <a:defRPr sz="1800" kern="1200">
-                <a:solidFill>
-                  <a:schemeClr val="tx1"/>
-                </a:solidFill>
-                <a:latin typeface="+mn-lt"/>
-                <a:ea typeface="+mn-ea"/>
-                <a:cs typeface="+mn-cs"/>
-              </a:defRPr>
-            </a:lvl8pPr>
-            <a:lvl9pPr marL="3886200" indent="-228600" algn="l" defTabSz="914400" rtl="0" eaLnBrk="1" latinLnBrk="0" hangingPunct="1">
-              <a:lnSpc>
-                <a:spcPct val="90000"/>
-              </a:lnSpc>
-              <a:spcBef>
-                <a:spcPts val="500"/>
-              </a:spcBef>
-              <a:buFont typeface="Arial" panose="020B0604020202020204" pitchFamily="34" charset="0"/>
-              <a:buChar char="•"/>
-              <a:defRPr sz="1800" kern="1200">
-                <a:solidFill>
-                  <a:schemeClr val="tx1"/>
-                </a:solidFill>
-                <a:latin typeface="+mn-lt"/>
-                <a:ea typeface="+mn-ea"/>
-                <a:cs typeface="+mn-cs"/>
-              </a:defRPr>
-            </a:lvl9pPr>
-          </a:lstStyle>
-          <a:p>
-            <a:r>
-              <a:rPr lang="nl-NL"/>
-              <a:t>This data is collected using the in-house Bruker X-ray diffractometer. The format could either .xrdml or .raw. The size is around 20 KB.</a:t>
-            </a:r>
-            <a:endParaRPr lang="nl-NL" dirty="0"/>
-          </a:p>
-        </p:txBody>
-      </p:sp>
-      <p:sp>
-        <p:nvSpPr>
-          <p:cNvPr id="13" name="Tijdelijke aanduiding voor tekst 23">
-            <a:extLst>
-              <a:ext uri="{FF2B5EF4-FFF2-40B4-BE49-F238E27FC236}">
-                <a16:creationId xmlns:a16="http://schemas.microsoft.com/office/drawing/2014/main" id="{3AFBECA0-7430-506A-290A-3D2CC83DAFFB}"/>
-              </a:ext>
-            </a:extLst>
-          </p:cNvPr>
-          <p:cNvSpPr txBox="1">
-            <a:spLocks/>
-          </p:cNvSpPr>
-          <p:nvPr/>
-        </p:nvSpPr>
-        <p:spPr>
-          <a:xfrm>
-            <a:off x="4180187" y="1496371"/>
-            <a:ext cx="2208931" cy="1059093"/>
-          </a:xfrm>
-          <a:prstGeom prst="rect">
-            <a:avLst/>
-          </a:prstGeom>
-          <a:solidFill>
-            <a:schemeClr val="accent3">
-              <a:lumMod val="40000"/>
-              <a:lumOff val="60000"/>
-            </a:schemeClr>
-          </a:solidFill>
-        </p:spPr>
-        <p:txBody>
-          <a:bodyPr vert="horz" lIns="91440" tIns="45720" rIns="91440" bIns="45720" rtlCol="0" anchor="ctr">
-            <a:normAutofit fontScale="92500"/>
-          </a:bodyPr>
-          <a:lstStyle>
-            <a:lvl1pPr marL="0" indent="0" algn="ctr" defTabSz="914400" rtl="0" eaLnBrk="1" latinLnBrk="0" hangingPunct="1">
-              <a:lnSpc>
-                <a:spcPct val="90000"/>
-              </a:lnSpc>
-              <a:spcBef>
-                <a:spcPts val="1000"/>
-              </a:spcBef>
-              <a:buFont typeface="Arial" panose="020B0604020202020204" pitchFamily="34" charset="0"/>
-              <a:buNone/>
-              <a:defRPr sz="1600" b="0" i="1" u="none" kern="1200">
-                <a:solidFill>
-                  <a:schemeClr val="tx1"/>
-                </a:solidFill>
-                <a:latin typeface="+mn-lt"/>
-                <a:ea typeface="+mn-ea"/>
-                <a:cs typeface="+mn-cs"/>
-              </a:defRPr>
-            </a:lvl1pPr>
-            <a:lvl2pPr marL="685800" indent="-228600" algn="l" defTabSz="914400" rtl="0" eaLnBrk="1" latinLnBrk="0" hangingPunct="1">
-              <a:lnSpc>
-                <a:spcPct val="90000"/>
-              </a:lnSpc>
-              <a:spcBef>
-                <a:spcPts val="500"/>
-              </a:spcBef>
-              <a:buFont typeface="Arial" panose="020B0604020202020204" pitchFamily="34" charset="0"/>
-              <a:buChar char="•"/>
-              <a:defRPr sz="2400" kern="1200">
-                <a:solidFill>
-                  <a:schemeClr val="tx1"/>
-                </a:solidFill>
-                <a:latin typeface="+mn-lt"/>
-                <a:ea typeface="+mn-ea"/>
-                <a:cs typeface="+mn-cs"/>
-              </a:defRPr>
-            </a:lvl2pPr>
-            <a:lvl3pPr marL="1143000" indent="-228600" algn="l" defTabSz="914400" rtl="0" eaLnBrk="1" latinLnBrk="0" hangingPunct="1">
-              <a:lnSpc>
-                <a:spcPct val="90000"/>
-              </a:lnSpc>
-              <a:spcBef>
-                <a:spcPts val="500"/>
-              </a:spcBef>
-              <a:buFont typeface="Arial" panose="020B0604020202020204" pitchFamily="34" charset="0"/>
-              <a:buChar char="•"/>
-              <a:defRPr sz="2000" kern="1200">
-                <a:solidFill>
-                  <a:schemeClr val="tx1"/>
-                </a:solidFill>
-                <a:latin typeface="+mn-lt"/>
-                <a:ea typeface="+mn-ea"/>
-                <a:cs typeface="+mn-cs"/>
-              </a:defRPr>
-            </a:lvl3pPr>
-            <a:lvl4pPr marL="1600200" indent="-228600" algn="l" defTabSz="914400" rtl="0" eaLnBrk="1" latinLnBrk="0" hangingPunct="1">
-              <a:lnSpc>
-                <a:spcPct val="90000"/>
-              </a:lnSpc>
-              <a:spcBef>
-                <a:spcPts val="500"/>
-              </a:spcBef>
-              <a:buFont typeface="Arial" panose="020B0604020202020204" pitchFamily="34" charset="0"/>
-              <a:buChar char="•"/>
-              <a:defRPr sz="1800" kern="1200">
-                <a:solidFill>
-                  <a:schemeClr val="tx1"/>
-                </a:solidFill>
-                <a:latin typeface="+mn-lt"/>
-                <a:ea typeface="+mn-ea"/>
-                <a:cs typeface="+mn-cs"/>
-              </a:defRPr>
-            </a:lvl4pPr>
-            <a:lvl5pPr marL="2057400" indent="-228600" algn="l" defTabSz="914400" rtl="0" eaLnBrk="1" latinLnBrk="0" hangingPunct="1">
-              <a:lnSpc>
-                <a:spcPct val="90000"/>
-              </a:lnSpc>
-              <a:spcBef>
-                <a:spcPts val="500"/>
-              </a:spcBef>
-              <a:buFont typeface="Arial" panose="020B0604020202020204" pitchFamily="34" charset="0"/>
-              <a:buChar char="•"/>
-              <a:defRPr sz="1800" kern="1200">
-                <a:solidFill>
-                  <a:schemeClr val="tx1"/>
-                </a:solidFill>
-                <a:latin typeface="+mn-lt"/>
-                <a:ea typeface="+mn-ea"/>
-                <a:cs typeface="+mn-cs"/>
-              </a:defRPr>
-            </a:lvl5pPr>
-            <a:lvl6pPr marL="2514600" indent="-228600" algn="l" defTabSz="914400" rtl="0" eaLnBrk="1" latinLnBrk="0" hangingPunct="1">
-              <a:lnSpc>
-                <a:spcPct val="90000"/>
-              </a:lnSpc>
-              <a:spcBef>
-                <a:spcPts val="500"/>
-              </a:spcBef>
-              <a:buFont typeface="Arial" panose="020B0604020202020204" pitchFamily="34" charset="0"/>
-              <a:buChar char="•"/>
-              <a:defRPr sz="1800" kern="1200">
-                <a:solidFill>
-                  <a:schemeClr val="tx1"/>
-                </a:solidFill>
-                <a:latin typeface="+mn-lt"/>
-                <a:ea typeface="+mn-ea"/>
-                <a:cs typeface="+mn-cs"/>
-              </a:defRPr>
-            </a:lvl6pPr>
-            <a:lvl7pPr marL="2971800" indent="-228600" algn="l" defTabSz="914400" rtl="0" eaLnBrk="1" latinLnBrk="0" hangingPunct="1">
-              <a:lnSpc>
-                <a:spcPct val="90000"/>
-              </a:lnSpc>
-              <a:spcBef>
-                <a:spcPts val="500"/>
-              </a:spcBef>
-              <a:buFont typeface="Arial" panose="020B0604020202020204" pitchFamily="34" charset="0"/>
-              <a:buChar char="•"/>
-              <a:defRPr sz="1800" kern="1200">
-                <a:solidFill>
-                  <a:schemeClr val="tx1"/>
-                </a:solidFill>
-                <a:latin typeface="+mn-lt"/>
-                <a:ea typeface="+mn-ea"/>
-                <a:cs typeface="+mn-cs"/>
-              </a:defRPr>
-            </a:lvl7pPr>
-            <a:lvl8pPr marL="3429000" indent="-228600" algn="l" defTabSz="914400" rtl="0" eaLnBrk="1" latinLnBrk="0" hangingPunct="1">
-              <a:lnSpc>
-                <a:spcPct val="90000"/>
-              </a:lnSpc>
-              <a:spcBef>
-                <a:spcPts val="500"/>
-              </a:spcBef>
-              <a:buFont typeface="Arial" panose="020B0604020202020204" pitchFamily="34" charset="0"/>
-              <a:buChar char="•"/>
-              <a:defRPr sz="1800" kern="1200">
-                <a:solidFill>
-                  <a:schemeClr val="tx1"/>
-                </a:solidFill>
-                <a:latin typeface="+mn-lt"/>
-                <a:ea typeface="+mn-ea"/>
-                <a:cs typeface="+mn-cs"/>
-              </a:defRPr>
-            </a:lvl8pPr>
-            <a:lvl9pPr marL="3886200" indent="-228600" algn="l" defTabSz="914400" rtl="0" eaLnBrk="1" latinLnBrk="0" hangingPunct="1">
-              <a:lnSpc>
-                <a:spcPct val="90000"/>
-              </a:lnSpc>
-              <a:spcBef>
-                <a:spcPts val="500"/>
-              </a:spcBef>
-              <a:buFont typeface="Arial" panose="020B0604020202020204" pitchFamily="34" charset="0"/>
-              <a:buChar char="•"/>
-              <a:defRPr sz="1800" kern="1200">
-                <a:solidFill>
-                  <a:schemeClr val="tx1"/>
-                </a:solidFill>
-                <a:latin typeface="+mn-lt"/>
-                <a:ea typeface="+mn-ea"/>
-                <a:cs typeface="+mn-cs"/>
-              </a:defRPr>
-            </a:lvl9pPr>
-          </a:lstStyle>
-          <a:p>
-            <a:r>
-              <a:rPr lang="nl-NL"/>
-              <a:t>This data is generated by Bruker TopSpin Software. It has the format ‘.fid’ and a size of 240 KB.</a:t>
-            </a:r>
-            <a:endParaRPr lang="nl-NL" dirty="0"/>
           </a:p>
         </p:txBody>
       </p:sp>
@@ -20212,10 +20347,224 @@
       </p:sp>
       <p:sp>
         <p:nvSpPr>
-          <p:cNvPr id="21" name="Tijdelijke aanduiding voor tekst 24">
-            <a:extLst>
-              <a:ext uri="{FF2B5EF4-FFF2-40B4-BE49-F238E27FC236}">
-                <a16:creationId xmlns:a16="http://schemas.microsoft.com/office/drawing/2014/main" id="{E7DF7AE0-B505-4104-1950-9D35B348D3B5}"/>
+          <p:cNvPr id="3" name="Tijdelijke aanduiding voor tekst 25">
+            <a:extLst>
+              <a:ext uri="{FF2B5EF4-FFF2-40B4-BE49-F238E27FC236}">
+                <a16:creationId xmlns:a16="http://schemas.microsoft.com/office/drawing/2014/main" id="{D5C88AA7-FB03-FC84-6D21-855AE093B376}"/>
+              </a:ext>
+            </a:extLst>
+          </p:cNvPr>
+          <p:cNvSpPr txBox="1">
+            <a:spLocks/>
+          </p:cNvSpPr>
+          <p:nvPr/>
+        </p:nvSpPr>
+        <p:spPr>
+          <a:xfrm>
+            <a:off x="4180186" y="4394006"/>
+            <a:ext cx="2208931" cy="1059093"/>
+          </a:xfrm>
+          <a:prstGeom prst="rect">
+            <a:avLst/>
+          </a:prstGeom>
+          <a:solidFill>
+            <a:schemeClr val="accent3">
+              <a:lumMod val="40000"/>
+              <a:lumOff val="60000"/>
+            </a:schemeClr>
+          </a:solidFill>
+        </p:spPr>
+        <p:txBody>
+          <a:bodyPr vert="horz" lIns="91440" tIns="45720" rIns="91440" bIns="45720" rtlCol="0" anchor="ctr">
+            <a:normAutofit fontScale="70000" lnSpcReduction="20000"/>
+          </a:bodyPr>
+          <a:lstStyle>
+            <a:lvl1pPr marL="0" indent="0" algn="ctr" defTabSz="914400" rtl="0" eaLnBrk="1" latinLnBrk="0" hangingPunct="1">
+              <a:lnSpc>
+                <a:spcPct val="90000"/>
+              </a:lnSpc>
+              <a:spcBef>
+                <a:spcPts val="1000"/>
+              </a:spcBef>
+              <a:buFont typeface="Arial" panose="020B0604020202020204" pitchFamily="34" charset="0"/>
+              <a:buNone/>
+              <a:defRPr sz="1600" b="0" i="1" u="none" kern="1200">
+                <a:solidFill>
+                  <a:schemeClr val="tx1"/>
+                </a:solidFill>
+                <a:latin typeface="+mn-lt"/>
+                <a:ea typeface="+mn-ea"/>
+                <a:cs typeface="+mn-cs"/>
+              </a:defRPr>
+            </a:lvl1pPr>
+            <a:lvl2pPr marL="685800" indent="-228600" algn="l" defTabSz="914400" rtl="0" eaLnBrk="1" latinLnBrk="0" hangingPunct="1">
+              <a:lnSpc>
+                <a:spcPct val="90000"/>
+              </a:lnSpc>
+              <a:spcBef>
+                <a:spcPts val="500"/>
+              </a:spcBef>
+              <a:buFont typeface="Arial" panose="020B0604020202020204" pitchFamily="34" charset="0"/>
+              <a:buChar char="•"/>
+              <a:defRPr sz="2400" kern="1200">
+                <a:solidFill>
+                  <a:schemeClr val="tx1"/>
+                </a:solidFill>
+                <a:latin typeface="+mn-lt"/>
+                <a:ea typeface="+mn-ea"/>
+                <a:cs typeface="+mn-cs"/>
+              </a:defRPr>
+            </a:lvl2pPr>
+            <a:lvl3pPr marL="1143000" indent="-228600" algn="l" defTabSz="914400" rtl="0" eaLnBrk="1" latinLnBrk="0" hangingPunct="1">
+              <a:lnSpc>
+                <a:spcPct val="90000"/>
+              </a:lnSpc>
+              <a:spcBef>
+                <a:spcPts val="500"/>
+              </a:spcBef>
+              <a:buFont typeface="Arial" panose="020B0604020202020204" pitchFamily="34" charset="0"/>
+              <a:buChar char="•"/>
+              <a:defRPr sz="2000" kern="1200">
+                <a:solidFill>
+                  <a:schemeClr val="tx1"/>
+                </a:solidFill>
+                <a:latin typeface="+mn-lt"/>
+                <a:ea typeface="+mn-ea"/>
+                <a:cs typeface="+mn-cs"/>
+              </a:defRPr>
+            </a:lvl3pPr>
+            <a:lvl4pPr marL="1600200" indent="-228600" algn="l" defTabSz="914400" rtl="0" eaLnBrk="1" latinLnBrk="0" hangingPunct="1">
+              <a:lnSpc>
+                <a:spcPct val="90000"/>
+              </a:lnSpc>
+              <a:spcBef>
+                <a:spcPts val="500"/>
+              </a:spcBef>
+              <a:buFont typeface="Arial" panose="020B0604020202020204" pitchFamily="34" charset="0"/>
+              <a:buChar char="•"/>
+              <a:defRPr sz="1800" kern="1200">
+                <a:solidFill>
+                  <a:schemeClr val="tx1"/>
+                </a:solidFill>
+                <a:latin typeface="+mn-lt"/>
+                <a:ea typeface="+mn-ea"/>
+                <a:cs typeface="+mn-cs"/>
+              </a:defRPr>
+            </a:lvl4pPr>
+            <a:lvl5pPr marL="2057400" indent="-228600" algn="l" defTabSz="914400" rtl="0" eaLnBrk="1" latinLnBrk="0" hangingPunct="1">
+              <a:lnSpc>
+                <a:spcPct val="90000"/>
+              </a:lnSpc>
+              <a:spcBef>
+                <a:spcPts val="500"/>
+              </a:spcBef>
+              <a:buFont typeface="Arial" panose="020B0604020202020204" pitchFamily="34" charset="0"/>
+              <a:buChar char="•"/>
+              <a:defRPr sz="1800" kern="1200">
+                <a:solidFill>
+                  <a:schemeClr val="tx1"/>
+                </a:solidFill>
+                <a:latin typeface="+mn-lt"/>
+                <a:ea typeface="+mn-ea"/>
+                <a:cs typeface="+mn-cs"/>
+              </a:defRPr>
+            </a:lvl5pPr>
+            <a:lvl6pPr marL="2514600" indent="-228600" algn="l" defTabSz="914400" rtl="0" eaLnBrk="1" latinLnBrk="0" hangingPunct="1">
+              <a:lnSpc>
+                <a:spcPct val="90000"/>
+              </a:lnSpc>
+              <a:spcBef>
+                <a:spcPts val="500"/>
+              </a:spcBef>
+              <a:buFont typeface="Arial" panose="020B0604020202020204" pitchFamily="34" charset="0"/>
+              <a:buChar char="•"/>
+              <a:defRPr sz="1800" kern="1200">
+                <a:solidFill>
+                  <a:schemeClr val="tx1"/>
+                </a:solidFill>
+                <a:latin typeface="+mn-lt"/>
+                <a:ea typeface="+mn-ea"/>
+                <a:cs typeface="+mn-cs"/>
+              </a:defRPr>
+            </a:lvl6pPr>
+            <a:lvl7pPr marL="2971800" indent="-228600" algn="l" defTabSz="914400" rtl="0" eaLnBrk="1" latinLnBrk="0" hangingPunct="1">
+              <a:lnSpc>
+                <a:spcPct val="90000"/>
+              </a:lnSpc>
+              <a:spcBef>
+                <a:spcPts val="500"/>
+              </a:spcBef>
+              <a:buFont typeface="Arial" panose="020B0604020202020204" pitchFamily="34" charset="0"/>
+              <a:buChar char="•"/>
+              <a:defRPr sz="1800" kern="1200">
+                <a:solidFill>
+                  <a:schemeClr val="tx1"/>
+                </a:solidFill>
+                <a:latin typeface="+mn-lt"/>
+                <a:ea typeface="+mn-ea"/>
+                <a:cs typeface="+mn-cs"/>
+              </a:defRPr>
+            </a:lvl7pPr>
+            <a:lvl8pPr marL="3429000" indent="-228600" algn="l" defTabSz="914400" rtl="0" eaLnBrk="1" latinLnBrk="0" hangingPunct="1">
+              <a:lnSpc>
+                <a:spcPct val="90000"/>
+              </a:lnSpc>
+              <a:spcBef>
+                <a:spcPts val="500"/>
+              </a:spcBef>
+              <a:buFont typeface="Arial" panose="020B0604020202020204" pitchFamily="34" charset="0"/>
+              <a:buChar char="•"/>
+              <a:defRPr sz="1800" kern="1200">
+                <a:solidFill>
+                  <a:schemeClr val="tx1"/>
+                </a:solidFill>
+                <a:latin typeface="+mn-lt"/>
+                <a:ea typeface="+mn-ea"/>
+                <a:cs typeface="+mn-cs"/>
+              </a:defRPr>
+            </a:lvl8pPr>
+            <a:lvl9pPr marL="3886200" indent="-228600" algn="l" defTabSz="914400" rtl="0" eaLnBrk="1" latinLnBrk="0" hangingPunct="1">
+              <a:lnSpc>
+                <a:spcPct val="90000"/>
+              </a:lnSpc>
+              <a:spcBef>
+                <a:spcPts val="500"/>
+              </a:spcBef>
+              <a:buFont typeface="Arial" panose="020B0604020202020204" pitchFamily="34" charset="0"/>
+              <a:buChar char="•"/>
+              <a:defRPr sz="1800" kern="1200">
+                <a:solidFill>
+                  <a:schemeClr val="tx1"/>
+                </a:solidFill>
+                <a:latin typeface="+mn-lt"/>
+                <a:ea typeface="+mn-ea"/>
+                <a:cs typeface="+mn-cs"/>
+              </a:defRPr>
+            </a:lvl9pPr>
+          </a:lstStyle>
+          <a:p>
+            <a:r>
+              <a:rPr lang="nl-NL" dirty="0"/>
+              <a:t>This data is collected using the in-house Bruker X-ray diffractometer. The format could either .xrdml or .raw. The size is around 20 KB.</a:t>
+            </a:r>
+          </a:p>
+          <a:p>
+            <a:r>
+              <a:rPr lang="nl-NL" dirty="0"/>
+              <a:t>YYMMDD_{sample_name}.xrdml</a:t>
+            </a:r>
+          </a:p>
+          <a:p>
+            <a:endParaRPr lang="nl-NL" dirty="0"/>
+          </a:p>
+        </p:txBody>
+      </p:sp>
+      <p:sp>
+        <p:nvSpPr>
+          <p:cNvPr id="4" name="Tijdelijke aanduiding voor tekst 24">
+            <a:extLst>
+              <a:ext uri="{FF2B5EF4-FFF2-40B4-BE49-F238E27FC236}">
+                <a16:creationId xmlns:a16="http://schemas.microsoft.com/office/drawing/2014/main" id="{C5547310-0609-9688-5015-3AD8F4C6D086}"/>
               </a:ext>
             </a:extLst>
           </p:cNvPr>
@@ -20241,7 +20590,7 @@
         </p:spPr>
         <p:txBody>
           <a:bodyPr vert="horz" lIns="91440" tIns="45720" rIns="91440" bIns="45720" rtlCol="0" anchor="ctr">
-            <a:normAutofit fontScale="85000" lnSpcReduction="20000"/>
+            <a:normAutofit fontScale="70000" lnSpcReduction="20000"/>
           </a:bodyPr>
           <a:lstStyle>
             <a:lvl1pPr marL="0" indent="0" algn="ctr" defTabSz="914400" rtl="0" eaLnBrk="1" latinLnBrk="0" hangingPunct="1">
@@ -20411,6 +20760,223 @@
             <a:r>
               <a:rPr lang="nl-NL" dirty="0"/>
               <a:t>This data is generated by the MT-Lab Software. The formats possible are .fra, .Z, and .dat. The size depends on how the data is collected.</a:t>
+            </a:r>
+          </a:p>
+          <a:p>
+            <a:r>
+              <a:rPr lang="nl-NL" dirty="0"/>
+              <a:t>YYMMDD_{sample_name}_{impedance_experimental_condition}.z</a:t>
+            </a:r>
+          </a:p>
+        </p:txBody>
+      </p:sp>
+      <p:sp>
+        <p:nvSpPr>
+          <p:cNvPr id="5" name="Tijdelijke aanduiding voor tekst 23">
+            <a:extLst>
+              <a:ext uri="{FF2B5EF4-FFF2-40B4-BE49-F238E27FC236}">
+                <a16:creationId xmlns:a16="http://schemas.microsoft.com/office/drawing/2014/main" id="{E75344E0-7123-E68E-2E07-566F485382A4}"/>
+              </a:ext>
+            </a:extLst>
+          </p:cNvPr>
+          <p:cNvSpPr txBox="1">
+            <a:spLocks/>
+          </p:cNvSpPr>
+          <p:nvPr/>
+        </p:nvSpPr>
+        <p:spPr>
+          <a:xfrm>
+            <a:off x="4180187" y="1496371"/>
+            <a:ext cx="2208931" cy="1059093"/>
+          </a:xfrm>
+          <a:prstGeom prst="rect">
+            <a:avLst/>
+          </a:prstGeom>
+          <a:solidFill>
+            <a:schemeClr val="accent3">
+              <a:lumMod val="40000"/>
+              <a:lumOff val="60000"/>
+            </a:schemeClr>
+          </a:solidFill>
+        </p:spPr>
+        <p:txBody>
+          <a:bodyPr vert="horz" lIns="91440" tIns="45720" rIns="91440" bIns="45720" rtlCol="0" anchor="ctr">
+            <a:normAutofit fontScale="77500" lnSpcReduction="20000"/>
+          </a:bodyPr>
+          <a:lstStyle>
+            <a:lvl1pPr marL="0" indent="0" algn="ctr" defTabSz="914400" rtl="0" eaLnBrk="1" latinLnBrk="0" hangingPunct="1">
+              <a:lnSpc>
+                <a:spcPct val="90000"/>
+              </a:lnSpc>
+              <a:spcBef>
+                <a:spcPts val="1000"/>
+              </a:spcBef>
+              <a:buFont typeface="Arial" panose="020B0604020202020204" pitchFamily="34" charset="0"/>
+              <a:buNone/>
+              <a:defRPr sz="1600" b="0" i="1" u="none" kern="1200">
+                <a:solidFill>
+                  <a:schemeClr val="tx1"/>
+                </a:solidFill>
+                <a:latin typeface="+mn-lt"/>
+                <a:ea typeface="+mn-ea"/>
+                <a:cs typeface="+mn-cs"/>
+              </a:defRPr>
+            </a:lvl1pPr>
+            <a:lvl2pPr marL="685800" indent="-228600" algn="l" defTabSz="914400" rtl="0" eaLnBrk="1" latinLnBrk="0" hangingPunct="1">
+              <a:lnSpc>
+                <a:spcPct val="90000"/>
+              </a:lnSpc>
+              <a:spcBef>
+                <a:spcPts val="500"/>
+              </a:spcBef>
+              <a:buFont typeface="Arial" panose="020B0604020202020204" pitchFamily="34" charset="0"/>
+              <a:buChar char="•"/>
+              <a:defRPr sz="2400" kern="1200">
+                <a:solidFill>
+                  <a:schemeClr val="tx1"/>
+                </a:solidFill>
+                <a:latin typeface="+mn-lt"/>
+                <a:ea typeface="+mn-ea"/>
+                <a:cs typeface="+mn-cs"/>
+              </a:defRPr>
+            </a:lvl2pPr>
+            <a:lvl3pPr marL="1143000" indent="-228600" algn="l" defTabSz="914400" rtl="0" eaLnBrk="1" latinLnBrk="0" hangingPunct="1">
+              <a:lnSpc>
+                <a:spcPct val="90000"/>
+              </a:lnSpc>
+              <a:spcBef>
+                <a:spcPts val="500"/>
+              </a:spcBef>
+              <a:buFont typeface="Arial" panose="020B0604020202020204" pitchFamily="34" charset="0"/>
+              <a:buChar char="•"/>
+              <a:defRPr sz="2000" kern="1200">
+                <a:solidFill>
+                  <a:schemeClr val="tx1"/>
+                </a:solidFill>
+                <a:latin typeface="+mn-lt"/>
+                <a:ea typeface="+mn-ea"/>
+                <a:cs typeface="+mn-cs"/>
+              </a:defRPr>
+            </a:lvl3pPr>
+            <a:lvl4pPr marL="1600200" indent="-228600" algn="l" defTabSz="914400" rtl="0" eaLnBrk="1" latinLnBrk="0" hangingPunct="1">
+              <a:lnSpc>
+                <a:spcPct val="90000"/>
+              </a:lnSpc>
+              <a:spcBef>
+                <a:spcPts val="500"/>
+              </a:spcBef>
+              <a:buFont typeface="Arial" panose="020B0604020202020204" pitchFamily="34" charset="0"/>
+              <a:buChar char="•"/>
+              <a:defRPr sz="1800" kern="1200">
+                <a:solidFill>
+                  <a:schemeClr val="tx1"/>
+                </a:solidFill>
+                <a:latin typeface="+mn-lt"/>
+                <a:ea typeface="+mn-ea"/>
+                <a:cs typeface="+mn-cs"/>
+              </a:defRPr>
+            </a:lvl4pPr>
+            <a:lvl5pPr marL="2057400" indent="-228600" algn="l" defTabSz="914400" rtl="0" eaLnBrk="1" latinLnBrk="0" hangingPunct="1">
+              <a:lnSpc>
+                <a:spcPct val="90000"/>
+              </a:lnSpc>
+              <a:spcBef>
+                <a:spcPts val="500"/>
+              </a:spcBef>
+              <a:buFont typeface="Arial" panose="020B0604020202020204" pitchFamily="34" charset="0"/>
+              <a:buChar char="•"/>
+              <a:defRPr sz="1800" kern="1200">
+                <a:solidFill>
+                  <a:schemeClr val="tx1"/>
+                </a:solidFill>
+                <a:latin typeface="+mn-lt"/>
+                <a:ea typeface="+mn-ea"/>
+                <a:cs typeface="+mn-cs"/>
+              </a:defRPr>
+            </a:lvl5pPr>
+            <a:lvl6pPr marL="2514600" indent="-228600" algn="l" defTabSz="914400" rtl="0" eaLnBrk="1" latinLnBrk="0" hangingPunct="1">
+              <a:lnSpc>
+                <a:spcPct val="90000"/>
+              </a:lnSpc>
+              <a:spcBef>
+                <a:spcPts val="500"/>
+              </a:spcBef>
+              <a:buFont typeface="Arial" panose="020B0604020202020204" pitchFamily="34" charset="0"/>
+              <a:buChar char="•"/>
+              <a:defRPr sz="1800" kern="1200">
+                <a:solidFill>
+                  <a:schemeClr val="tx1"/>
+                </a:solidFill>
+                <a:latin typeface="+mn-lt"/>
+                <a:ea typeface="+mn-ea"/>
+                <a:cs typeface="+mn-cs"/>
+              </a:defRPr>
+            </a:lvl6pPr>
+            <a:lvl7pPr marL="2971800" indent="-228600" algn="l" defTabSz="914400" rtl="0" eaLnBrk="1" latinLnBrk="0" hangingPunct="1">
+              <a:lnSpc>
+                <a:spcPct val="90000"/>
+              </a:lnSpc>
+              <a:spcBef>
+                <a:spcPts val="500"/>
+              </a:spcBef>
+              <a:buFont typeface="Arial" panose="020B0604020202020204" pitchFamily="34" charset="0"/>
+              <a:buChar char="•"/>
+              <a:defRPr sz="1800" kern="1200">
+                <a:solidFill>
+                  <a:schemeClr val="tx1"/>
+                </a:solidFill>
+                <a:latin typeface="+mn-lt"/>
+                <a:ea typeface="+mn-ea"/>
+                <a:cs typeface="+mn-cs"/>
+              </a:defRPr>
+            </a:lvl7pPr>
+            <a:lvl8pPr marL="3429000" indent="-228600" algn="l" defTabSz="914400" rtl="0" eaLnBrk="1" latinLnBrk="0" hangingPunct="1">
+              <a:lnSpc>
+                <a:spcPct val="90000"/>
+              </a:lnSpc>
+              <a:spcBef>
+                <a:spcPts val="500"/>
+              </a:spcBef>
+              <a:buFont typeface="Arial" panose="020B0604020202020204" pitchFamily="34" charset="0"/>
+              <a:buChar char="•"/>
+              <a:defRPr sz="1800" kern="1200">
+                <a:solidFill>
+                  <a:schemeClr val="tx1"/>
+                </a:solidFill>
+                <a:latin typeface="+mn-lt"/>
+                <a:ea typeface="+mn-ea"/>
+                <a:cs typeface="+mn-cs"/>
+              </a:defRPr>
+            </a:lvl8pPr>
+            <a:lvl9pPr marL="3886200" indent="-228600" algn="l" defTabSz="914400" rtl="0" eaLnBrk="1" latinLnBrk="0" hangingPunct="1">
+              <a:lnSpc>
+                <a:spcPct val="90000"/>
+              </a:lnSpc>
+              <a:spcBef>
+                <a:spcPts val="500"/>
+              </a:spcBef>
+              <a:buFont typeface="Arial" panose="020B0604020202020204" pitchFamily="34" charset="0"/>
+              <a:buChar char="•"/>
+              <a:defRPr sz="1800" kern="1200">
+                <a:solidFill>
+                  <a:schemeClr val="tx1"/>
+                </a:solidFill>
+                <a:latin typeface="+mn-lt"/>
+                <a:ea typeface="+mn-ea"/>
+                <a:cs typeface="+mn-cs"/>
+              </a:defRPr>
+            </a:lvl9pPr>
+          </a:lstStyle>
+          <a:p>
+            <a:r>
+              <a:rPr lang="nl-NL" dirty="0"/>
+              <a:t>This data is generated by Bruker TopSpin Software. It has the format ‘.fid’ and a size of 240 KB.</a:t>
+            </a:r>
+          </a:p>
+          <a:p>
+            <a:r>
+              <a:rPr lang="nl-NL" dirty="0"/>
+              <a:t>YYMMDD_{sample_name}_{nmr_experimental_condition}.fid</a:t>
             </a:r>
           </a:p>
         </p:txBody>
@@ -20718,418 +21284,6 @@
             <a:endParaRPr lang="en-US" sz="1200" dirty="0">
               <a:latin typeface="Abadi Extra Light" panose="020B0204020104020204" pitchFamily="34" charset="0"/>
             </a:endParaRPr>
-          </a:p>
-        </p:txBody>
-      </p:sp>
-      <p:sp>
-        <p:nvSpPr>
-          <p:cNvPr id="3" name="Tijdelijke aanduiding voor tekst 25">
-            <a:extLst>
-              <a:ext uri="{FF2B5EF4-FFF2-40B4-BE49-F238E27FC236}">
-                <a16:creationId xmlns:a16="http://schemas.microsoft.com/office/drawing/2014/main" id="{811B959F-AD4D-768E-D1AB-9FD302EBC5DB}"/>
-              </a:ext>
-            </a:extLst>
-          </p:cNvPr>
-          <p:cNvSpPr txBox="1">
-            <a:spLocks/>
-          </p:cNvSpPr>
-          <p:nvPr/>
-        </p:nvSpPr>
-        <p:spPr>
-          <a:xfrm>
-            <a:off x="4180186" y="4394006"/>
-            <a:ext cx="2208931" cy="1059093"/>
-          </a:xfrm>
-          <a:prstGeom prst="rect">
-            <a:avLst/>
-          </a:prstGeom>
-          <a:solidFill>
-            <a:schemeClr val="accent3">
-              <a:lumMod val="40000"/>
-              <a:lumOff val="60000"/>
-            </a:schemeClr>
-          </a:solidFill>
-        </p:spPr>
-        <p:txBody>
-          <a:bodyPr vert="horz" lIns="91440" tIns="45720" rIns="91440" bIns="45720" rtlCol="0" anchor="ctr">
-            <a:normAutofit fontScale="85000" lnSpcReduction="10000"/>
-          </a:bodyPr>
-          <a:lstStyle>
-            <a:lvl1pPr marL="0" indent="0" algn="ctr" defTabSz="914400" rtl="0" eaLnBrk="1" latinLnBrk="0" hangingPunct="1">
-              <a:lnSpc>
-                <a:spcPct val="90000"/>
-              </a:lnSpc>
-              <a:spcBef>
-                <a:spcPts val="1000"/>
-              </a:spcBef>
-              <a:buFont typeface="Arial" panose="020B0604020202020204" pitchFamily="34" charset="0"/>
-              <a:buNone/>
-              <a:defRPr sz="1600" b="0" i="1" u="none" kern="1200">
-                <a:solidFill>
-                  <a:schemeClr val="tx1"/>
-                </a:solidFill>
-                <a:latin typeface="+mn-lt"/>
-                <a:ea typeface="+mn-ea"/>
-                <a:cs typeface="+mn-cs"/>
-              </a:defRPr>
-            </a:lvl1pPr>
-            <a:lvl2pPr marL="685800" indent="-228600" algn="l" defTabSz="914400" rtl="0" eaLnBrk="1" latinLnBrk="0" hangingPunct="1">
-              <a:lnSpc>
-                <a:spcPct val="90000"/>
-              </a:lnSpc>
-              <a:spcBef>
-                <a:spcPts val="500"/>
-              </a:spcBef>
-              <a:buFont typeface="Arial" panose="020B0604020202020204" pitchFamily="34" charset="0"/>
-              <a:buChar char="•"/>
-              <a:defRPr sz="2400" kern="1200">
-                <a:solidFill>
-                  <a:schemeClr val="tx1"/>
-                </a:solidFill>
-                <a:latin typeface="+mn-lt"/>
-                <a:ea typeface="+mn-ea"/>
-                <a:cs typeface="+mn-cs"/>
-              </a:defRPr>
-            </a:lvl2pPr>
-            <a:lvl3pPr marL="1143000" indent="-228600" algn="l" defTabSz="914400" rtl="0" eaLnBrk="1" latinLnBrk="0" hangingPunct="1">
-              <a:lnSpc>
-                <a:spcPct val="90000"/>
-              </a:lnSpc>
-              <a:spcBef>
-                <a:spcPts val="500"/>
-              </a:spcBef>
-              <a:buFont typeface="Arial" panose="020B0604020202020204" pitchFamily="34" charset="0"/>
-              <a:buChar char="•"/>
-              <a:defRPr sz="2000" kern="1200">
-                <a:solidFill>
-                  <a:schemeClr val="tx1"/>
-                </a:solidFill>
-                <a:latin typeface="+mn-lt"/>
-                <a:ea typeface="+mn-ea"/>
-                <a:cs typeface="+mn-cs"/>
-              </a:defRPr>
-            </a:lvl3pPr>
-            <a:lvl4pPr marL="1600200" indent="-228600" algn="l" defTabSz="914400" rtl="0" eaLnBrk="1" latinLnBrk="0" hangingPunct="1">
-              <a:lnSpc>
-                <a:spcPct val="90000"/>
-              </a:lnSpc>
-              <a:spcBef>
-                <a:spcPts val="500"/>
-              </a:spcBef>
-              <a:buFont typeface="Arial" panose="020B0604020202020204" pitchFamily="34" charset="0"/>
-              <a:buChar char="•"/>
-              <a:defRPr sz="1800" kern="1200">
-                <a:solidFill>
-                  <a:schemeClr val="tx1"/>
-                </a:solidFill>
-                <a:latin typeface="+mn-lt"/>
-                <a:ea typeface="+mn-ea"/>
-                <a:cs typeface="+mn-cs"/>
-              </a:defRPr>
-            </a:lvl4pPr>
-            <a:lvl5pPr marL="2057400" indent="-228600" algn="l" defTabSz="914400" rtl="0" eaLnBrk="1" latinLnBrk="0" hangingPunct="1">
-              <a:lnSpc>
-                <a:spcPct val="90000"/>
-              </a:lnSpc>
-              <a:spcBef>
-                <a:spcPts val="500"/>
-              </a:spcBef>
-              <a:buFont typeface="Arial" panose="020B0604020202020204" pitchFamily="34" charset="0"/>
-              <a:buChar char="•"/>
-              <a:defRPr sz="1800" kern="1200">
-                <a:solidFill>
-                  <a:schemeClr val="tx1"/>
-                </a:solidFill>
-                <a:latin typeface="+mn-lt"/>
-                <a:ea typeface="+mn-ea"/>
-                <a:cs typeface="+mn-cs"/>
-              </a:defRPr>
-            </a:lvl5pPr>
-            <a:lvl6pPr marL="2514600" indent="-228600" algn="l" defTabSz="914400" rtl="0" eaLnBrk="1" latinLnBrk="0" hangingPunct="1">
-              <a:lnSpc>
-                <a:spcPct val="90000"/>
-              </a:lnSpc>
-              <a:spcBef>
-                <a:spcPts val="500"/>
-              </a:spcBef>
-              <a:buFont typeface="Arial" panose="020B0604020202020204" pitchFamily="34" charset="0"/>
-              <a:buChar char="•"/>
-              <a:defRPr sz="1800" kern="1200">
-                <a:solidFill>
-                  <a:schemeClr val="tx1"/>
-                </a:solidFill>
-                <a:latin typeface="+mn-lt"/>
-                <a:ea typeface="+mn-ea"/>
-                <a:cs typeface="+mn-cs"/>
-              </a:defRPr>
-            </a:lvl6pPr>
-            <a:lvl7pPr marL="2971800" indent="-228600" algn="l" defTabSz="914400" rtl="0" eaLnBrk="1" latinLnBrk="0" hangingPunct="1">
-              <a:lnSpc>
-                <a:spcPct val="90000"/>
-              </a:lnSpc>
-              <a:spcBef>
-                <a:spcPts val="500"/>
-              </a:spcBef>
-              <a:buFont typeface="Arial" panose="020B0604020202020204" pitchFamily="34" charset="0"/>
-              <a:buChar char="•"/>
-              <a:defRPr sz="1800" kern="1200">
-                <a:solidFill>
-                  <a:schemeClr val="tx1"/>
-                </a:solidFill>
-                <a:latin typeface="+mn-lt"/>
-                <a:ea typeface="+mn-ea"/>
-                <a:cs typeface="+mn-cs"/>
-              </a:defRPr>
-            </a:lvl7pPr>
-            <a:lvl8pPr marL="3429000" indent="-228600" algn="l" defTabSz="914400" rtl="0" eaLnBrk="1" latinLnBrk="0" hangingPunct="1">
-              <a:lnSpc>
-                <a:spcPct val="90000"/>
-              </a:lnSpc>
-              <a:spcBef>
-                <a:spcPts val="500"/>
-              </a:spcBef>
-              <a:buFont typeface="Arial" panose="020B0604020202020204" pitchFamily="34" charset="0"/>
-              <a:buChar char="•"/>
-              <a:defRPr sz="1800" kern="1200">
-                <a:solidFill>
-                  <a:schemeClr val="tx1"/>
-                </a:solidFill>
-                <a:latin typeface="+mn-lt"/>
-                <a:ea typeface="+mn-ea"/>
-                <a:cs typeface="+mn-cs"/>
-              </a:defRPr>
-            </a:lvl8pPr>
-            <a:lvl9pPr marL="3886200" indent="-228600" algn="l" defTabSz="914400" rtl="0" eaLnBrk="1" latinLnBrk="0" hangingPunct="1">
-              <a:lnSpc>
-                <a:spcPct val="90000"/>
-              </a:lnSpc>
-              <a:spcBef>
-                <a:spcPts val="500"/>
-              </a:spcBef>
-              <a:buFont typeface="Arial" panose="020B0604020202020204" pitchFamily="34" charset="0"/>
-              <a:buChar char="•"/>
-              <a:defRPr sz="1800" kern="1200">
-                <a:solidFill>
-                  <a:schemeClr val="tx1"/>
-                </a:solidFill>
-                <a:latin typeface="+mn-lt"/>
-                <a:ea typeface="+mn-ea"/>
-                <a:cs typeface="+mn-cs"/>
-              </a:defRPr>
-            </a:lvl9pPr>
-          </a:lstStyle>
-          <a:p>
-            <a:r>
-              <a:rPr lang="nl-NL"/>
-              <a:t>This data is collected using the in-house Bruker X-ray diffractometer. The format could either .xrdml or .raw. The size is around 20 KB.</a:t>
-            </a:r>
-            <a:endParaRPr lang="nl-NL" dirty="0"/>
-          </a:p>
-        </p:txBody>
-      </p:sp>
-      <p:sp>
-        <p:nvSpPr>
-          <p:cNvPr id="4" name="Tijdelijke aanduiding voor tekst 23">
-            <a:extLst>
-              <a:ext uri="{FF2B5EF4-FFF2-40B4-BE49-F238E27FC236}">
-                <a16:creationId xmlns:a16="http://schemas.microsoft.com/office/drawing/2014/main" id="{BDFC5E5A-8DC7-4F9C-4011-4FB4F9288F31}"/>
-              </a:ext>
-            </a:extLst>
-          </p:cNvPr>
-          <p:cNvSpPr txBox="1">
-            <a:spLocks/>
-          </p:cNvSpPr>
-          <p:nvPr/>
-        </p:nvSpPr>
-        <p:spPr>
-          <a:xfrm>
-            <a:off x="4180187" y="1496371"/>
-            <a:ext cx="2208931" cy="1059093"/>
-          </a:xfrm>
-          <a:prstGeom prst="rect">
-            <a:avLst/>
-          </a:prstGeom>
-          <a:solidFill>
-            <a:schemeClr val="accent3">
-              <a:lumMod val="40000"/>
-              <a:lumOff val="60000"/>
-            </a:schemeClr>
-          </a:solidFill>
-        </p:spPr>
-        <p:txBody>
-          <a:bodyPr vert="horz" lIns="91440" tIns="45720" rIns="91440" bIns="45720" rtlCol="0" anchor="ctr">
-            <a:normAutofit fontScale="92500"/>
-          </a:bodyPr>
-          <a:lstStyle>
-            <a:lvl1pPr marL="0" indent="0" algn="ctr" defTabSz="914400" rtl="0" eaLnBrk="1" latinLnBrk="0" hangingPunct="1">
-              <a:lnSpc>
-                <a:spcPct val="90000"/>
-              </a:lnSpc>
-              <a:spcBef>
-                <a:spcPts val="1000"/>
-              </a:spcBef>
-              <a:buFont typeface="Arial" panose="020B0604020202020204" pitchFamily="34" charset="0"/>
-              <a:buNone/>
-              <a:defRPr sz="1600" b="0" i="1" u="none" kern="1200">
-                <a:solidFill>
-                  <a:schemeClr val="tx1"/>
-                </a:solidFill>
-                <a:latin typeface="+mn-lt"/>
-                <a:ea typeface="+mn-ea"/>
-                <a:cs typeface="+mn-cs"/>
-              </a:defRPr>
-            </a:lvl1pPr>
-            <a:lvl2pPr marL="685800" indent="-228600" algn="l" defTabSz="914400" rtl="0" eaLnBrk="1" latinLnBrk="0" hangingPunct="1">
-              <a:lnSpc>
-                <a:spcPct val="90000"/>
-              </a:lnSpc>
-              <a:spcBef>
-                <a:spcPts val="500"/>
-              </a:spcBef>
-              <a:buFont typeface="Arial" panose="020B0604020202020204" pitchFamily="34" charset="0"/>
-              <a:buChar char="•"/>
-              <a:defRPr sz="2400" kern="1200">
-                <a:solidFill>
-                  <a:schemeClr val="tx1"/>
-                </a:solidFill>
-                <a:latin typeface="+mn-lt"/>
-                <a:ea typeface="+mn-ea"/>
-                <a:cs typeface="+mn-cs"/>
-              </a:defRPr>
-            </a:lvl2pPr>
-            <a:lvl3pPr marL="1143000" indent="-228600" algn="l" defTabSz="914400" rtl="0" eaLnBrk="1" latinLnBrk="0" hangingPunct="1">
-              <a:lnSpc>
-                <a:spcPct val="90000"/>
-              </a:lnSpc>
-              <a:spcBef>
-                <a:spcPts val="500"/>
-              </a:spcBef>
-              <a:buFont typeface="Arial" panose="020B0604020202020204" pitchFamily="34" charset="0"/>
-              <a:buChar char="•"/>
-              <a:defRPr sz="2000" kern="1200">
-                <a:solidFill>
-                  <a:schemeClr val="tx1"/>
-                </a:solidFill>
-                <a:latin typeface="+mn-lt"/>
-                <a:ea typeface="+mn-ea"/>
-                <a:cs typeface="+mn-cs"/>
-              </a:defRPr>
-            </a:lvl3pPr>
-            <a:lvl4pPr marL="1600200" indent="-228600" algn="l" defTabSz="914400" rtl="0" eaLnBrk="1" latinLnBrk="0" hangingPunct="1">
-              <a:lnSpc>
-                <a:spcPct val="90000"/>
-              </a:lnSpc>
-              <a:spcBef>
-                <a:spcPts val="500"/>
-              </a:spcBef>
-              <a:buFont typeface="Arial" panose="020B0604020202020204" pitchFamily="34" charset="0"/>
-              <a:buChar char="•"/>
-              <a:defRPr sz="1800" kern="1200">
-                <a:solidFill>
-                  <a:schemeClr val="tx1"/>
-                </a:solidFill>
-                <a:latin typeface="+mn-lt"/>
-                <a:ea typeface="+mn-ea"/>
-                <a:cs typeface="+mn-cs"/>
-              </a:defRPr>
-            </a:lvl4pPr>
-            <a:lvl5pPr marL="2057400" indent="-228600" algn="l" defTabSz="914400" rtl="0" eaLnBrk="1" latinLnBrk="0" hangingPunct="1">
-              <a:lnSpc>
-                <a:spcPct val="90000"/>
-              </a:lnSpc>
-              <a:spcBef>
-                <a:spcPts val="500"/>
-              </a:spcBef>
-              <a:buFont typeface="Arial" panose="020B0604020202020204" pitchFamily="34" charset="0"/>
-              <a:buChar char="•"/>
-              <a:defRPr sz="1800" kern="1200">
-                <a:solidFill>
-                  <a:schemeClr val="tx1"/>
-                </a:solidFill>
-                <a:latin typeface="+mn-lt"/>
-                <a:ea typeface="+mn-ea"/>
-                <a:cs typeface="+mn-cs"/>
-              </a:defRPr>
-            </a:lvl5pPr>
-            <a:lvl6pPr marL="2514600" indent="-228600" algn="l" defTabSz="914400" rtl="0" eaLnBrk="1" latinLnBrk="0" hangingPunct="1">
-              <a:lnSpc>
-                <a:spcPct val="90000"/>
-              </a:lnSpc>
-              <a:spcBef>
-                <a:spcPts val="500"/>
-              </a:spcBef>
-              <a:buFont typeface="Arial" panose="020B0604020202020204" pitchFamily="34" charset="0"/>
-              <a:buChar char="•"/>
-              <a:defRPr sz="1800" kern="1200">
-                <a:solidFill>
-                  <a:schemeClr val="tx1"/>
-                </a:solidFill>
-                <a:latin typeface="+mn-lt"/>
-                <a:ea typeface="+mn-ea"/>
-                <a:cs typeface="+mn-cs"/>
-              </a:defRPr>
-            </a:lvl6pPr>
-            <a:lvl7pPr marL="2971800" indent="-228600" algn="l" defTabSz="914400" rtl="0" eaLnBrk="1" latinLnBrk="0" hangingPunct="1">
-              <a:lnSpc>
-                <a:spcPct val="90000"/>
-              </a:lnSpc>
-              <a:spcBef>
-                <a:spcPts val="500"/>
-              </a:spcBef>
-              <a:buFont typeface="Arial" panose="020B0604020202020204" pitchFamily="34" charset="0"/>
-              <a:buChar char="•"/>
-              <a:defRPr sz="1800" kern="1200">
-                <a:solidFill>
-                  <a:schemeClr val="tx1"/>
-                </a:solidFill>
-                <a:latin typeface="+mn-lt"/>
-                <a:ea typeface="+mn-ea"/>
-                <a:cs typeface="+mn-cs"/>
-              </a:defRPr>
-            </a:lvl7pPr>
-            <a:lvl8pPr marL="3429000" indent="-228600" algn="l" defTabSz="914400" rtl="0" eaLnBrk="1" latinLnBrk="0" hangingPunct="1">
-              <a:lnSpc>
-                <a:spcPct val="90000"/>
-              </a:lnSpc>
-              <a:spcBef>
-                <a:spcPts val="500"/>
-              </a:spcBef>
-              <a:buFont typeface="Arial" panose="020B0604020202020204" pitchFamily="34" charset="0"/>
-              <a:buChar char="•"/>
-              <a:defRPr sz="1800" kern="1200">
-                <a:solidFill>
-                  <a:schemeClr val="tx1"/>
-                </a:solidFill>
-                <a:latin typeface="+mn-lt"/>
-                <a:ea typeface="+mn-ea"/>
-                <a:cs typeface="+mn-cs"/>
-              </a:defRPr>
-            </a:lvl8pPr>
-            <a:lvl9pPr marL="3886200" indent="-228600" algn="l" defTabSz="914400" rtl="0" eaLnBrk="1" latinLnBrk="0" hangingPunct="1">
-              <a:lnSpc>
-                <a:spcPct val="90000"/>
-              </a:lnSpc>
-              <a:spcBef>
-                <a:spcPts val="500"/>
-              </a:spcBef>
-              <a:buFont typeface="Arial" panose="020B0604020202020204" pitchFamily="34" charset="0"/>
-              <a:buChar char="•"/>
-              <a:defRPr sz="1800" kern="1200">
-                <a:solidFill>
-                  <a:schemeClr val="tx1"/>
-                </a:solidFill>
-                <a:latin typeface="+mn-lt"/>
-                <a:ea typeface="+mn-ea"/>
-                <a:cs typeface="+mn-cs"/>
-              </a:defRPr>
-            </a:lvl9pPr>
-          </a:lstStyle>
-          <a:p>
-            <a:r>
-              <a:rPr lang="nl-NL"/>
-              <a:t>This data is generated by Bruker TopSpin Software. It has the format ‘.fid’ and a size of 240 KB.</a:t>
-            </a:r>
-            <a:endParaRPr lang="nl-NL" dirty="0"/>
           </a:p>
         </p:txBody>
       </p:sp>
@@ -21977,10 +22131,224 @@
       </p:sp>
       <p:sp>
         <p:nvSpPr>
-          <p:cNvPr id="11" name="Tijdelijke aanduiding voor tekst 24">
-            <a:extLst>
-              <a:ext uri="{FF2B5EF4-FFF2-40B4-BE49-F238E27FC236}">
-                <a16:creationId xmlns:a16="http://schemas.microsoft.com/office/drawing/2014/main" id="{C7DC9BDC-0613-AB3C-27F1-9AF0EC234B3E}"/>
+          <p:cNvPr id="12" name="Tijdelijke aanduiding voor tekst 25">
+            <a:extLst>
+              <a:ext uri="{FF2B5EF4-FFF2-40B4-BE49-F238E27FC236}">
+                <a16:creationId xmlns:a16="http://schemas.microsoft.com/office/drawing/2014/main" id="{C1D7F720-969B-7342-B743-122CBA560F67}"/>
+              </a:ext>
+            </a:extLst>
+          </p:cNvPr>
+          <p:cNvSpPr txBox="1">
+            <a:spLocks/>
+          </p:cNvSpPr>
+          <p:nvPr/>
+        </p:nvSpPr>
+        <p:spPr>
+          <a:xfrm>
+            <a:off x="4180186" y="4394006"/>
+            <a:ext cx="2208931" cy="1059093"/>
+          </a:xfrm>
+          <a:prstGeom prst="rect">
+            <a:avLst/>
+          </a:prstGeom>
+          <a:solidFill>
+            <a:schemeClr val="accent3">
+              <a:lumMod val="40000"/>
+              <a:lumOff val="60000"/>
+            </a:schemeClr>
+          </a:solidFill>
+        </p:spPr>
+        <p:txBody>
+          <a:bodyPr vert="horz" lIns="91440" tIns="45720" rIns="91440" bIns="45720" rtlCol="0" anchor="ctr">
+            <a:normAutofit fontScale="70000" lnSpcReduction="20000"/>
+          </a:bodyPr>
+          <a:lstStyle>
+            <a:lvl1pPr marL="0" indent="0" algn="ctr" defTabSz="914400" rtl="0" eaLnBrk="1" latinLnBrk="0" hangingPunct="1">
+              <a:lnSpc>
+                <a:spcPct val="90000"/>
+              </a:lnSpc>
+              <a:spcBef>
+                <a:spcPts val="1000"/>
+              </a:spcBef>
+              <a:buFont typeface="Arial" panose="020B0604020202020204" pitchFamily="34" charset="0"/>
+              <a:buNone/>
+              <a:defRPr sz="1600" b="0" i="1" u="none" kern="1200">
+                <a:solidFill>
+                  <a:schemeClr val="tx1"/>
+                </a:solidFill>
+                <a:latin typeface="+mn-lt"/>
+                <a:ea typeface="+mn-ea"/>
+                <a:cs typeface="+mn-cs"/>
+              </a:defRPr>
+            </a:lvl1pPr>
+            <a:lvl2pPr marL="685800" indent="-228600" algn="l" defTabSz="914400" rtl="0" eaLnBrk="1" latinLnBrk="0" hangingPunct="1">
+              <a:lnSpc>
+                <a:spcPct val="90000"/>
+              </a:lnSpc>
+              <a:spcBef>
+                <a:spcPts val="500"/>
+              </a:spcBef>
+              <a:buFont typeface="Arial" panose="020B0604020202020204" pitchFamily="34" charset="0"/>
+              <a:buChar char="•"/>
+              <a:defRPr sz="2400" kern="1200">
+                <a:solidFill>
+                  <a:schemeClr val="tx1"/>
+                </a:solidFill>
+                <a:latin typeface="+mn-lt"/>
+                <a:ea typeface="+mn-ea"/>
+                <a:cs typeface="+mn-cs"/>
+              </a:defRPr>
+            </a:lvl2pPr>
+            <a:lvl3pPr marL="1143000" indent="-228600" algn="l" defTabSz="914400" rtl="0" eaLnBrk="1" latinLnBrk="0" hangingPunct="1">
+              <a:lnSpc>
+                <a:spcPct val="90000"/>
+              </a:lnSpc>
+              <a:spcBef>
+                <a:spcPts val="500"/>
+              </a:spcBef>
+              <a:buFont typeface="Arial" panose="020B0604020202020204" pitchFamily="34" charset="0"/>
+              <a:buChar char="•"/>
+              <a:defRPr sz="2000" kern="1200">
+                <a:solidFill>
+                  <a:schemeClr val="tx1"/>
+                </a:solidFill>
+                <a:latin typeface="+mn-lt"/>
+                <a:ea typeface="+mn-ea"/>
+                <a:cs typeface="+mn-cs"/>
+              </a:defRPr>
+            </a:lvl3pPr>
+            <a:lvl4pPr marL="1600200" indent="-228600" algn="l" defTabSz="914400" rtl="0" eaLnBrk="1" latinLnBrk="0" hangingPunct="1">
+              <a:lnSpc>
+                <a:spcPct val="90000"/>
+              </a:lnSpc>
+              <a:spcBef>
+                <a:spcPts val="500"/>
+              </a:spcBef>
+              <a:buFont typeface="Arial" panose="020B0604020202020204" pitchFamily="34" charset="0"/>
+              <a:buChar char="•"/>
+              <a:defRPr sz="1800" kern="1200">
+                <a:solidFill>
+                  <a:schemeClr val="tx1"/>
+                </a:solidFill>
+                <a:latin typeface="+mn-lt"/>
+                <a:ea typeface="+mn-ea"/>
+                <a:cs typeface="+mn-cs"/>
+              </a:defRPr>
+            </a:lvl4pPr>
+            <a:lvl5pPr marL="2057400" indent="-228600" algn="l" defTabSz="914400" rtl="0" eaLnBrk="1" latinLnBrk="0" hangingPunct="1">
+              <a:lnSpc>
+                <a:spcPct val="90000"/>
+              </a:lnSpc>
+              <a:spcBef>
+                <a:spcPts val="500"/>
+              </a:spcBef>
+              <a:buFont typeface="Arial" panose="020B0604020202020204" pitchFamily="34" charset="0"/>
+              <a:buChar char="•"/>
+              <a:defRPr sz="1800" kern="1200">
+                <a:solidFill>
+                  <a:schemeClr val="tx1"/>
+                </a:solidFill>
+                <a:latin typeface="+mn-lt"/>
+                <a:ea typeface="+mn-ea"/>
+                <a:cs typeface="+mn-cs"/>
+              </a:defRPr>
+            </a:lvl5pPr>
+            <a:lvl6pPr marL="2514600" indent="-228600" algn="l" defTabSz="914400" rtl="0" eaLnBrk="1" latinLnBrk="0" hangingPunct="1">
+              <a:lnSpc>
+                <a:spcPct val="90000"/>
+              </a:lnSpc>
+              <a:spcBef>
+                <a:spcPts val="500"/>
+              </a:spcBef>
+              <a:buFont typeface="Arial" panose="020B0604020202020204" pitchFamily="34" charset="0"/>
+              <a:buChar char="•"/>
+              <a:defRPr sz="1800" kern="1200">
+                <a:solidFill>
+                  <a:schemeClr val="tx1"/>
+                </a:solidFill>
+                <a:latin typeface="+mn-lt"/>
+                <a:ea typeface="+mn-ea"/>
+                <a:cs typeface="+mn-cs"/>
+              </a:defRPr>
+            </a:lvl6pPr>
+            <a:lvl7pPr marL="2971800" indent="-228600" algn="l" defTabSz="914400" rtl="0" eaLnBrk="1" latinLnBrk="0" hangingPunct="1">
+              <a:lnSpc>
+                <a:spcPct val="90000"/>
+              </a:lnSpc>
+              <a:spcBef>
+                <a:spcPts val="500"/>
+              </a:spcBef>
+              <a:buFont typeface="Arial" panose="020B0604020202020204" pitchFamily="34" charset="0"/>
+              <a:buChar char="•"/>
+              <a:defRPr sz="1800" kern="1200">
+                <a:solidFill>
+                  <a:schemeClr val="tx1"/>
+                </a:solidFill>
+                <a:latin typeface="+mn-lt"/>
+                <a:ea typeface="+mn-ea"/>
+                <a:cs typeface="+mn-cs"/>
+              </a:defRPr>
+            </a:lvl7pPr>
+            <a:lvl8pPr marL="3429000" indent="-228600" algn="l" defTabSz="914400" rtl="0" eaLnBrk="1" latinLnBrk="0" hangingPunct="1">
+              <a:lnSpc>
+                <a:spcPct val="90000"/>
+              </a:lnSpc>
+              <a:spcBef>
+                <a:spcPts val="500"/>
+              </a:spcBef>
+              <a:buFont typeface="Arial" panose="020B0604020202020204" pitchFamily="34" charset="0"/>
+              <a:buChar char="•"/>
+              <a:defRPr sz="1800" kern="1200">
+                <a:solidFill>
+                  <a:schemeClr val="tx1"/>
+                </a:solidFill>
+                <a:latin typeface="+mn-lt"/>
+                <a:ea typeface="+mn-ea"/>
+                <a:cs typeface="+mn-cs"/>
+              </a:defRPr>
+            </a:lvl8pPr>
+            <a:lvl9pPr marL="3886200" indent="-228600" algn="l" defTabSz="914400" rtl="0" eaLnBrk="1" latinLnBrk="0" hangingPunct="1">
+              <a:lnSpc>
+                <a:spcPct val="90000"/>
+              </a:lnSpc>
+              <a:spcBef>
+                <a:spcPts val="500"/>
+              </a:spcBef>
+              <a:buFont typeface="Arial" panose="020B0604020202020204" pitchFamily="34" charset="0"/>
+              <a:buChar char="•"/>
+              <a:defRPr sz="1800" kern="1200">
+                <a:solidFill>
+                  <a:schemeClr val="tx1"/>
+                </a:solidFill>
+                <a:latin typeface="+mn-lt"/>
+                <a:ea typeface="+mn-ea"/>
+                <a:cs typeface="+mn-cs"/>
+              </a:defRPr>
+            </a:lvl9pPr>
+          </a:lstStyle>
+          <a:p>
+            <a:r>
+              <a:rPr lang="nl-NL" dirty="0"/>
+              <a:t>This data is collected using the in-house Bruker X-ray diffractometer. The format could either .xrdml or .raw. The size is around 20 KB.</a:t>
+            </a:r>
+          </a:p>
+          <a:p>
+            <a:r>
+              <a:rPr lang="nl-NL" dirty="0"/>
+              <a:t>YYMMDD_{sample_name}.xrdml</a:t>
+            </a:r>
+          </a:p>
+          <a:p>
+            <a:endParaRPr lang="nl-NL" dirty="0"/>
+          </a:p>
+        </p:txBody>
+      </p:sp>
+      <p:sp>
+        <p:nvSpPr>
+          <p:cNvPr id="13" name="Tijdelijke aanduiding voor tekst 24">
+            <a:extLst>
+              <a:ext uri="{FF2B5EF4-FFF2-40B4-BE49-F238E27FC236}">
+                <a16:creationId xmlns:a16="http://schemas.microsoft.com/office/drawing/2014/main" id="{8C45DE9F-8A07-1B65-F599-9E0A5F84A4F4}"/>
               </a:ext>
             </a:extLst>
           </p:cNvPr>
@@ -22006,7 +22374,7 @@
         </p:spPr>
         <p:txBody>
           <a:bodyPr vert="horz" lIns="91440" tIns="45720" rIns="91440" bIns="45720" rtlCol="0" anchor="ctr">
-            <a:normAutofit fontScale="85000" lnSpcReduction="20000"/>
+            <a:normAutofit fontScale="70000" lnSpcReduction="20000"/>
           </a:bodyPr>
           <a:lstStyle>
             <a:lvl1pPr marL="0" indent="0" algn="ctr" defTabSz="914400" rtl="0" eaLnBrk="1" latinLnBrk="0" hangingPunct="1">
@@ -22176,6 +22544,223 @@
             <a:r>
               <a:rPr lang="nl-NL" dirty="0"/>
               <a:t>This data is generated by the MT-Lab Software. The formats possible are .fra, .Z, and .dat. The size depends on how the data is collected.</a:t>
+            </a:r>
+          </a:p>
+          <a:p>
+            <a:r>
+              <a:rPr lang="nl-NL" dirty="0"/>
+              <a:t>YYMMDD_{sample_name}_{impedance_experimental_condition}.z</a:t>
+            </a:r>
+          </a:p>
+        </p:txBody>
+      </p:sp>
+      <p:sp>
+        <p:nvSpPr>
+          <p:cNvPr id="14" name="Tijdelijke aanduiding voor tekst 23">
+            <a:extLst>
+              <a:ext uri="{FF2B5EF4-FFF2-40B4-BE49-F238E27FC236}">
+                <a16:creationId xmlns:a16="http://schemas.microsoft.com/office/drawing/2014/main" id="{D9D0089C-ED1B-2619-7CD1-DA85EAE471FE}"/>
+              </a:ext>
+            </a:extLst>
+          </p:cNvPr>
+          <p:cNvSpPr txBox="1">
+            <a:spLocks/>
+          </p:cNvSpPr>
+          <p:nvPr/>
+        </p:nvSpPr>
+        <p:spPr>
+          <a:xfrm>
+            <a:off x="4180187" y="1496371"/>
+            <a:ext cx="2208931" cy="1059093"/>
+          </a:xfrm>
+          <a:prstGeom prst="rect">
+            <a:avLst/>
+          </a:prstGeom>
+          <a:solidFill>
+            <a:schemeClr val="accent3">
+              <a:lumMod val="40000"/>
+              <a:lumOff val="60000"/>
+            </a:schemeClr>
+          </a:solidFill>
+        </p:spPr>
+        <p:txBody>
+          <a:bodyPr vert="horz" lIns="91440" tIns="45720" rIns="91440" bIns="45720" rtlCol="0" anchor="ctr">
+            <a:normAutofit fontScale="77500" lnSpcReduction="20000"/>
+          </a:bodyPr>
+          <a:lstStyle>
+            <a:lvl1pPr marL="0" indent="0" algn="ctr" defTabSz="914400" rtl="0" eaLnBrk="1" latinLnBrk="0" hangingPunct="1">
+              <a:lnSpc>
+                <a:spcPct val="90000"/>
+              </a:lnSpc>
+              <a:spcBef>
+                <a:spcPts val="1000"/>
+              </a:spcBef>
+              <a:buFont typeface="Arial" panose="020B0604020202020204" pitchFamily="34" charset="0"/>
+              <a:buNone/>
+              <a:defRPr sz="1600" b="0" i="1" u="none" kern="1200">
+                <a:solidFill>
+                  <a:schemeClr val="tx1"/>
+                </a:solidFill>
+                <a:latin typeface="+mn-lt"/>
+                <a:ea typeface="+mn-ea"/>
+                <a:cs typeface="+mn-cs"/>
+              </a:defRPr>
+            </a:lvl1pPr>
+            <a:lvl2pPr marL="685800" indent="-228600" algn="l" defTabSz="914400" rtl="0" eaLnBrk="1" latinLnBrk="0" hangingPunct="1">
+              <a:lnSpc>
+                <a:spcPct val="90000"/>
+              </a:lnSpc>
+              <a:spcBef>
+                <a:spcPts val="500"/>
+              </a:spcBef>
+              <a:buFont typeface="Arial" panose="020B0604020202020204" pitchFamily="34" charset="0"/>
+              <a:buChar char="•"/>
+              <a:defRPr sz="2400" kern="1200">
+                <a:solidFill>
+                  <a:schemeClr val="tx1"/>
+                </a:solidFill>
+                <a:latin typeface="+mn-lt"/>
+                <a:ea typeface="+mn-ea"/>
+                <a:cs typeface="+mn-cs"/>
+              </a:defRPr>
+            </a:lvl2pPr>
+            <a:lvl3pPr marL="1143000" indent="-228600" algn="l" defTabSz="914400" rtl="0" eaLnBrk="1" latinLnBrk="0" hangingPunct="1">
+              <a:lnSpc>
+                <a:spcPct val="90000"/>
+              </a:lnSpc>
+              <a:spcBef>
+                <a:spcPts val="500"/>
+              </a:spcBef>
+              <a:buFont typeface="Arial" panose="020B0604020202020204" pitchFamily="34" charset="0"/>
+              <a:buChar char="•"/>
+              <a:defRPr sz="2000" kern="1200">
+                <a:solidFill>
+                  <a:schemeClr val="tx1"/>
+                </a:solidFill>
+                <a:latin typeface="+mn-lt"/>
+                <a:ea typeface="+mn-ea"/>
+                <a:cs typeface="+mn-cs"/>
+              </a:defRPr>
+            </a:lvl3pPr>
+            <a:lvl4pPr marL="1600200" indent="-228600" algn="l" defTabSz="914400" rtl="0" eaLnBrk="1" latinLnBrk="0" hangingPunct="1">
+              <a:lnSpc>
+                <a:spcPct val="90000"/>
+              </a:lnSpc>
+              <a:spcBef>
+                <a:spcPts val="500"/>
+              </a:spcBef>
+              <a:buFont typeface="Arial" panose="020B0604020202020204" pitchFamily="34" charset="0"/>
+              <a:buChar char="•"/>
+              <a:defRPr sz="1800" kern="1200">
+                <a:solidFill>
+                  <a:schemeClr val="tx1"/>
+                </a:solidFill>
+                <a:latin typeface="+mn-lt"/>
+                <a:ea typeface="+mn-ea"/>
+                <a:cs typeface="+mn-cs"/>
+              </a:defRPr>
+            </a:lvl4pPr>
+            <a:lvl5pPr marL="2057400" indent="-228600" algn="l" defTabSz="914400" rtl="0" eaLnBrk="1" latinLnBrk="0" hangingPunct="1">
+              <a:lnSpc>
+                <a:spcPct val="90000"/>
+              </a:lnSpc>
+              <a:spcBef>
+                <a:spcPts val="500"/>
+              </a:spcBef>
+              <a:buFont typeface="Arial" panose="020B0604020202020204" pitchFamily="34" charset="0"/>
+              <a:buChar char="•"/>
+              <a:defRPr sz="1800" kern="1200">
+                <a:solidFill>
+                  <a:schemeClr val="tx1"/>
+                </a:solidFill>
+                <a:latin typeface="+mn-lt"/>
+                <a:ea typeface="+mn-ea"/>
+                <a:cs typeface="+mn-cs"/>
+              </a:defRPr>
+            </a:lvl5pPr>
+            <a:lvl6pPr marL="2514600" indent="-228600" algn="l" defTabSz="914400" rtl="0" eaLnBrk="1" latinLnBrk="0" hangingPunct="1">
+              <a:lnSpc>
+                <a:spcPct val="90000"/>
+              </a:lnSpc>
+              <a:spcBef>
+                <a:spcPts val="500"/>
+              </a:spcBef>
+              <a:buFont typeface="Arial" panose="020B0604020202020204" pitchFamily="34" charset="0"/>
+              <a:buChar char="•"/>
+              <a:defRPr sz="1800" kern="1200">
+                <a:solidFill>
+                  <a:schemeClr val="tx1"/>
+                </a:solidFill>
+                <a:latin typeface="+mn-lt"/>
+                <a:ea typeface="+mn-ea"/>
+                <a:cs typeface="+mn-cs"/>
+              </a:defRPr>
+            </a:lvl6pPr>
+            <a:lvl7pPr marL="2971800" indent="-228600" algn="l" defTabSz="914400" rtl="0" eaLnBrk="1" latinLnBrk="0" hangingPunct="1">
+              <a:lnSpc>
+                <a:spcPct val="90000"/>
+              </a:lnSpc>
+              <a:spcBef>
+                <a:spcPts val="500"/>
+              </a:spcBef>
+              <a:buFont typeface="Arial" panose="020B0604020202020204" pitchFamily="34" charset="0"/>
+              <a:buChar char="•"/>
+              <a:defRPr sz="1800" kern="1200">
+                <a:solidFill>
+                  <a:schemeClr val="tx1"/>
+                </a:solidFill>
+                <a:latin typeface="+mn-lt"/>
+                <a:ea typeface="+mn-ea"/>
+                <a:cs typeface="+mn-cs"/>
+              </a:defRPr>
+            </a:lvl7pPr>
+            <a:lvl8pPr marL="3429000" indent="-228600" algn="l" defTabSz="914400" rtl="0" eaLnBrk="1" latinLnBrk="0" hangingPunct="1">
+              <a:lnSpc>
+                <a:spcPct val="90000"/>
+              </a:lnSpc>
+              <a:spcBef>
+                <a:spcPts val="500"/>
+              </a:spcBef>
+              <a:buFont typeface="Arial" panose="020B0604020202020204" pitchFamily="34" charset="0"/>
+              <a:buChar char="•"/>
+              <a:defRPr sz="1800" kern="1200">
+                <a:solidFill>
+                  <a:schemeClr val="tx1"/>
+                </a:solidFill>
+                <a:latin typeface="+mn-lt"/>
+                <a:ea typeface="+mn-ea"/>
+                <a:cs typeface="+mn-cs"/>
+              </a:defRPr>
+            </a:lvl8pPr>
+            <a:lvl9pPr marL="3886200" indent="-228600" algn="l" defTabSz="914400" rtl="0" eaLnBrk="1" latinLnBrk="0" hangingPunct="1">
+              <a:lnSpc>
+                <a:spcPct val="90000"/>
+              </a:lnSpc>
+              <a:spcBef>
+                <a:spcPts val="500"/>
+              </a:spcBef>
+              <a:buFont typeface="Arial" panose="020B0604020202020204" pitchFamily="34" charset="0"/>
+              <a:buChar char="•"/>
+              <a:defRPr sz="1800" kern="1200">
+                <a:solidFill>
+                  <a:schemeClr val="tx1"/>
+                </a:solidFill>
+                <a:latin typeface="+mn-lt"/>
+                <a:ea typeface="+mn-ea"/>
+                <a:cs typeface="+mn-cs"/>
+              </a:defRPr>
+            </a:lvl9pPr>
+          </a:lstStyle>
+          <a:p>
+            <a:r>
+              <a:rPr lang="nl-NL" dirty="0"/>
+              <a:t>This data is generated by Bruker TopSpin Software. It has the format ‘.fid’ and a size of 240 KB.</a:t>
+            </a:r>
+          </a:p>
+          <a:p>
+            <a:r>
+              <a:rPr lang="nl-NL" dirty="0"/>
+              <a:t>YYMMDD_{sample_name}_{nmr_experimental_condition}.fid</a:t>
             </a:r>
           </a:p>
         </p:txBody>
@@ -22501,418 +23086,6 @@
             <a:endParaRPr lang="en-US" sz="1200" dirty="0">
               <a:latin typeface="Abadi Extra Light" panose="020B0204020104020204" pitchFamily="34" charset="0"/>
             </a:endParaRPr>
-          </a:p>
-        </p:txBody>
-      </p:sp>
-      <p:sp>
-        <p:nvSpPr>
-          <p:cNvPr id="3" name="Tijdelijke aanduiding voor tekst 25">
-            <a:extLst>
-              <a:ext uri="{FF2B5EF4-FFF2-40B4-BE49-F238E27FC236}">
-                <a16:creationId xmlns:a16="http://schemas.microsoft.com/office/drawing/2014/main" id="{70BE44A3-A16B-D5F1-4474-59B5D8774D7D}"/>
-              </a:ext>
-            </a:extLst>
-          </p:cNvPr>
-          <p:cNvSpPr txBox="1">
-            <a:spLocks/>
-          </p:cNvSpPr>
-          <p:nvPr/>
-        </p:nvSpPr>
-        <p:spPr>
-          <a:xfrm>
-            <a:off x="4180186" y="4394006"/>
-            <a:ext cx="2208931" cy="1059093"/>
-          </a:xfrm>
-          <a:prstGeom prst="rect">
-            <a:avLst/>
-          </a:prstGeom>
-          <a:solidFill>
-            <a:schemeClr val="accent3">
-              <a:lumMod val="40000"/>
-              <a:lumOff val="60000"/>
-            </a:schemeClr>
-          </a:solidFill>
-        </p:spPr>
-        <p:txBody>
-          <a:bodyPr vert="horz" lIns="91440" tIns="45720" rIns="91440" bIns="45720" rtlCol="0" anchor="ctr">
-            <a:normAutofit fontScale="85000" lnSpcReduction="10000"/>
-          </a:bodyPr>
-          <a:lstStyle>
-            <a:lvl1pPr marL="0" indent="0" algn="ctr" defTabSz="914400" rtl="0" eaLnBrk="1" latinLnBrk="0" hangingPunct="1">
-              <a:lnSpc>
-                <a:spcPct val="90000"/>
-              </a:lnSpc>
-              <a:spcBef>
-                <a:spcPts val="1000"/>
-              </a:spcBef>
-              <a:buFont typeface="Arial" panose="020B0604020202020204" pitchFamily="34" charset="0"/>
-              <a:buNone/>
-              <a:defRPr sz="1600" b="0" i="1" u="none" kern="1200">
-                <a:solidFill>
-                  <a:schemeClr val="tx1"/>
-                </a:solidFill>
-                <a:latin typeface="+mn-lt"/>
-                <a:ea typeface="+mn-ea"/>
-                <a:cs typeface="+mn-cs"/>
-              </a:defRPr>
-            </a:lvl1pPr>
-            <a:lvl2pPr marL="685800" indent="-228600" algn="l" defTabSz="914400" rtl="0" eaLnBrk="1" latinLnBrk="0" hangingPunct="1">
-              <a:lnSpc>
-                <a:spcPct val="90000"/>
-              </a:lnSpc>
-              <a:spcBef>
-                <a:spcPts val="500"/>
-              </a:spcBef>
-              <a:buFont typeface="Arial" panose="020B0604020202020204" pitchFamily="34" charset="0"/>
-              <a:buChar char="•"/>
-              <a:defRPr sz="2400" kern="1200">
-                <a:solidFill>
-                  <a:schemeClr val="tx1"/>
-                </a:solidFill>
-                <a:latin typeface="+mn-lt"/>
-                <a:ea typeface="+mn-ea"/>
-                <a:cs typeface="+mn-cs"/>
-              </a:defRPr>
-            </a:lvl2pPr>
-            <a:lvl3pPr marL="1143000" indent="-228600" algn="l" defTabSz="914400" rtl="0" eaLnBrk="1" latinLnBrk="0" hangingPunct="1">
-              <a:lnSpc>
-                <a:spcPct val="90000"/>
-              </a:lnSpc>
-              <a:spcBef>
-                <a:spcPts val="500"/>
-              </a:spcBef>
-              <a:buFont typeface="Arial" panose="020B0604020202020204" pitchFamily="34" charset="0"/>
-              <a:buChar char="•"/>
-              <a:defRPr sz="2000" kern="1200">
-                <a:solidFill>
-                  <a:schemeClr val="tx1"/>
-                </a:solidFill>
-                <a:latin typeface="+mn-lt"/>
-                <a:ea typeface="+mn-ea"/>
-                <a:cs typeface="+mn-cs"/>
-              </a:defRPr>
-            </a:lvl3pPr>
-            <a:lvl4pPr marL="1600200" indent="-228600" algn="l" defTabSz="914400" rtl="0" eaLnBrk="1" latinLnBrk="0" hangingPunct="1">
-              <a:lnSpc>
-                <a:spcPct val="90000"/>
-              </a:lnSpc>
-              <a:spcBef>
-                <a:spcPts val="500"/>
-              </a:spcBef>
-              <a:buFont typeface="Arial" panose="020B0604020202020204" pitchFamily="34" charset="0"/>
-              <a:buChar char="•"/>
-              <a:defRPr sz="1800" kern="1200">
-                <a:solidFill>
-                  <a:schemeClr val="tx1"/>
-                </a:solidFill>
-                <a:latin typeface="+mn-lt"/>
-                <a:ea typeface="+mn-ea"/>
-                <a:cs typeface="+mn-cs"/>
-              </a:defRPr>
-            </a:lvl4pPr>
-            <a:lvl5pPr marL="2057400" indent="-228600" algn="l" defTabSz="914400" rtl="0" eaLnBrk="1" latinLnBrk="0" hangingPunct="1">
-              <a:lnSpc>
-                <a:spcPct val="90000"/>
-              </a:lnSpc>
-              <a:spcBef>
-                <a:spcPts val="500"/>
-              </a:spcBef>
-              <a:buFont typeface="Arial" panose="020B0604020202020204" pitchFamily="34" charset="0"/>
-              <a:buChar char="•"/>
-              <a:defRPr sz="1800" kern="1200">
-                <a:solidFill>
-                  <a:schemeClr val="tx1"/>
-                </a:solidFill>
-                <a:latin typeface="+mn-lt"/>
-                <a:ea typeface="+mn-ea"/>
-                <a:cs typeface="+mn-cs"/>
-              </a:defRPr>
-            </a:lvl5pPr>
-            <a:lvl6pPr marL="2514600" indent="-228600" algn="l" defTabSz="914400" rtl="0" eaLnBrk="1" latinLnBrk="0" hangingPunct="1">
-              <a:lnSpc>
-                <a:spcPct val="90000"/>
-              </a:lnSpc>
-              <a:spcBef>
-                <a:spcPts val="500"/>
-              </a:spcBef>
-              <a:buFont typeface="Arial" panose="020B0604020202020204" pitchFamily="34" charset="0"/>
-              <a:buChar char="•"/>
-              <a:defRPr sz="1800" kern="1200">
-                <a:solidFill>
-                  <a:schemeClr val="tx1"/>
-                </a:solidFill>
-                <a:latin typeface="+mn-lt"/>
-                <a:ea typeface="+mn-ea"/>
-                <a:cs typeface="+mn-cs"/>
-              </a:defRPr>
-            </a:lvl6pPr>
-            <a:lvl7pPr marL="2971800" indent="-228600" algn="l" defTabSz="914400" rtl="0" eaLnBrk="1" latinLnBrk="0" hangingPunct="1">
-              <a:lnSpc>
-                <a:spcPct val="90000"/>
-              </a:lnSpc>
-              <a:spcBef>
-                <a:spcPts val="500"/>
-              </a:spcBef>
-              <a:buFont typeface="Arial" panose="020B0604020202020204" pitchFamily="34" charset="0"/>
-              <a:buChar char="•"/>
-              <a:defRPr sz="1800" kern="1200">
-                <a:solidFill>
-                  <a:schemeClr val="tx1"/>
-                </a:solidFill>
-                <a:latin typeface="+mn-lt"/>
-                <a:ea typeface="+mn-ea"/>
-                <a:cs typeface="+mn-cs"/>
-              </a:defRPr>
-            </a:lvl7pPr>
-            <a:lvl8pPr marL="3429000" indent="-228600" algn="l" defTabSz="914400" rtl="0" eaLnBrk="1" latinLnBrk="0" hangingPunct="1">
-              <a:lnSpc>
-                <a:spcPct val="90000"/>
-              </a:lnSpc>
-              <a:spcBef>
-                <a:spcPts val="500"/>
-              </a:spcBef>
-              <a:buFont typeface="Arial" panose="020B0604020202020204" pitchFamily="34" charset="0"/>
-              <a:buChar char="•"/>
-              <a:defRPr sz="1800" kern="1200">
-                <a:solidFill>
-                  <a:schemeClr val="tx1"/>
-                </a:solidFill>
-                <a:latin typeface="+mn-lt"/>
-                <a:ea typeface="+mn-ea"/>
-                <a:cs typeface="+mn-cs"/>
-              </a:defRPr>
-            </a:lvl8pPr>
-            <a:lvl9pPr marL="3886200" indent="-228600" algn="l" defTabSz="914400" rtl="0" eaLnBrk="1" latinLnBrk="0" hangingPunct="1">
-              <a:lnSpc>
-                <a:spcPct val="90000"/>
-              </a:lnSpc>
-              <a:spcBef>
-                <a:spcPts val="500"/>
-              </a:spcBef>
-              <a:buFont typeface="Arial" panose="020B0604020202020204" pitchFamily="34" charset="0"/>
-              <a:buChar char="•"/>
-              <a:defRPr sz="1800" kern="1200">
-                <a:solidFill>
-                  <a:schemeClr val="tx1"/>
-                </a:solidFill>
-                <a:latin typeface="+mn-lt"/>
-                <a:ea typeface="+mn-ea"/>
-                <a:cs typeface="+mn-cs"/>
-              </a:defRPr>
-            </a:lvl9pPr>
-          </a:lstStyle>
-          <a:p>
-            <a:r>
-              <a:rPr lang="nl-NL"/>
-              <a:t>This data is collected using the in-house Bruker X-ray diffractometer. The format could either .xrdml or .raw. The size is around 20 KB.</a:t>
-            </a:r>
-            <a:endParaRPr lang="nl-NL" dirty="0"/>
-          </a:p>
-        </p:txBody>
-      </p:sp>
-      <p:sp>
-        <p:nvSpPr>
-          <p:cNvPr id="4" name="Tijdelijke aanduiding voor tekst 23">
-            <a:extLst>
-              <a:ext uri="{FF2B5EF4-FFF2-40B4-BE49-F238E27FC236}">
-                <a16:creationId xmlns:a16="http://schemas.microsoft.com/office/drawing/2014/main" id="{616161A7-730E-D87D-DC2D-0E6F0BC601D3}"/>
-              </a:ext>
-            </a:extLst>
-          </p:cNvPr>
-          <p:cNvSpPr txBox="1">
-            <a:spLocks/>
-          </p:cNvSpPr>
-          <p:nvPr/>
-        </p:nvSpPr>
-        <p:spPr>
-          <a:xfrm>
-            <a:off x="4180187" y="1496371"/>
-            <a:ext cx="2208931" cy="1059093"/>
-          </a:xfrm>
-          <a:prstGeom prst="rect">
-            <a:avLst/>
-          </a:prstGeom>
-          <a:solidFill>
-            <a:schemeClr val="accent3">
-              <a:lumMod val="40000"/>
-              <a:lumOff val="60000"/>
-            </a:schemeClr>
-          </a:solidFill>
-        </p:spPr>
-        <p:txBody>
-          <a:bodyPr vert="horz" lIns="91440" tIns="45720" rIns="91440" bIns="45720" rtlCol="0" anchor="ctr">
-            <a:normAutofit fontScale="92500"/>
-          </a:bodyPr>
-          <a:lstStyle>
-            <a:lvl1pPr marL="0" indent="0" algn="ctr" defTabSz="914400" rtl="0" eaLnBrk="1" latinLnBrk="0" hangingPunct="1">
-              <a:lnSpc>
-                <a:spcPct val="90000"/>
-              </a:lnSpc>
-              <a:spcBef>
-                <a:spcPts val="1000"/>
-              </a:spcBef>
-              <a:buFont typeface="Arial" panose="020B0604020202020204" pitchFamily="34" charset="0"/>
-              <a:buNone/>
-              <a:defRPr sz="1600" b="0" i="1" u="none" kern="1200">
-                <a:solidFill>
-                  <a:schemeClr val="tx1"/>
-                </a:solidFill>
-                <a:latin typeface="+mn-lt"/>
-                <a:ea typeface="+mn-ea"/>
-                <a:cs typeface="+mn-cs"/>
-              </a:defRPr>
-            </a:lvl1pPr>
-            <a:lvl2pPr marL="685800" indent="-228600" algn="l" defTabSz="914400" rtl="0" eaLnBrk="1" latinLnBrk="0" hangingPunct="1">
-              <a:lnSpc>
-                <a:spcPct val="90000"/>
-              </a:lnSpc>
-              <a:spcBef>
-                <a:spcPts val="500"/>
-              </a:spcBef>
-              <a:buFont typeface="Arial" panose="020B0604020202020204" pitchFamily="34" charset="0"/>
-              <a:buChar char="•"/>
-              <a:defRPr sz="2400" kern="1200">
-                <a:solidFill>
-                  <a:schemeClr val="tx1"/>
-                </a:solidFill>
-                <a:latin typeface="+mn-lt"/>
-                <a:ea typeface="+mn-ea"/>
-                <a:cs typeface="+mn-cs"/>
-              </a:defRPr>
-            </a:lvl2pPr>
-            <a:lvl3pPr marL="1143000" indent="-228600" algn="l" defTabSz="914400" rtl="0" eaLnBrk="1" latinLnBrk="0" hangingPunct="1">
-              <a:lnSpc>
-                <a:spcPct val="90000"/>
-              </a:lnSpc>
-              <a:spcBef>
-                <a:spcPts val="500"/>
-              </a:spcBef>
-              <a:buFont typeface="Arial" panose="020B0604020202020204" pitchFamily="34" charset="0"/>
-              <a:buChar char="•"/>
-              <a:defRPr sz="2000" kern="1200">
-                <a:solidFill>
-                  <a:schemeClr val="tx1"/>
-                </a:solidFill>
-                <a:latin typeface="+mn-lt"/>
-                <a:ea typeface="+mn-ea"/>
-                <a:cs typeface="+mn-cs"/>
-              </a:defRPr>
-            </a:lvl3pPr>
-            <a:lvl4pPr marL="1600200" indent="-228600" algn="l" defTabSz="914400" rtl="0" eaLnBrk="1" latinLnBrk="0" hangingPunct="1">
-              <a:lnSpc>
-                <a:spcPct val="90000"/>
-              </a:lnSpc>
-              <a:spcBef>
-                <a:spcPts val="500"/>
-              </a:spcBef>
-              <a:buFont typeface="Arial" panose="020B0604020202020204" pitchFamily="34" charset="0"/>
-              <a:buChar char="•"/>
-              <a:defRPr sz="1800" kern="1200">
-                <a:solidFill>
-                  <a:schemeClr val="tx1"/>
-                </a:solidFill>
-                <a:latin typeface="+mn-lt"/>
-                <a:ea typeface="+mn-ea"/>
-                <a:cs typeface="+mn-cs"/>
-              </a:defRPr>
-            </a:lvl4pPr>
-            <a:lvl5pPr marL="2057400" indent="-228600" algn="l" defTabSz="914400" rtl="0" eaLnBrk="1" latinLnBrk="0" hangingPunct="1">
-              <a:lnSpc>
-                <a:spcPct val="90000"/>
-              </a:lnSpc>
-              <a:spcBef>
-                <a:spcPts val="500"/>
-              </a:spcBef>
-              <a:buFont typeface="Arial" panose="020B0604020202020204" pitchFamily="34" charset="0"/>
-              <a:buChar char="•"/>
-              <a:defRPr sz="1800" kern="1200">
-                <a:solidFill>
-                  <a:schemeClr val="tx1"/>
-                </a:solidFill>
-                <a:latin typeface="+mn-lt"/>
-                <a:ea typeface="+mn-ea"/>
-                <a:cs typeface="+mn-cs"/>
-              </a:defRPr>
-            </a:lvl5pPr>
-            <a:lvl6pPr marL="2514600" indent="-228600" algn="l" defTabSz="914400" rtl="0" eaLnBrk="1" latinLnBrk="0" hangingPunct="1">
-              <a:lnSpc>
-                <a:spcPct val="90000"/>
-              </a:lnSpc>
-              <a:spcBef>
-                <a:spcPts val="500"/>
-              </a:spcBef>
-              <a:buFont typeface="Arial" panose="020B0604020202020204" pitchFamily="34" charset="0"/>
-              <a:buChar char="•"/>
-              <a:defRPr sz="1800" kern="1200">
-                <a:solidFill>
-                  <a:schemeClr val="tx1"/>
-                </a:solidFill>
-                <a:latin typeface="+mn-lt"/>
-                <a:ea typeface="+mn-ea"/>
-                <a:cs typeface="+mn-cs"/>
-              </a:defRPr>
-            </a:lvl6pPr>
-            <a:lvl7pPr marL="2971800" indent="-228600" algn="l" defTabSz="914400" rtl="0" eaLnBrk="1" latinLnBrk="0" hangingPunct="1">
-              <a:lnSpc>
-                <a:spcPct val="90000"/>
-              </a:lnSpc>
-              <a:spcBef>
-                <a:spcPts val="500"/>
-              </a:spcBef>
-              <a:buFont typeface="Arial" panose="020B0604020202020204" pitchFamily="34" charset="0"/>
-              <a:buChar char="•"/>
-              <a:defRPr sz="1800" kern="1200">
-                <a:solidFill>
-                  <a:schemeClr val="tx1"/>
-                </a:solidFill>
-                <a:latin typeface="+mn-lt"/>
-                <a:ea typeface="+mn-ea"/>
-                <a:cs typeface="+mn-cs"/>
-              </a:defRPr>
-            </a:lvl7pPr>
-            <a:lvl8pPr marL="3429000" indent="-228600" algn="l" defTabSz="914400" rtl="0" eaLnBrk="1" latinLnBrk="0" hangingPunct="1">
-              <a:lnSpc>
-                <a:spcPct val="90000"/>
-              </a:lnSpc>
-              <a:spcBef>
-                <a:spcPts val="500"/>
-              </a:spcBef>
-              <a:buFont typeface="Arial" panose="020B0604020202020204" pitchFamily="34" charset="0"/>
-              <a:buChar char="•"/>
-              <a:defRPr sz="1800" kern="1200">
-                <a:solidFill>
-                  <a:schemeClr val="tx1"/>
-                </a:solidFill>
-                <a:latin typeface="+mn-lt"/>
-                <a:ea typeface="+mn-ea"/>
-                <a:cs typeface="+mn-cs"/>
-              </a:defRPr>
-            </a:lvl8pPr>
-            <a:lvl9pPr marL="3886200" indent="-228600" algn="l" defTabSz="914400" rtl="0" eaLnBrk="1" latinLnBrk="0" hangingPunct="1">
-              <a:lnSpc>
-                <a:spcPct val="90000"/>
-              </a:lnSpc>
-              <a:spcBef>
-                <a:spcPts val="500"/>
-              </a:spcBef>
-              <a:buFont typeface="Arial" panose="020B0604020202020204" pitchFamily="34" charset="0"/>
-              <a:buChar char="•"/>
-              <a:defRPr sz="1800" kern="1200">
-                <a:solidFill>
-                  <a:schemeClr val="tx1"/>
-                </a:solidFill>
-                <a:latin typeface="+mn-lt"/>
-                <a:ea typeface="+mn-ea"/>
-                <a:cs typeface="+mn-cs"/>
-              </a:defRPr>
-            </a:lvl9pPr>
-          </a:lstStyle>
-          <a:p>
-            <a:r>
-              <a:rPr lang="nl-NL"/>
-              <a:t>This data is generated by Bruker TopSpin Software. It has the format ‘.fid’ and a size of 240 KB.</a:t>
-            </a:r>
-            <a:endParaRPr lang="nl-NL" dirty="0"/>
           </a:p>
         </p:txBody>
       </p:sp>
@@ -23760,10 +23933,224 @@
       </p:sp>
       <p:sp>
         <p:nvSpPr>
-          <p:cNvPr id="11" name="Tijdelijke aanduiding voor tekst 24">
-            <a:extLst>
-              <a:ext uri="{FF2B5EF4-FFF2-40B4-BE49-F238E27FC236}">
-                <a16:creationId xmlns:a16="http://schemas.microsoft.com/office/drawing/2014/main" id="{0C1CEC16-1154-3608-C16E-9826361CA9F9}"/>
+          <p:cNvPr id="12" name="Tijdelijke aanduiding voor tekst 25">
+            <a:extLst>
+              <a:ext uri="{FF2B5EF4-FFF2-40B4-BE49-F238E27FC236}">
+                <a16:creationId xmlns:a16="http://schemas.microsoft.com/office/drawing/2014/main" id="{31BE7EBF-B6AE-93BB-F096-350AFA796C81}"/>
+              </a:ext>
+            </a:extLst>
+          </p:cNvPr>
+          <p:cNvSpPr txBox="1">
+            <a:spLocks/>
+          </p:cNvSpPr>
+          <p:nvPr/>
+        </p:nvSpPr>
+        <p:spPr>
+          <a:xfrm>
+            <a:off x="4180186" y="4394006"/>
+            <a:ext cx="2208931" cy="1059093"/>
+          </a:xfrm>
+          <a:prstGeom prst="rect">
+            <a:avLst/>
+          </a:prstGeom>
+          <a:solidFill>
+            <a:schemeClr val="accent3">
+              <a:lumMod val="40000"/>
+              <a:lumOff val="60000"/>
+            </a:schemeClr>
+          </a:solidFill>
+        </p:spPr>
+        <p:txBody>
+          <a:bodyPr vert="horz" lIns="91440" tIns="45720" rIns="91440" bIns="45720" rtlCol="0" anchor="ctr">
+            <a:normAutofit fontScale="70000" lnSpcReduction="20000"/>
+          </a:bodyPr>
+          <a:lstStyle>
+            <a:lvl1pPr marL="0" indent="0" algn="ctr" defTabSz="914400" rtl="0" eaLnBrk="1" latinLnBrk="0" hangingPunct="1">
+              <a:lnSpc>
+                <a:spcPct val="90000"/>
+              </a:lnSpc>
+              <a:spcBef>
+                <a:spcPts val="1000"/>
+              </a:spcBef>
+              <a:buFont typeface="Arial" panose="020B0604020202020204" pitchFamily="34" charset="0"/>
+              <a:buNone/>
+              <a:defRPr sz="1600" b="0" i="1" u="none" kern="1200">
+                <a:solidFill>
+                  <a:schemeClr val="tx1"/>
+                </a:solidFill>
+                <a:latin typeface="+mn-lt"/>
+                <a:ea typeface="+mn-ea"/>
+                <a:cs typeface="+mn-cs"/>
+              </a:defRPr>
+            </a:lvl1pPr>
+            <a:lvl2pPr marL="685800" indent="-228600" algn="l" defTabSz="914400" rtl="0" eaLnBrk="1" latinLnBrk="0" hangingPunct="1">
+              <a:lnSpc>
+                <a:spcPct val="90000"/>
+              </a:lnSpc>
+              <a:spcBef>
+                <a:spcPts val="500"/>
+              </a:spcBef>
+              <a:buFont typeface="Arial" panose="020B0604020202020204" pitchFamily="34" charset="0"/>
+              <a:buChar char="•"/>
+              <a:defRPr sz="2400" kern="1200">
+                <a:solidFill>
+                  <a:schemeClr val="tx1"/>
+                </a:solidFill>
+                <a:latin typeface="+mn-lt"/>
+                <a:ea typeface="+mn-ea"/>
+                <a:cs typeface="+mn-cs"/>
+              </a:defRPr>
+            </a:lvl2pPr>
+            <a:lvl3pPr marL="1143000" indent="-228600" algn="l" defTabSz="914400" rtl="0" eaLnBrk="1" latinLnBrk="0" hangingPunct="1">
+              <a:lnSpc>
+                <a:spcPct val="90000"/>
+              </a:lnSpc>
+              <a:spcBef>
+                <a:spcPts val="500"/>
+              </a:spcBef>
+              <a:buFont typeface="Arial" panose="020B0604020202020204" pitchFamily="34" charset="0"/>
+              <a:buChar char="•"/>
+              <a:defRPr sz="2000" kern="1200">
+                <a:solidFill>
+                  <a:schemeClr val="tx1"/>
+                </a:solidFill>
+                <a:latin typeface="+mn-lt"/>
+                <a:ea typeface="+mn-ea"/>
+                <a:cs typeface="+mn-cs"/>
+              </a:defRPr>
+            </a:lvl3pPr>
+            <a:lvl4pPr marL="1600200" indent="-228600" algn="l" defTabSz="914400" rtl="0" eaLnBrk="1" latinLnBrk="0" hangingPunct="1">
+              <a:lnSpc>
+                <a:spcPct val="90000"/>
+              </a:lnSpc>
+              <a:spcBef>
+                <a:spcPts val="500"/>
+              </a:spcBef>
+              <a:buFont typeface="Arial" panose="020B0604020202020204" pitchFamily="34" charset="0"/>
+              <a:buChar char="•"/>
+              <a:defRPr sz="1800" kern="1200">
+                <a:solidFill>
+                  <a:schemeClr val="tx1"/>
+                </a:solidFill>
+                <a:latin typeface="+mn-lt"/>
+                <a:ea typeface="+mn-ea"/>
+                <a:cs typeface="+mn-cs"/>
+              </a:defRPr>
+            </a:lvl4pPr>
+            <a:lvl5pPr marL="2057400" indent="-228600" algn="l" defTabSz="914400" rtl="0" eaLnBrk="1" latinLnBrk="0" hangingPunct="1">
+              <a:lnSpc>
+                <a:spcPct val="90000"/>
+              </a:lnSpc>
+              <a:spcBef>
+                <a:spcPts val="500"/>
+              </a:spcBef>
+              <a:buFont typeface="Arial" panose="020B0604020202020204" pitchFamily="34" charset="0"/>
+              <a:buChar char="•"/>
+              <a:defRPr sz="1800" kern="1200">
+                <a:solidFill>
+                  <a:schemeClr val="tx1"/>
+                </a:solidFill>
+                <a:latin typeface="+mn-lt"/>
+                <a:ea typeface="+mn-ea"/>
+                <a:cs typeface="+mn-cs"/>
+              </a:defRPr>
+            </a:lvl5pPr>
+            <a:lvl6pPr marL="2514600" indent="-228600" algn="l" defTabSz="914400" rtl="0" eaLnBrk="1" latinLnBrk="0" hangingPunct="1">
+              <a:lnSpc>
+                <a:spcPct val="90000"/>
+              </a:lnSpc>
+              <a:spcBef>
+                <a:spcPts val="500"/>
+              </a:spcBef>
+              <a:buFont typeface="Arial" panose="020B0604020202020204" pitchFamily="34" charset="0"/>
+              <a:buChar char="•"/>
+              <a:defRPr sz="1800" kern="1200">
+                <a:solidFill>
+                  <a:schemeClr val="tx1"/>
+                </a:solidFill>
+                <a:latin typeface="+mn-lt"/>
+                <a:ea typeface="+mn-ea"/>
+                <a:cs typeface="+mn-cs"/>
+              </a:defRPr>
+            </a:lvl6pPr>
+            <a:lvl7pPr marL="2971800" indent="-228600" algn="l" defTabSz="914400" rtl="0" eaLnBrk="1" latinLnBrk="0" hangingPunct="1">
+              <a:lnSpc>
+                <a:spcPct val="90000"/>
+              </a:lnSpc>
+              <a:spcBef>
+                <a:spcPts val="500"/>
+              </a:spcBef>
+              <a:buFont typeface="Arial" panose="020B0604020202020204" pitchFamily="34" charset="0"/>
+              <a:buChar char="•"/>
+              <a:defRPr sz="1800" kern="1200">
+                <a:solidFill>
+                  <a:schemeClr val="tx1"/>
+                </a:solidFill>
+                <a:latin typeface="+mn-lt"/>
+                <a:ea typeface="+mn-ea"/>
+                <a:cs typeface="+mn-cs"/>
+              </a:defRPr>
+            </a:lvl7pPr>
+            <a:lvl8pPr marL="3429000" indent="-228600" algn="l" defTabSz="914400" rtl="0" eaLnBrk="1" latinLnBrk="0" hangingPunct="1">
+              <a:lnSpc>
+                <a:spcPct val="90000"/>
+              </a:lnSpc>
+              <a:spcBef>
+                <a:spcPts val="500"/>
+              </a:spcBef>
+              <a:buFont typeface="Arial" panose="020B0604020202020204" pitchFamily="34" charset="0"/>
+              <a:buChar char="•"/>
+              <a:defRPr sz="1800" kern="1200">
+                <a:solidFill>
+                  <a:schemeClr val="tx1"/>
+                </a:solidFill>
+                <a:latin typeface="+mn-lt"/>
+                <a:ea typeface="+mn-ea"/>
+                <a:cs typeface="+mn-cs"/>
+              </a:defRPr>
+            </a:lvl8pPr>
+            <a:lvl9pPr marL="3886200" indent="-228600" algn="l" defTabSz="914400" rtl="0" eaLnBrk="1" latinLnBrk="0" hangingPunct="1">
+              <a:lnSpc>
+                <a:spcPct val="90000"/>
+              </a:lnSpc>
+              <a:spcBef>
+                <a:spcPts val="500"/>
+              </a:spcBef>
+              <a:buFont typeface="Arial" panose="020B0604020202020204" pitchFamily="34" charset="0"/>
+              <a:buChar char="•"/>
+              <a:defRPr sz="1800" kern="1200">
+                <a:solidFill>
+                  <a:schemeClr val="tx1"/>
+                </a:solidFill>
+                <a:latin typeface="+mn-lt"/>
+                <a:ea typeface="+mn-ea"/>
+                <a:cs typeface="+mn-cs"/>
+              </a:defRPr>
+            </a:lvl9pPr>
+          </a:lstStyle>
+          <a:p>
+            <a:r>
+              <a:rPr lang="nl-NL" dirty="0"/>
+              <a:t>This data is collected using the in-house Bruker X-ray diffractometer. The format could either .xrdml or .raw. The size is around 20 KB.</a:t>
+            </a:r>
+          </a:p>
+          <a:p>
+            <a:r>
+              <a:rPr lang="nl-NL" dirty="0"/>
+              <a:t>YYMMDD_{sample_name}.xrdml</a:t>
+            </a:r>
+          </a:p>
+          <a:p>
+            <a:endParaRPr lang="nl-NL" dirty="0"/>
+          </a:p>
+        </p:txBody>
+      </p:sp>
+      <p:sp>
+        <p:nvSpPr>
+          <p:cNvPr id="13" name="Tijdelijke aanduiding voor tekst 24">
+            <a:extLst>
+              <a:ext uri="{FF2B5EF4-FFF2-40B4-BE49-F238E27FC236}">
+                <a16:creationId xmlns:a16="http://schemas.microsoft.com/office/drawing/2014/main" id="{0ACD171A-42D2-AD58-56CC-1397FB046D64}"/>
               </a:ext>
             </a:extLst>
           </p:cNvPr>
@@ -23789,7 +24176,7 @@
         </p:spPr>
         <p:txBody>
           <a:bodyPr vert="horz" lIns="91440" tIns="45720" rIns="91440" bIns="45720" rtlCol="0" anchor="ctr">
-            <a:normAutofit fontScale="85000" lnSpcReduction="20000"/>
+            <a:normAutofit fontScale="70000" lnSpcReduction="20000"/>
           </a:bodyPr>
           <a:lstStyle>
             <a:lvl1pPr marL="0" indent="0" algn="ctr" defTabSz="914400" rtl="0" eaLnBrk="1" latinLnBrk="0" hangingPunct="1">
@@ -23959,6 +24346,223 @@
             <a:r>
               <a:rPr lang="nl-NL" dirty="0"/>
               <a:t>This data is generated by the MT-Lab Software. The formats possible are .fra, .Z, and .dat. The size depends on how the data is collected.</a:t>
+            </a:r>
+          </a:p>
+          <a:p>
+            <a:r>
+              <a:rPr lang="nl-NL" dirty="0"/>
+              <a:t>YYMMDD_{sample_name}_{impedance_experimental_condition}.z</a:t>
+            </a:r>
+          </a:p>
+        </p:txBody>
+      </p:sp>
+      <p:sp>
+        <p:nvSpPr>
+          <p:cNvPr id="14" name="Tijdelijke aanduiding voor tekst 23">
+            <a:extLst>
+              <a:ext uri="{FF2B5EF4-FFF2-40B4-BE49-F238E27FC236}">
+                <a16:creationId xmlns:a16="http://schemas.microsoft.com/office/drawing/2014/main" id="{06B383B5-AC9C-97E9-78A7-837A369A0B55}"/>
+              </a:ext>
+            </a:extLst>
+          </p:cNvPr>
+          <p:cNvSpPr txBox="1">
+            <a:spLocks/>
+          </p:cNvSpPr>
+          <p:nvPr/>
+        </p:nvSpPr>
+        <p:spPr>
+          <a:xfrm>
+            <a:off x="4180187" y="1496371"/>
+            <a:ext cx="2208931" cy="1059093"/>
+          </a:xfrm>
+          <a:prstGeom prst="rect">
+            <a:avLst/>
+          </a:prstGeom>
+          <a:solidFill>
+            <a:schemeClr val="accent3">
+              <a:lumMod val="40000"/>
+              <a:lumOff val="60000"/>
+            </a:schemeClr>
+          </a:solidFill>
+        </p:spPr>
+        <p:txBody>
+          <a:bodyPr vert="horz" lIns="91440" tIns="45720" rIns="91440" bIns="45720" rtlCol="0" anchor="ctr">
+            <a:normAutofit fontScale="77500" lnSpcReduction="20000"/>
+          </a:bodyPr>
+          <a:lstStyle>
+            <a:lvl1pPr marL="0" indent="0" algn="ctr" defTabSz="914400" rtl="0" eaLnBrk="1" latinLnBrk="0" hangingPunct="1">
+              <a:lnSpc>
+                <a:spcPct val="90000"/>
+              </a:lnSpc>
+              <a:spcBef>
+                <a:spcPts val="1000"/>
+              </a:spcBef>
+              <a:buFont typeface="Arial" panose="020B0604020202020204" pitchFamily="34" charset="0"/>
+              <a:buNone/>
+              <a:defRPr sz="1600" b="0" i="1" u="none" kern="1200">
+                <a:solidFill>
+                  <a:schemeClr val="tx1"/>
+                </a:solidFill>
+                <a:latin typeface="+mn-lt"/>
+                <a:ea typeface="+mn-ea"/>
+                <a:cs typeface="+mn-cs"/>
+              </a:defRPr>
+            </a:lvl1pPr>
+            <a:lvl2pPr marL="685800" indent="-228600" algn="l" defTabSz="914400" rtl="0" eaLnBrk="1" latinLnBrk="0" hangingPunct="1">
+              <a:lnSpc>
+                <a:spcPct val="90000"/>
+              </a:lnSpc>
+              <a:spcBef>
+                <a:spcPts val="500"/>
+              </a:spcBef>
+              <a:buFont typeface="Arial" panose="020B0604020202020204" pitchFamily="34" charset="0"/>
+              <a:buChar char="•"/>
+              <a:defRPr sz="2400" kern="1200">
+                <a:solidFill>
+                  <a:schemeClr val="tx1"/>
+                </a:solidFill>
+                <a:latin typeface="+mn-lt"/>
+                <a:ea typeface="+mn-ea"/>
+                <a:cs typeface="+mn-cs"/>
+              </a:defRPr>
+            </a:lvl2pPr>
+            <a:lvl3pPr marL="1143000" indent="-228600" algn="l" defTabSz="914400" rtl="0" eaLnBrk="1" latinLnBrk="0" hangingPunct="1">
+              <a:lnSpc>
+                <a:spcPct val="90000"/>
+              </a:lnSpc>
+              <a:spcBef>
+                <a:spcPts val="500"/>
+              </a:spcBef>
+              <a:buFont typeface="Arial" panose="020B0604020202020204" pitchFamily="34" charset="0"/>
+              <a:buChar char="•"/>
+              <a:defRPr sz="2000" kern="1200">
+                <a:solidFill>
+                  <a:schemeClr val="tx1"/>
+                </a:solidFill>
+                <a:latin typeface="+mn-lt"/>
+                <a:ea typeface="+mn-ea"/>
+                <a:cs typeface="+mn-cs"/>
+              </a:defRPr>
+            </a:lvl3pPr>
+            <a:lvl4pPr marL="1600200" indent="-228600" algn="l" defTabSz="914400" rtl="0" eaLnBrk="1" latinLnBrk="0" hangingPunct="1">
+              <a:lnSpc>
+                <a:spcPct val="90000"/>
+              </a:lnSpc>
+              <a:spcBef>
+                <a:spcPts val="500"/>
+              </a:spcBef>
+              <a:buFont typeface="Arial" panose="020B0604020202020204" pitchFamily="34" charset="0"/>
+              <a:buChar char="•"/>
+              <a:defRPr sz="1800" kern="1200">
+                <a:solidFill>
+                  <a:schemeClr val="tx1"/>
+                </a:solidFill>
+                <a:latin typeface="+mn-lt"/>
+                <a:ea typeface="+mn-ea"/>
+                <a:cs typeface="+mn-cs"/>
+              </a:defRPr>
+            </a:lvl4pPr>
+            <a:lvl5pPr marL="2057400" indent="-228600" algn="l" defTabSz="914400" rtl="0" eaLnBrk="1" latinLnBrk="0" hangingPunct="1">
+              <a:lnSpc>
+                <a:spcPct val="90000"/>
+              </a:lnSpc>
+              <a:spcBef>
+                <a:spcPts val="500"/>
+              </a:spcBef>
+              <a:buFont typeface="Arial" panose="020B0604020202020204" pitchFamily="34" charset="0"/>
+              <a:buChar char="•"/>
+              <a:defRPr sz="1800" kern="1200">
+                <a:solidFill>
+                  <a:schemeClr val="tx1"/>
+                </a:solidFill>
+                <a:latin typeface="+mn-lt"/>
+                <a:ea typeface="+mn-ea"/>
+                <a:cs typeface="+mn-cs"/>
+              </a:defRPr>
+            </a:lvl5pPr>
+            <a:lvl6pPr marL="2514600" indent="-228600" algn="l" defTabSz="914400" rtl="0" eaLnBrk="1" latinLnBrk="0" hangingPunct="1">
+              <a:lnSpc>
+                <a:spcPct val="90000"/>
+              </a:lnSpc>
+              <a:spcBef>
+                <a:spcPts val="500"/>
+              </a:spcBef>
+              <a:buFont typeface="Arial" panose="020B0604020202020204" pitchFamily="34" charset="0"/>
+              <a:buChar char="•"/>
+              <a:defRPr sz="1800" kern="1200">
+                <a:solidFill>
+                  <a:schemeClr val="tx1"/>
+                </a:solidFill>
+                <a:latin typeface="+mn-lt"/>
+                <a:ea typeface="+mn-ea"/>
+                <a:cs typeface="+mn-cs"/>
+              </a:defRPr>
+            </a:lvl6pPr>
+            <a:lvl7pPr marL="2971800" indent="-228600" algn="l" defTabSz="914400" rtl="0" eaLnBrk="1" latinLnBrk="0" hangingPunct="1">
+              <a:lnSpc>
+                <a:spcPct val="90000"/>
+              </a:lnSpc>
+              <a:spcBef>
+                <a:spcPts val="500"/>
+              </a:spcBef>
+              <a:buFont typeface="Arial" panose="020B0604020202020204" pitchFamily="34" charset="0"/>
+              <a:buChar char="•"/>
+              <a:defRPr sz="1800" kern="1200">
+                <a:solidFill>
+                  <a:schemeClr val="tx1"/>
+                </a:solidFill>
+                <a:latin typeface="+mn-lt"/>
+                <a:ea typeface="+mn-ea"/>
+                <a:cs typeface="+mn-cs"/>
+              </a:defRPr>
+            </a:lvl7pPr>
+            <a:lvl8pPr marL="3429000" indent="-228600" algn="l" defTabSz="914400" rtl="0" eaLnBrk="1" latinLnBrk="0" hangingPunct="1">
+              <a:lnSpc>
+                <a:spcPct val="90000"/>
+              </a:lnSpc>
+              <a:spcBef>
+                <a:spcPts val="500"/>
+              </a:spcBef>
+              <a:buFont typeface="Arial" panose="020B0604020202020204" pitchFamily="34" charset="0"/>
+              <a:buChar char="•"/>
+              <a:defRPr sz="1800" kern="1200">
+                <a:solidFill>
+                  <a:schemeClr val="tx1"/>
+                </a:solidFill>
+                <a:latin typeface="+mn-lt"/>
+                <a:ea typeface="+mn-ea"/>
+                <a:cs typeface="+mn-cs"/>
+              </a:defRPr>
+            </a:lvl8pPr>
+            <a:lvl9pPr marL="3886200" indent="-228600" algn="l" defTabSz="914400" rtl="0" eaLnBrk="1" latinLnBrk="0" hangingPunct="1">
+              <a:lnSpc>
+                <a:spcPct val="90000"/>
+              </a:lnSpc>
+              <a:spcBef>
+                <a:spcPts val="500"/>
+              </a:spcBef>
+              <a:buFont typeface="Arial" panose="020B0604020202020204" pitchFamily="34" charset="0"/>
+              <a:buChar char="•"/>
+              <a:defRPr sz="1800" kern="1200">
+                <a:solidFill>
+                  <a:schemeClr val="tx1"/>
+                </a:solidFill>
+                <a:latin typeface="+mn-lt"/>
+                <a:ea typeface="+mn-ea"/>
+                <a:cs typeface="+mn-cs"/>
+              </a:defRPr>
+            </a:lvl9pPr>
+          </a:lstStyle>
+          <a:p>
+            <a:r>
+              <a:rPr lang="nl-NL" dirty="0"/>
+              <a:t>This data is generated by Bruker TopSpin Software. It has the format ‘.fid’ and a size of 240 KB.</a:t>
+            </a:r>
+          </a:p>
+          <a:p>
+            <a:r>
+              <a:rPr lang="nl-NL" dirty="0"/>
+              <a:t>YYMMDD_{sample_name}_{nmr_experimental_condition}.fid</a:t>
             </a:r>
           </a:p>
         </p:txBody>
@@ -24147,418 +24751,6 @@
           <a:bodyPr/>
           <a:lstStyle/>
           <a:p>
-            <a:endParaRPr lang="en-NL" dirty="0"/>
-          </a:p>
-        </p:txBody>
-      </p:sp>
-      <p:sp>
-        <p:nvSpPr>
-          <p:cNvPr id="12" name="Text Placeholder 2">
-            <a:extLst>
-              <a:ext uri="{FF2B5EF4-FFF2-40B4-BE49-F238E27FC236}">
-                <a16:creationId xmlns:a16="http://schemas.microsoft.com/office/drawing/2014/main" id="{74480A8F-9624-9F86-F6E2-39B0A4C85FEC}"/>
-              </a:ext>
-            </a:extLst>
-          </p:cNvPr>
-          <p:cNvSpPr txBox="1">
-            <a:spLocks/>
-          </p:cNvSpPr>
-          <p:nvPr/>
-        </p:nvSpPr>
-        <p:spPr>
-          <a:xfrm>
-            <a:off x="4180186" y="3050363"/>
-            <a:ext cx="2208931" cy="1059093"/>
-          </a:xfrm>
-          <a:prstGeom prst="rect">
-            <a:avLst/>
-          </a:prstGeom>
-          <a:solidFill>
-            <a:schemeClr val="accent3">
-              <a:lumMod val="40000"/>
-              <a:lumOff val="60000"/>
-            </a:schemeClr>
-          </a:solidFill>
-        </p:spPr>
-        <p:txBody>
-          <a:bodyPr vert="horz" lIns="91440" tIns="45720" rIns="91440" bIns="45720" rtlCol="0" anchor="ctr">
-            <a:normAutofit fontScale="85000" lnSpcReduction="20000"/>
-          </a:bodyPr>
-          <a:lstStyle>
-            <a:lvl1pPr marL="0" indent="0" algn="ctr" defTabSz="914400" rtl="0" eaLnBrk="1" latinLnBrk="0" hangingPunct="1">
-              <a:lnSpc>
-                <a:spcPct val="90000"/>
-              </a:lnSpc>
-              <a:spcBef>
-                <a:spcPts val="1000"/>
-              </a:spcBef>
-              <a:buFont typeface="Arial" panose="020B0604020202020204" pitchFamily="34" charset="0"/>
-              <a:buNone/>
-              <a:defRPr sz="1600" b="0" i="1" u="none" kern="1200">
-                <a:solidFill>
-                  <a:schemeClr val="tx1"/>
-                </a:solidFill>
-                <a:latin typeface="+mn-lt"/>
-                <a:ea typeface="+mn-ea"/>
-                <a:cs typeface="+mn-cs"/>
-              </a:defRPr>
-            </a:lvl1pPr>
-            <a:lvl2pPr marL="685800" indent="-228600" algn="l" defTabSz="914400" rtl="0" eaLnBrk="1" latinLnBrk="0" hangingPunct="1">
-              <a:lnSpc>
-                <a:spcPct val="90000"/>
-              </a:lnSpc>
-              <a:spcBef>
-                <a:spcPts val="500"/>
-              </a:spcBef>
-              <a:buFont typeface="Arial" panose="020B0604020202020204" pitchFamily="34" charset="0"/>
-              <a:buChar char="•"/>
-              <a:defRPr sz="2400" kern="1200">
-                <a:solidFill>
-                  <a:schemeClr val="tx1"/>
-                </a:solidFill>
-                <a:latin typeface="+mn-lt"/>
-                <a:ea typeface="+mn-ea"/>
-                <a:cs typeface="+mn-cs"/>
-              </a:defRPr>
-            </a:lvl2pPr>
-            <a:lvl3pPr marL="1143000" indent="-228600" algn="l" defTabSz="914400" rtl="0" eaLnBrk="1" latinLnBrk="0" hangingPunct="1">
-              <a:lnSpc>
-                <a:spcPct val="90000"/>
-              </a:lnSpc>
-              <a:spcBef>
-                <a:spcPts val="500"/>
-              </a:spcBef>
-              <a:buFont typeface="Arial" panose="020B0604020202020204" pitchFamily="34" charset="0"/>
-              <a:buChar char="•"/>
-              <a:defRPr sz="2000" kern="1200">
-                <a:solidFill>
-                  <a:schemeClr val="tx1"/>
-                </a:solidFill>
-                <a:latin typeface="+mn-lt"/>
-                <a:ea typeface="+mn-ea"/>
-                <a:cs typeface="+mn-cs"/>
-              </a:defRPr>
-            </a:lvl3pPr>
-            <a:lvl4pPr marL="1600200" indent="-228600" algn="l" defTabSz="914400" rtl="0" eaLnBrk="1" latinLnBrk="0" hangingPunct="1">
-              <a:lnSpc>
-                <a:spcPct val="90000"/>
-              </a:lnSpc>
-              <a:spcBef>
-                <a:spcPts val="500"/>
-              </a:spcBef>
-              <a:buFont typeface="Arial" panose="020B0604020202020204" pitchFamily="34" charset="0"/>
-              <a:buChar char="•"/>
-              <a:defRPr sz="1800" kern="1200">
-                <a:solidFill>
-                  <a:schemeClr val="tx1"/>
-                </a:solidFill>
-                <a:latin typeface="+mn-lt"/>
-                <a:ea typeface="+mn-ea"/>
-                <a:cs typeface="+mn-cs"/>
-              </a:defRPr>
-            </a:lvl4pPr>
-            <a:lvl5pPr marL="2057400" indent="-228600" algn="l" defTabSz="914400" rtl="0" eaLnBrk="1" latinLnBrk="0" hangingPunct="1">
-              <a:lnSpc>
-                <a:spcPct val="90000"/>
-              </a:lnSpc>
-              <a:spcBef>
-                <a:spcPts val="500"/>
-              </a:spcBef>
-              <a:buFont typeface="Arial" panose="020B0604020202020204" pitchFamily="34" charset="0"/>
-              <a:buChar char="•"/>
-              <a:defRPr sz="1800" kern="1200">
-                <a:solidFill>
-                  <a:schemeClr val="tx1"/>
-                </a:solidFill>
-                <a:latin typeface="+mn-lt"/>
-                <a:ea typeface="+mn-ea"/>
-                <a:cs typeface="+mn-cs"/>
-              </a:defRPr>
-            </a:lvl5pPr>
-            <a:lvl6pPr marL="2514600" indent="-228600" algn="l" defTabSz="914400" rtl="0" eaLnBrk="1" latinLnBrk="0" hangingPunct="1">
-              <a:lnSpc>
-                <a:spcPct val="90000"/>
-              </a:lnSpc>
-              <a:spcBef>
-                <a:spcPts val="500"/>
-              </a:spcBef>
-              <a:buFont typeface="Arial" panose="020B0604020202020204" pitchFamily="34" charset="0"/>
-              <a:buChar char="•"/>
-              <a:defRPr sz="1800" kern="1200">
-                <a:solidFill>
-                  <a:schemeClr val="tx1"/>
-                </a:solidFill>
-                <a:latin typeface="+mn-lt"/>
-                <a:ea typeface="+mn-ea"/>
-                <a:cs typeface="+mn-cs"/>
-              </a:defRPr>
-            </a:lvl6pPr>
-            <a:lvl7pPr marL="2971800" indent="-228600" algn="l" defTabSz="914400" rtl="0" eaLnBrk="1" latinLnBrk="0" hangingPunct="1">
-              <a:lnSpc>
-                <a:spcPct val="90000"/>
-              </a:lnSpc>
-              <a:spcBef>
-                <a:spcPts val="500"/>
-              </a:spcBef>
-              <a:buFont typeface="Arial" panose="020B0604020202020204" pitchFamily="34" charset="0"/>
-              <a:buChar char="•"/>
-              <a:defRPr sz="1800" kern="1200">
-                <a:solidFill>
-                  <a:schemeClr val="tx1"/>
-                </a:solidFill>
-                <a:latin typeface="+mn-lt"/>
-                <a:ea typeface="+mn-ea"/>
-                <a:cs typeface="+mn-cs"/>
-              </a:defRPr>
-            </a:lvl7pPr>
-            <a:lvl8pPr marL="3429000" indent="-228600" algn="l" defTabSz="914400" rtl="0" eaLnBrk="1" latinLnBrk="0" hangingPunct="1">
-              <a:lnSpc>
-                <a:spcPct val="90000"/>
-              </a:lnSpc>
-              <a:spcBef>
-                <a:spcPts val="500"/>
-              </a:spcBef>
-              <a:buFont typeface="Arial" panose="020B0604020202020204" pitchFamily="34" charset="0"/>
-              <a:buChar char="•"/>
-              <a:defRPr sz="1800" kern="1200">
-                <a:solidFill>
-                  <a:schemeClr val="tx1"/>
-                </a:solidFill>
-                <a:latin typeface="+mn-lt"/>
-                <a:ea typeface="+mn-ea"/>
-                <a:cs typeface="+mn-cs"/>
-              </a:defRPr>
-            </a:lvl8pPr>
-            <a:lvl9pPr marL="3886200" indent="-228600" algn="l" defTabSz="914400" rtl="0" eaLnBrk="1" latinLnBrk="0" hangingPunct="1">
-              <a:lnSpc>
-                <a:spcPct val="90000"/>
-              </a:lnSpc>
-              <a:spcBef>
-                <a:spcPts val="500"/>
-              </a:spcBef>
-              <a:buFont typeface="Arial" panose="020B0604020202020204" pitchFamily="34" charset="0"/>
-              <a:buChar char="•"/>
-              <a:defRPr sz="1800" kern="1200">
-                <a:solidFill>
-                  <a:schemeClr val="tx1"/>
-                </a:solidFill>
-                <a:latin typeface="+mn-lt"/>
-                <a:ea typeface="+mn-ea"/>
-                <a:cs typeface="+mn-cs"/>
-              </a:defRPr>
-            </a:lvl9pPr>
-          </a:lstStyle>
-          <a:p>
-            <a:r>
-              <a:rPr lang="en-GB"/>
-              <a:t>These include posters and presentation slides. The size is dependent on the quality and quantity of each file. The format could be .jpeg, .pdf, etc.</a:t>
-            </a:r>
-            <a:endParaRPr lang="en-NL" dirty="0"/>
-          </a:p>
-        </p:txBody>
-      </p:sp>
-      <p:sp>
-        <p:nvSpPr>
-          <p:cNvPr id="13" name="Text Placeholder 3">
-            <a:extLst>
-              <a:ext uri="{FF2B5EF4-FFF2-40B4-BE49-F238E27FC236}">
-                <a16:creationId xmlns:a16="http://schemas.microsoft.com/office/drawing/2014/main" id="{635D628E-280B-D029-3D2F-FBEB89F34C76}"/>
-              </a:ext>
-            </a:extLst>
-          </p:cNvPr>
-          <p:cNvSpPr txBox="1">
-            <a:spLocks/>
-          </p:cNvSpPr>
-          <p:nvPr/>
-        </p:nvSpPr>
-        <p:spPr>
-          <a:xfrm>
-            <a:off x="4180187" y="1625471"/>
-            <a:ext cx="2208931" cy="1059093"/>
-          </a:xfrm>
-          <a:prstGeom prst="rect">
-            <a:avLst/>
-          </a:prstGeom>
-          <a:solidFill>
-            <a:schemeClr val="accent3">
-              <a:lumMod val="40000"/>
-              <a:lumOff val="60000"/>
-            </a:schemeClr>
-          </a:solidFill>
-        </p:spPr>
-        <p:txBody>
-          <a:bodyPr vert="horz" lIns="91440" tIns="45720" rIns="91440" bIns="45720" rtlCol="0" anchor="ctr">
-            <a:normAutofit fontScale="77500" lnSpcReduction="20000"/>
-          </a:bodyPr>
-          <a:lstStyle>
-            <a:lvl1pPr marL="0" indent="0" algn="ctr" defTabSz="914400" rtl="0" eaLnBrk="1" latinLnBrk="0" hangingPunct="1">
-              <a:lnSpc>
-                <a:spcPct val="90000"/>
-              </a:lnSpc>
-              <a:spcBef>
-                <a:spcPts val="1000"/>
-              </a:spcBef>
-              <a:buFont typeface="Arial" panose="020B0604020202020204" pitchFamily="34" charset="0"/>
-              <a:buNone/>
-              <a:defRPr sz="1600" b="0" i="1" u="none" kern="1200">
-                <a:solidFill>
-                  <a:schemeClr val="tx1"/>
-                </a:solidFill>
-                <a:latin typeface="+mn-lt"/>
-                <a:ea typeface="+mn-ea"/>
-                <a:cs typeface="+mn-cs"/>
-              </a:defRPr>
-            </a:lvl1pPr>
-            <a:lvl2pPr marL="685800" indent="-228600" algn="l" defTabSz="914400" rtl="0" eaLnBrk="1" latinLnBrk="0" hangingPunct="1">
-              <a:lnSpc>
-                <a:spcPct val="90000"/>
-              </a:lnSpc>
-              <a:spcBef>
-                <a:spcPts val="500"/>
-              </a:spcBef>
-              <a:buFont typeface="Arial" panose="020B0604020202020204" pitchFamily="34" charset="0"/>
-              <a:buChar char="•"/>
-              <a:defRPr sz="2400" kern="1200">
-                <a:solidFill>
-                  <a:schemeClr val="tx1"/>
-                </a:solidFill>
-                <a:latin typeface="+mn-lt"/>
-                <a:ea typeface="+mn-ea"/>
-                <a:cs typeface="+mn-cs"/>
-              </a:defRPr>
-            </a:lvl2pPr>
-            <a:lvl3pPr marL="1143000" indent="-228600" algn="l" defTabSz="914400" rtl="0" eaLnBrk="1" latinLnBrk="0" hangingPunct="1">
-              <a:lnSpc>
-                <a:spcPct val="90000"/>
-              </a:lnSpc>
-              <a:spcBef>
-                <a:spcPts val="500"/>
-              </a:spcBef>
-              <a:buFont typeface="Arial" panose="020B0604020202020204" pitchFamily="34" charset="0"/>
-              <a:buChar char="•"/>
-              <a:defRPr sz="2000" kern="1200">
-                <a:solidFill>
-                  <a:schemeClr val="tx1"/>
-                </a:solidFill>
-                <a:latin typeface="+mn-lt"/>
-                <a:ea typeface="+mn-ea"/>
-                <a:cs typeface="+mn-cs"/>
-              </a:defRPr>
-            </a:lvl3pPr>
-            <a:lvl4pPr marL="1600200" indent="-228600" algn="l" defTabSz="914400" rtl="0" eaLnBrk="1" latinLnBrk="0" hangingPunct="1">
-              <a:lnSpc>
-                <a:spcPct val="90000"/>
-              </a:lnSpc>
-              <a:spcBef>
-                <a:spcPts val="500"/>
-              </a:spcBef>
-              <a:buFont typeface="Arial" panose="020B0604020202020204" pitchFamily="34" charset="0"/>
-              <a:buChar char="•"/>
-              <a:defRPr sz="1800" kern="1200">
-                <a:solidFill>
-                  <a:schemeClr val="tx1"/>
-                </a:solidFill>
-                <a:latin typeface="+mn-lt"/>
-                <a:ea typeface="+mn-ea"/>
-                <a:cs typeface="+mn-cs"/>
-              </a:defRPr>
-            </a:lvl4pPr>
-            <a:lvl5pPr marL="2057400" indent="-228600" algn="l" defTabSz="914400" rtl="0" eaLnBrk="1" latinLnBrk="0" hangingPunct="1">
-              <a:lnSpc>
-                <a:spcPct val="90000"/>
-              </a:lnSpc>
-              <a:spcBef>
-                <a:spcPts val="500"/>
-              </a:spcBef>
-              <a:buFont typeface="Arial" panose="020B0604020202020204" pitchFamily="34" charset="0"/>
-              <a:buChar char="•"/>
-              <a:defRPr sz="1800" kern="1200">
-                <a:solidFill>
-                  <a:schemeClr val="tx1"/>
-                </a:solidFill>
-                <a:latin typeface="+mn-lt"/>
-                <a:ea typeface="+mn-ea"/>
-                <a:cs typeface="+mn-cs"/>
-              </a:defRPr>
-            </a:lvl5pPr>
-            <a:lvl6pPr marL="2514600" indent="-228600" algn="l" defTabSz="914400" rtl="0" eaLnBrk="1" latinLnBrk="0" hangingPunct="1">
-              <a:lnSpc>
-                <a:spcPct val="90000"/>
-              </a:lnSpc>
-              <a:spcBef>
-                <a:spcPts val="500"/>
-              </a:spcBef>
-              <a:buFont typeface="Arial" panose="020B0604020202020204" pitchFamily="34" charset="0"/>
-              <a:buChar char="•"/>
-              <a:defRPr sz="1800" kern="1200">
-                <a:solidFill>
-                  <a:schemeClr val="tx1"/>
-                </a:solidFill>
-                <a:latin typeface="+mn-lt"/>
-                <a:ea typeface="+mn-ea"/>
-                <a:cs typeface="+mn-cs"/>
-              </a:defRPr>
-            </a:lvl6pPr>
-            <a:lvl7pPr marL="2971800" indent="-228600" algn="l" defTabSz="914400" rtl="0" eaLnBrk="1" latinLnBrk="0" hangingPunct="1">
-              <a:lnSpc>
-                <a:spcPct val="90000"/>
-              </a:lnSpc>
-              <a:spcBef>
-                <a:spcPts val="500"/>
-              </a:spcBef>
-              <a:buFont typeface="Arial" panose="020B0604020202020204" pitchFamily="34" charset="0"/>
-              <a:buChar char="•"/>
-              <a:defRPr sz="1800" kern="1200">
-                <a:solidFill>
-                  <a:schemeClr val="tx1"/>
-                </a:solidFill>
-                <a:latin typeface="+mn-lt"/>
-                <a:ea typeface="+mn-ea"/>
-                <a:cs typeface="+mn-cs"/>
-              </a:defRPr>
-            </a:lvl7pPr>
-            <a:lvl8pPr marL="3429000" indent="-228600" algn="l" defTabSz="914400" rtl="0" eaLnBrk="1" latinLnBrk="0" hangingPunct="1">
-              <a:lnSpc>
-                <a:spcPct val="90000"/>
-              </a:lnSpc>
-              <a:spcBef>
-                <a:spcPts val="500"/>
-              </a:spcBef>
-              <a:buFont typeface="Arial" panose="020B0604020202020204" pitchFamily="34" charset="0"/>
-              <a:buChar char="•"/>
-              <a:defRPr sz="1800" kern="1200">
-                <a:solidFill>
-                  <a:schemeClr val="tx1"/>
-                </a:solidFill>
-                <a:latin typeface="+mn-lt"/>
-                <a:ea typeface="+mn-ea"/>
-                <a:cs typeface="+mn-cs"/>
-              </a:defRPr>
-            </a:lvl8pPr>
-            <a:lvl9pPr marL="3886200" indent="-228600" algn="l" defTabSz="914400" rtl="0" eaLnBrk="1" latinLnBrk="0" hangingPunct="1">
-              <a:lnSpc>
-                <a:spcPct val="90000"/>
-              </a:lnSpc>
-              <a:spcBef>
-                <a:spcPts val="500"/>
-              </a:spcBef>
-              <a:buFont typeface="Arial" panose="020B0604020202020204" pitchFamily="34" charset="0"/>
-              <a:buChar char="•"/>
-              <a:defRPr sz="1800" kern="1200">
-                <a:solidFill>
-                  <a:schemeClr val="tx1"/>
-                </a:solidFill>
-                <a:latin typeface="+mn-lt"/>
-                <a:ea typeface="+mn-ea"/>
-                <a:cs typeface="+mn-cs"/>
-              </a:defRPr>
-            </a:lvl9pPr>
-          </a:lstStyle>
-          <a:p>
-            <a:r>
-              <a:rPr lang="en-GB"/>
-              <a:t>These are created using VSCode. They have .ipynb format and the size is dependent on the length of each script. Theses scripts are written for data analysis and visualisation.</a:t>
-            </a:r>
             <a:endParaRPr lang="en-NL" dirty="0"/>
           </a:p>
         </p:txBody>
@@ -25099,6 +25291,458 @@
           </a:p>
         </p:txBody>
       </p:sp>
+      <p:sp>
+        <p:nvSpPr>
+          <p:cNvPr id="6" name="Text Placeholder 2">
+            <a:extLst>
+              <a:ext uri="{FF2B5EF4-FFF2-40B4-BE49-F238E27FC236}">
+                <a16:creationId xmlns:a16="http://schemas.microsoft.com/office/drawing/2014/main" id="{37398AAE-6173-A7CF-679B-1733B4CF1A94}"/>
+              </a:ext>
+            </a:extLst>
+          </p:cNvPr>
+          <p:cNvSpPr txBox="1">
+            <a:spLocks/>
+          </p:cNvSpPr>
+          <p:nvPr/>
+        </p:nvSpPr>
+        <p:spPr>
+          <a:xfrm>
+            <a:off x="4180186" y="3050363"/>
+            <a:ext cx="2208931" cy="1059093"/>
+          </a:xfrm>
+          <a:prstGeom prst="rect">
+            <a:avLst/>
+          </a:prstGeom>
+          <a:solidFill>
+            <a:schemeClr val="accent3">
+              <a:lumMod val="40000"/>
+              <a:lumOff val="60000"/>
+            </a:schemeClr>
+          </a:solidFill>
+        </p:spPr>
+        <p:txBody>
+          <a:bodyPr vert="horz" lIns="91440" tIns="45720" rIns="91440" bIns="45720" rtlCol="0" anchor="ctr">
+            <a:normAutofit fontScale="70000" lnSpcReduction="20000"/>
+          </a:bodyPr>
+          <a:lstStyle>
+            <a:lvl1pPr marL="0" indent="0" algn="ctr" defTabSz="914400" rtl="0" eaLnBrk="1" latinLnBrk="0" hangingPunct="1">
+              <a:lnSpc>
+                <a:spcPct val="90000"/>
+              </a:lnSpc>
+              <a:spcBef>
+                <a:spcPts val="1000"/>
+              </a:spcBef>
+              <a:buFont typeface="Arial" panose="020B0604020202020204" pitchFamily="34" charset="0"/>
+              <a:buNone/>
+              <a:defRPr sz="1600" b="0" i="1" u="none" kern="1200">
+                <a:solidFill>
+                  <a:schemeClr val="tx1"/>
+                </a:solidFill>
+                <a:latin typeface="+mn-lt"/>
+                <a:ea typeface="+mn-ea"/>
+                <a:cs typeface="+mn-cs"/>
+              </a:defRPr>
+            </a:lvl1pPr>
+            <a:lvl2pPr marL="685800" indent="-228600" algn="l" defTabSz="914400" rtl="0" eaLnBrk="1" latinLnBrk="0" hangingPunct="1">
+              <a:lnSpc>
+                <a:spcPct val="90000"/>
+              </a:lnSpc>
+              <a:spcBef>
+                <a:spcPts val="500"/>
+              </a:spcBef>
+              <a:buFont typeface="Arial" panose="020B0604020202020204" pitchFamily="34" charset="0"/>
+              <a:buChar char="•"/>
+              <a:defRPr sz="2400" kern="1200">
+                <a:solidFill>
+                  <a:schemeClr val="tx1"/>
+                </a:solidFill>
+                <a:latin typeface="+mn-lt"/>
+                <a:ea typeface="+mn-ea"/>
+                <a:cs typeface="+mn-cs"/>
+              </a:defRPr>
+            </a:lvl2pPr>
+            <a:lvl3pPr marL="1143000" indent="-228600" algn="l" defTabSz="914400" rtl="0" eaLnBrk="1" latinLnBrk="0" hangingPunct="1">
+              <a:lnSpc>
+                <a:spcPct val="90000"/>
+              </a:lnSpc>
+              <a:spcBef>
+                <a:spcPts val="500"/>
+              </a:spcBef>
+              <a:buFont typeface="Arial" panose="020B0604020202020204" pitchFamily="34" charset="0"/>
+              <a:buChar char="•"/>
+              <a:defRPr sz="2000" kern="1200">
+                <a:solidFill>
+                  <a:schemeClr val="tx1"/>
+                </a:solidFill>
+                <a:latin typeface="+mn-lt"/>
+                <a:ea typeface="+mn-ea"/>
+                <a:cs typeface="+mn-cs"/>
+              </a:defRPr>
+            </a:lvl3pPr>
+            <a:lvl4pPr marL="1600200" indent="-228600" algn="l" defTabSz="914400" rtl="0" eaLnBrk="1" latinLnBrk="0" hangingPunct="1">
+              <a:lnSpc>
+                <a:spcPct val="90000"/>
+              </a:lnSpc>
+              <a:spcBef>
+                <a:spcPts val="500"/>
+              </a:spcBef>
+              <a:buFont typeface="Arial" panose="020B0604020202020204" pitchFamily="34" charset="0"/>
+              <a:buChar char="•"/>
+              <a:defRPr sz="1800" kern="1200">
+                <a:solidFill>
+                  <a:schemeClr val="tx1"/>
+                </a:solidFill>
+                <a:latin typeface="+mn-lt"/>
+                <a:ea typeface="+mn-ea"/>
+                <a:cs typeface="+mn-cs"/>
+              </a:defRPr>
+            </a:lvl4pPr>
+            <a:lvl5pPr marL="2057400" indent="-228600" algn="l" defTabSz="914400" rtl="0" eaLnBrk="1" latinLnBrk="0" hangingPunct="1">
+              <a:lnSpc>
+                <a:spcPct val="90000"/>
+              </a:lnSpc>
+              <a:spcBef>
+                <a:spcPts val="500"/>
+              </a:spcBef>
+              <a:buFont typeface="Arial" panose="020B0604020202020204" pitchFamily="34" charset="0"/>
+              <a:buChar char="•"/>
+              <a:defRPr sz="1800" kern="1200">
+                <a:solidFill>
+                  <a:schemeClr val="tx1"/>
+                </a:solidFill>
+                <a:latin typeface="+mn-lt"/>
+                <a:ea typeface="+mn-ea"/>
+                <a:cs typeface="+mn-cs"/>
+              </a:defRPr>
+            </a:lvl5pPr>
+            <a:lvl6pPr marL="2514600" indent="-228600" algn="l" defTabSz="914400" rtl="0" eaLnBrk="1" latinLnBrk="0" hangingPunct="1">
+              <a:lnSpc>
+                <a:spcPct val="90000"/>
+              </a:lnSpc>
+              <a:spcBef>
+                <a:spcPts val="500"/>
+              </a:spcBef>
+              <a:buFont typeface="Arial" panose="020B0604020202020204" pitchFamily="34" charset="0"/>
+              <a:buChar char="•"/>
+              <a:defRPr sz="1800" kern="1200">
+                <a:solidFill>
+                  <a:schemeClr val="tx1"/>
+                </a:solidFill>
+                <a:latin typeface="+mn-lt"/>
+                <a:ea typeface="+mn-ea"/>
+                <a:cs typeface="+mn-cs"/>
+              </a:defRPr>
+            </a:lvl6pPr>
+            <a:lvl7pPr marL="2971800" indent="-228600" algn="l" defTabSz="914400" rtl="0" eaLnBrk="1" latinLnBrk="0" hangingPunct="1">
+              <a:lnSpc>
+                <a:spcPct val="90000"/>
+              </a:lnSpc>
+              <a:spcBef>
+                <a:spcPts val="500"/>
+              </a:spcBef>
+              <a:buFont typeface="Arial" panose="020B0604020202020204" pitchFamily="34" charset="0"/>
+              <a:buChar char="•"/>
+              <a:defRPr sz="1800" kern="1200">
+                <a:solidFill>
+                  <a:schemeClr val="tx1"/>
+                </a:solidFill>
+                <a:latin typeface="+mn-lt"/>
+                <a:ea typeface="+mn-ea"/>
+                <a:cs typeface="+mn-cs"/>
+              </a:defRPr>
+            </a:lvl7pPr>
+            <a:lvl8pPr marL="3429000" indent="-228600" algn="l" defTabSz="914400" rtl="0" eaLnBrk="1" latinLnBrk="0" hangingPunct="1">
+              <a:lnSpc>
+                <a:spcPct val="90000"/>
+              </a:lnSpc>
+              <a:spcBef>
+                <a:spcPts val="500"/>
+              </a:spcBef>
+              <a:buFont typeface="Arial" panose="020B0604020202020204" pitchFamily="34" charset="0"/>
+              <a:buChar char="•"/>
+              <a:defRPr sz="1800" kern="1200">
+                <a:solidFill>
+                  <a:schemeClr val="tx1"/>
+                </a:solidFill>
+                <a:latin typeface="+mn-lt"/>
+                <a:ea typeface="+mn-ea"/>
+                <a:cs typeface="+mn-cs"/>
+              </a:defRPr>
+            </a:lvl8pPr>
+            <a:lvl9pPr marL="3886200" indent="-228600" algn="l" defTabSz="914400" rtl="0" eaLnBrk="1" latinLnBrk="0" hangingPunct="1">
+              <a:lnSpc>
+                <a:spcPct val="90000"/>
+              </a:lnSpc>
+              <a:spcBef>
+                <a:spcPts val="500"/>
+              </a:spcBef>
+              <a:buFont typeface="Arial" panose="020B0604020202020204" pitchFamily="34" charset="0"/>
+              <a:buChar char="•"/>
+              <a:defRPr sz="1800" kern="1200">
+                <a:solidFill>
+                  <a:schemeClr val="tx1"/>
+                </a:solidFill>
+                <a:latin typeface="+mn-lt"/>
+                <a:ea typeface="+mn-ea"/>
+                <a:cs typeface="+mn-cs"/>
+              </a:defRPr>
+            </a:lvl9pPr>
+          </a:lstStyle>
+          <a:p>
+            <a:r>
+              <a:rPr lang="en-GB" dirty="0"/>
+              <a:t>These include posters and presentation slides. The size is dependent on the quality and quantity of each file. The format could be .jpeg, .pdf, etc.</a:t>
+            </a:r>
+          </a:p>
+          <a:p>
+            <a:r>
+              <a:rPr lang="en-GB" dirty="0"/>
+              <a:t>YYMMDD_{presentation_name}.pdf</a:t>
+            </a:r>
+            <a:endParaRPr lang="en-NL" dirty="0"/>
+          </a:p>
+        </p:txBody>
+      </p:sp>
+      <p:sp>
+        <p:nvSpPr>
+          <p:cNvPr id="7" name="Text Placeholder 3">
+            <a:extLst>
+              <a:ext uri="{FF2B5EF4-FFF2-40B4-BE49-F238E27FC236}">
+                <a16:creationId xmlns:a16="http://schemas.microsoft.com/office/drawing/2014/main" id="{5806C4C9-DF71-9C98-62CE-9ADA12F98B64}"/>
+              </a:ext>
+            </a:extLst>
+          </p:cNvPr>
+          <p:cNvSpPr txBox="1">
+            <a:spLocks/>
+          </p:cNvSpPr>
+          <p:nvPr/>
+        </p:nvSpPr>
+        <p:spPr>
+          <a:xfrm>
+            <a:off x="4180187" y="1625471"/>
+            <a:ext cx="2208931" cy="1059093"/>
+          </a:xfrm>
+          <a:prstGeom prst="rect">
+            <a:avLst/>
+          </a:prstGeom>
+          <a:solidFill>
+            <a:schemeClr val="accent3">
+              <a:lumMod val="40000"/>
+              <a:lumOff val="60000"/>
+            </a:schemeClr>
+          </a:solidFill>
+        </p:spPr>
+        <p:txBody>
+          <a:bodyPr vert="horz" lIns="91440" tIns="45720" rIns="91440" bIns="45720" rtlCol="0" anchor="ctr">
+            <a:normAutofit fontScale="70000" lnSpcReduction="20000"/>
+          </a:bodyPr>
+          <a:lstStyle>
+            <a:lvl1pPr marL="0" indent="0" algn="ctr" defTabSz="914400" rtl="0" eaLnBrk="1" latinLnBrk="0" hangingPunct="1">
+              <a:lnSpc>
+                <a:spcPct val="90000"/>
+              </a:lnSpc>
+              <a:spcBef>
+                <a:spcPts val="1000"/>
+              </a:spcBef>
+              <a:buFont typeface="Arial" panose="020B0604020202020204" pitchFamily="34" charset="0"/>
+              <a:buNone/>
+              <a:defRPr sz="1600" b="0" i="1" u="none" kern="1200">
+                <a:solidFill>
+                  <a:schemeClr val="tx1"/>
+                </a:solidFill>
+                <a:latin typeface="+mn-lt"/>
+                <a:ea typeface="+mn-ea"/>
+                <a:cs typeface="+mn-cs"/>
+              </a:defRPr>
+            </a:lvl1pPr>
+            <a:lvl2pPr marL="685800" indent="-228600" algn="l" defTabSz="914400" rtl="0" eaLnBrk="1" latinLnBrk="0" hangingPunct="1">
+              <a:lnSpc>
+                <a:spcPct val="90000"/>
+              </a:lnSpc>
+              <a:spcBef>
+                <a:spcPts val="500"/>
+              </a:spcBef>
+              <a:buFont typeface="Arial" panose="020B0604020202020204" pitchFamily="34" charset="0"/>
+              <a:buChar char="•"/>
+              <a:defRPr sz="2400" kern="1200">
+                <a:solidFill>
+                  <a:schemeClr val="tx1"/>
+                </a:solidFill>
+                <a:latin typeface="+mn-lt"/>
+                <a:ea typeface="+mn-ea"/>
+                <a:cs typeface="+mn-cs"/>
+              </a:defRPr>
+            </a:lvl2pPr>
+            <a:lvl3pPr marL="1143000" indent="-228600" algn="l" defTabSz="914400" rtl="0" eaLnBrk="1" latinLnBrk="0" hangingPunct="1">
+              <a:lnSpc>
+                <a:spcPct val="90000"/>
+              </a:lnSpc>
+              <a:spcBef>
+                <a:spcPts val="500"/>
+              </a:spcBef>
+              <a:buFont typeface="Arial" panose="020B0604020202020204" pitchFamily="34" charset="0"/>
+              <a:buChar char="•"/>
+              <a:defRPr sz="2000" kern="1200">
+                <a:solidFill>
+                  <a:schemeClr val="tx1"/>
+                </a:solidFill>
+                <a:latin typeface="+mn-lt"/>
+                <a:ea typeface="+mn-ea"/>
+                <a:cs typeface="+mn-cs"/>
+              </a:defRPr>
+            </a:lvl3pPr>
+            <a:lvl4pPr marL="1600200" indent="-228600" algn="l" defTabSz="914400" rtl="0" eaLnBrk="1" latinLnBrk="0" hangingPunct="1">
+              <a:lnSpc>
+                <a:spcPct val="90000"/>
+              </a:lnSpc>
+              <a:spcBef>
+                <a:spcPts val="500"/>
+              </a:spcBef>
+              <a:buFont typeface="Arial" panose="020B0604020202020204" pitchFamily="34" charset="0"/>
+              <a:buChar char="•"/>
+              <a:defRPr sz="1800" kern="1200">
+                <a:solidFill>
+                  <a:schemeClr val="tx1"/>
+                </a:solidFill>
+                <a:latin typeface="+mn-lt"/>
+                <a:ea typeface="+mn-ea"/>
+                <a:cs typeface="+mn-cs"/>
+              </a:defRPr>
+            </a:lvl4pPr>
+            <a:lvl5pPr marL="2057400" indent="-228600" algn="l" defTabSz="914400" rtl="0" eaLnBrk="1" latinLnBrk="0" hangingPunct="1">
+              <a:lnSpc>
+                <a:spcPct val="90000"/>
+              </a:lnSpc>
+              <a:spcBef>
+                <a:spcPts val="500"/>
+              </a:spcBef>
+              <a:buFont typeface="Arial" panose="020B0604020202020204" pitchFamily="34" charset="0"/>
+              <a:buChar char="•"/>
+              <a:defRPr sz="1800" kern="1200">
+                <a:solidFill>
+                  <a:schemeClr val="tx1"/>
+                </a:solidFill>
+                <a:latin typeface="+mn-lt"/>
+                <a:ea typeface="+mn-ea"/>
+                <a:cs typeface="+mn-cs"/>
+              </a:defRPr>
+            </a:lvl5pPr>
+            <a:lvl6pPr marL="2514600" indent="-228600" algn="l" defTabSz="914400" rtl="0" eaLnBrk="1" latinLnBrk="0" hangingPunct="1">
+              <a:lnSpc>
+                <a:spcPct val="90000"/>
+              </a:lnSpc>
+              <a:spcBef>
+                <a:spcPts val="500"/>
+              </a:spcBef>
+              <a:buFont typeface="Arial" panose="020B0604020202020204" pitchFamily="34" charset="0"/>
+              <a:buChar char="•"/>
+              <a:defRPr sz="1800" kern="1200">
+                <a:solidFill>
+                  <a:schemeClr val="tx1"/>
+                </a:solidFill>
+                <a:latin typeface="+mn-lt"/>
+                <a:ea typeface="+mn-ea"/>
+                <a:cs typeface="+mn-cs"/>
+              </a:defRPr>
+            </a:lvl6pPr>
+            <a:lvl7pPr marL="2971800" indent="-228600" algn="l" defTabSz="914400" rtl="0" eaLnBrk="1" latinLnBrk="0" hangingPunct="1">
+              <a:lnSpc>
+                <a:spcPct val="90000"/>
+              </a:lnSpc>
+              <a:spcBef>
+                <a:spcPts val="500"/>
+              </a:spcBef>
+              <a:buFont typeface="Arial" panose="020B0604020202020204" pitchFamily="34" charset="0"/>
+              <a:buChar char="•"/>
+              <a:defRPr sz="1800" kern="1200">
+                <a:solidFill>
+                  <a:schemeClr val="tx1"/>
+                </a:solidFill>
+                <a:latin typeface="+mn-lt"/>
+                <a:ea typeface="+mn-ea"/>
+                <a:cs typeface="+mn-cs"/>
+              </a:defRPr>
+            </a:lvl7pPr>
+            <a:lvl8pPr marL="3429000" indent="-228600" algn="l" defTabSz="914400" rtl="0" eaLnBrk="1" latinLnBrk="0" hangingPunct="1">
+              <a:lnSpc>
+                <a:spcPct val="90000"/>
+              </a:lnSpc>
+              <a:spcBef>
+                <a:spcPts val="500"/>
+              </a:spcBef>
+              <a:buFont typeface="Arial" panose="020B0604020202020204" pitchFamily="34" charset="0"/>
+              <a:buChar char="•"/>
+              <a:defRPr sz="1800" kern="1200">
+                <a:solidFill>
+                  <a:schemeClr val="tx1"/>
+                </a:solidFill>
+                <a:latin typeface="+mn-lt"/>
+                <a:ea typeface="+mn-ea"/>
+                <a:cs typeface="+mn-cs"/>
+              </a:defRPr>
+            </a:lvl8pPr>
+            <a:lvl9pPr marL="3886200" indent="-228600" algn="l" defTabSz="914400" rtl="0" eaLnBrk="1" latinLnBrk="0" hangingPunct="1">
+              <a:lnSpc>
+                <a:spcPct val="90000"/>
+              </a:lnSpc>
+              <a:spcBef>
+                <a:spcPts val="500"/>
+              </a:spcBef>
+              <a:buFont typeface="Arial" panose="020B0604020202020204" pitchFamily="34" charset="0"/>
+              <a:buChar char="•"/>
+              <a:defRPr sz="1800" kern="1200">
+                <a:solidFill>
+                  <a:schemeClr val="tx1"/>
+                </a:solidFill>
+                <a:latin typeface="+mn-lt"/>
+                <a:ea typeface="+mn-ea"/>
+                <a:cs typeface="+mn-cs"/>
+              </a:defRPr>
+            </a:lvl9pPr>
+          </a:lstStyle>
+          <a:p>
+            <a:r>
+              <a:rPr lang="en-GB" dirty="0"/>
+              <a:t>These are created using </a:t>
+            </a:r>
+            <a:r>
+              <a:rPr lang="en-GB" dirty="0" err="1"/>
+              <a:t>VSCode</a:t>
+            </a:r>
+            <a:r>
+              <a:rPr lang="en-GB" dirty="0"/>
+              <a:t>. They have .</a:t>
+            </a:r>
+            <a:r>
+              <a:rPr lang="en-GB" dirty="0" err="1"/>
+              <a:t>ipynb</a:t>
+            </a:r>
+            <a:r>
+              <a:rPr lang="en-GB" dirty="0"/>
+              <a:t> format and the size is dependent on the length of each script. Theses scripts are written for data analysis and visualisation.</a:t>
+            </a:r>
+          </a:p>
+          <a:p>
+            <a:r>
+              <a:rPr lang="en-GB" dirty="0"/>
+              <a:t>YYMMDD_{</a:t>
+            </a:r>
+            <a:r>
+              <a:rPr lang="en-GB" dirty="0" err="1"/>
+              <a:t>script_purpose</a:t>
+            </a:r>
+            <a:r>
+              <a:rPr lang="en-GB" dirty="0"/>
+              <a:t>}.</a:t>
+            </a:r>
+            <a:r>
+              <a:rPr lang="en-GB" dirty="0" err="1"/>
+              <a:t>ipynb</a:t>
+            </a:r>
+            <a:endParaRPr lang="en-NL" dirty="0"/>
+          </a:p>
+        </p:txBody>
+      </p:sp>
     </p:spTree>
     <p:extLst>
       <p:ext uri="{BB962C8B-B14F-4D97-AF65-F5344CB8AC3E}">
@@ -25447,418 +26091,6 @@
             <a:endParaRPr lang="en-US" sz="1200" dirty="0">
               <a:latin typeface="Abadi Extra Light" panose="020B0204020104020204" pitchFamily="34" charset="0"/>
             </a:endParaRPr>
-          </a:p>
-        </p:txBody>
-      </p:sp>
-      <p:sp>
-        <p:nvSpPr>
-          <p:cNvPr id="3" name="Tijdelijke aanduiding voor tekst 25">
-            <a:extLst>
-              <a:ext uri="{FF2B5EF4-FFF2-40B4-BE49-F238E27FC236}">
-                <a16:creationId xmlns:a16="http://schemas.microsoft.com/office/drawing/2014/main" id="{FACE29FC-EC90-91E7-0B5A-CEC290C81B6C}"/>
-              </a:ext>
-            </a:extLst>
-          </p:cNvPr>
-          <p:cNvSpPr txBox="1">
-            <a:spLocks/>
-          </p:cNvSpPr>
-          <p:nvPr/>
-        </p:nvSpPr>
-        <p:spPr>
-          <a:xfrm>
-            <a:off x="4180186" y="4394006"/>
-            <a:ext cx="2208931" cy="1059093"/>
-          </a:xfrm>
-          <a:prstGeom prst="rect">
-            <a:avLst/>
-          </a:prstGeom>
-          <a:solidFill>
-            <a:schemeClr val="accent3">
-              <a:lumMod val="40000"/>
-              <a:lumOff val="60000"/>
-            </a:schemeClr>
-          </a:solidFill>
-        </p:spPr>
-        <p:txBody>
-          <a:bodyPr vert="horz" lIns="91440" tIns="45720" rIns="91440" bIns="45720" rtlCol="0" anchor="ctr">
-            <a:normAutofit fontScale="85000" lnSpcReduction="10000"/>
-          </a:bodyPr>
-          <a:lstStyle>
-            <a:lvl1pPr marL="0" indent="0" algn="ctr" defTabSz="914400" rtl="0" eaLnBrk="1" latinLnBrk="0" hangingPunct="1">
-              <a:lnSpc>
-                <a:spcPct val="90000"/>
-              </a:lnSpc>
-              <a:spcBef>
-                <a:spcPts val="1000"/>
-              </a:spcBef>
-              <a:buFont typeface="Arial" panose="020B0604020202020204" pitchFamily="34" charset="0"/>
-              <a:buNone/>
-              <a:defRPr sz="1600" b="0" i="1" u="none" kern="1200">
-                <a:solidFill>
-                  <a:schemeClr val="tx1"/>
-                </a:solidFill>
-                <a:latin typeface="+mn-lt"/>
-                <a:ea typeface="+mn-ea"/>
-                <a:cs typeface="+mn-cs"/>
-              </a:defRPr>
-            </a:lvl1pPr>
-            <a:lvl2pPr marL="685800" indent="-228600" algn="l" defTabSz="914400" rtl="0" eaLnBrk="1" latinLnBrk="0" hangingPunct="1">
-              <a:lnSpc>
-                <a:spcPct val="90000"/>
-              </a:lnSpc>
-              <a:spcBef>
-                <a:spcPts val="500"/>
-              </a:spcBef>
-              <a:buFont typeface="Arial" panose="020B0604020202020204" pitchFamily="34" charset="0"/>
-              <a:buChar char="•"/>
-              <a:defRPr sz="2400" kern="1200">
-                <a:solidFill>
-                  <a:schemeClr val="tx1"/>
-                </a:solidFill>
-                <a:latin typeface="+mn-lt"/>
-                <a:ea typeface="+mn-ea"/>
-                <a:cs typeface="+mn-cs"/>
-              </a:defRPr>
-            </a:lvl2pPr>
-            <a:lvl3pPr marL="1143000" indent="-228600" algn="l" defTabSz="914400" rtl="0" eaLnBrk="1" latinLnBrk="0" hangingPunct="1">
-              <a:lnSpc>
-                <a:spcPct val="90000"/>
-              </a:lnSpc>
-              <a:spcBef>
-                <a:spcPts val="500"/>
-              </a:spcBef>
-              <a:buFont typeface="Arial" panose="020B0604020202020204" pitchFamily="34" charset="0"/>
-              <a:buChar char="•"/>
-              <a:defRPr sz="2000" kern="1200">
-                <a:solidFill>
-                  <a:schemeClr val="tx1"/>
-                </a:solidFill>
-                <a:latin typeface="+mn-lt"/>
-                <a:ea typeface="+mn-ea"/>
-                <a:cs typeface="+mn-cs"/>
-              </a:defRPr>
-            </a:lvl3pPr>
-            <a:lvl4pPr marL="1600200" indent="-228600" algn="l" defTabSz="914400" rtl="0" eaLnBrk="1" latinLnBrk="0" hangingPunct="1">
-              <a:lnSpc>
-                <a:spcPct val="90000"/>
-              </a:lnSpc>
-              <a:spcBef>
-                <a:spcPts val="500"/>
-              </a:spcBef>
-              <a:buFont typeface="Arial" panose="020B0604020202020204" pitchFamily="34" charset="0"/>
-              <a:buChar char="•"/>
-              <a:defRPr sz="1800" kern="1200">
-                <a:solidFill>
-                  <a:schemeClr val="tx1"/>
-                </a:solidFill>
-                <a:latin typeface="+mn-lt"/>
-                <a:ea typeface="+mn-ea"/>
-                <a:cs typeface="+mn-cs"/>
-              </a:defRPr>
-            </a:lvl4pPr>
-            <a:lvl5pPr marL="2057400" indent="-228600" algn="l" defTabSz="914400" rtl="0" eaLnBrk="1" latinLnBrk="0" hangingPunct="1">
-              <a:lnSpc>
-                <a:spcPct val="90000"/>
-              </a:lnSpc>
-              <a:spcBef>
-                <a:spcPts val="500"/>
-              </a:spcBef>
-              <a:buFont typeface="Arial" panose="020B0604020202020204" pitchFamily="34" charset="0"/>
-              <a:buChar char="•"/>
-              <a:defRPr sz="1800" kern="1200">
-                <a:solidFill>
-                  <a:schemeClr val="tx1"/>
-                </a:solidFill>
-                <a:latin typeface="+mn-lt"/>
-                <a:ea typeface="+mn-ea"/>
-                <a:cs typeface="+mn-cs"/>
-              </a:defRPr>
-            </a:lvl5pPr>
-            <a:lvl6pPr marL="2514600" indent="-228600" algn="l" defTabSz="914400" rtl="0" eaLnBrk="1" latinLnBrk="0" hangingPunct="1">
-              <a:lnSpc>
-                <a:spcPct val="90000"/>
-              </a:lnSpc>
-              <a:spcBef>
-                <a:spcPts val="500"/>
-              </a:spcBef>
-              <a:buFont typeface="Arial" panose="020B0604020202020204" pitchFamily="34" charset="0"/>
-              <a:buChar char="•"/>
-              <a:defRPr sz="1800" kern="1200">
-                <a:solidFill>
-                  <a:schemeClr val="tx1"/>
-                </a:solidFill>
-                <a:latin typeface="+mn-lt"/>
-                <a:ea typeface="+mn-ea"/>
-                <a:cs typeface="+mn-cs"/>
-              </a:defRPr>
-            </a:lvl6pPr>
-            <a:lvl7pPr marL="2971800" indent="-228600" algn="l" defTabSz="914400" rtl="0" eaLnBrk="1" latinLnBrk="0" hangingPunct="1">
-              <a:lnSpc>
-                <a:spcPct val="90000"/>
-              </a:lnSpc>
-              <a:spcBef>
-                <a:spcPts val="500"/>
-              </a:spcBef>
-              <a:buFont typeface="Arial" panose="020B0604020202020204" pitchFamily="34" charset="0"/>
-              <a:buChar char="•"/>
-              <a:defRPr sz="1800" kern="1200">
-                <a:solidFill>
-                  <a:schemeClr val="tx1"/>
-                </a:solidFill>
-                <a:latin typeface="+mn-lt"/>
-                <a:ea typeface="+mn-ea"/>
-                <a:cs typeface="+mn-cs"/>
-              </a:defRPr>
-            </a:lvl7pPr>
-            <a:lvl8pPr marL="3429000" indent="-228600" algn="l" defTabSz="914400" rtl="0" eaLnBrk="1" latinLnBrk="0" hangingPunct="1">
-              <a:lnSpc>
-                <a:spcPct val="90000"/>
-              </a:lnSpc>
-              <a:spcBef>
-                <a:spcPts val="500"/>
-              </a:spcBef>
-              <a:buFont typeface="Arial" panose="020B0604020202020204" pitchFamily="34" charset="0"/>
-              <a:buChar char="•"/>
-              <a:defRPr sz="1800" kern="1200">
-                <a:solidFill>
-                  <a:schemeClr val="tx1"/>
-                </a:solidFill>
-                <a:latin typeface="+mn-lt"/>
-                <a:ea typeface="+mn-ea"/>
-                <a:cs typeface="+mn-cs"/>
-              </a:defRPr>
-            </a:lvl8pPr>
-            <a:lvl9pPr marL="3886200" indent="-228600" algn="l" defTabSz="914400" rtl="0" eaLnBrk="1" latinLnBrk="0" hangingPunct="1">
-              <a:lnSpc>
-                <a:spcPct val="90000"/>
-              </a:lnSpc>
-              <a:spcBef>
-                <a:spcPts val="500"/>
-              </a:spcBef>
-              <a:buFont typeface="Arial" panose="020B0604020202020204" pitchFamily="34" charset="0"/>
-              <a:buChar char="•"/>
-              <a:defRPr sz="1800" kern="1200">
-                <a:solidFill>
-                  <a:schemeClr val="tx1"/>
-                </a:solidFill>
-                <a:latin typeface="+mn-lt"/>
-                <a:ea typeface="+mn-ea"/>
-                <a:cs typeface="+mn-cs"/>
-              </a:defRPr>
-            </a:lvl9pPr>
-          </a:lstStyle>
-          <a:p>
-            <a:r>
-              <a:rPr lang="nl-NL"/>
-              <a:t>This data is collected using the in-house Bruker X-ray diffractometer. The format could either .xrdml or .raw. The size is around 20 KB.</a:t>
-            </a:r>
-            <a:endParaRPr lang="nl-NL" dirty="0"/>
-          </a:p>
-        </p:txBody>
-      </p:sp>
-      <p:sp>
-        <p:nvSpPr>
-          <p:cNvPr id="4" name="Tijdelijke aanduiding voor tekst 23">
-            <a:extLst>
-              <a:ext uri="{FF2B5EF4-FFF2-40B4-BE49-F238E27FC236}">
-                <a16:creationId xmlns:a16="http://schemas.microsoft.com/office/drawing/2014/main" id="{F9B5BE7D-67BA-DDA1-47FE-2C25F4E8B060}"/>
-              </a:ext>
-            </a:extLst>
-          </p:cNvPr>
-          <p:cNvSpPr txBox="1">
-            <a:spLocks/>
-          </p:cNvSpPr>
-          <p:nvPr/>
-        </p:nvSpPr>
-        <p:spPr>
-          <a:xfrm>
-            <a:off x="4180187" y="1496371"/>
-            <a:ext cx="2208931" cy="1059093"/>
-          </a:xfrm>
-          <a:prstGeom prst="rect">
-            <a:avLst/>
-          </a:prstGeom>
-          <a:solidFill>
-            <a:schemeClr val="accent3">
-              <a:lumMod val="40000"/>
-              <a:lumOff val="60000"/>
-            </a:schemeClr>
-          </a:solidFill>
-        </p:spPr>
-        <p:txBody>
-          <a:bodyPr vert="horz" lIns="91440" tIns="45720" rIns="91440" bIns="45720" rtlCol="0" anchor="ctr">
-            <a:normAutofit fontScale="92500"/>
-          </a:bodyPr>
-          <a:lstStyle>
-            <a:lvl1pPr marL="0" indent="0" algn="ctr" defTabSz="914400" rtl="0" eaLnBrk="1" latinLnBrk="0" hangingPunct="1">
-              <a:lnSpc>
-                <a:spcPct val="90000"/>
-              </a:lnSpc>
-              <a:spcBef>
-                <a:spcPts val="1000"/>
-              </a:spcBef>
-              <a:buFont typeface="Arial" panose="020B0604020202020204" pitchFamily="34" charset="0"/>
-              <a:buNone/>
-              <a:defRPr sz="1600" b="0" i="1" u="none" kern="1200">
-                <a:solidFill>
-                  <a:schemeClr val="tx1"/>
-                </a:solidFill>
-                <a:latin typeface="+mn-lt"/>
-                <a:ea typeface="+mn-ea"/>
-                <a:cs typeface="+mn-cs"/>
-              </a:defRPr>
-            </a:lvl1pPr>
-            <a:lvl2pPr marL="685800" indent="-228600" algn="l" defTabSz="914400" rtl="0" eaLnBrk="1" latinLnBrk="0" hangingPunct="1">
-              <a:lnSpc>
-                <a:spcPct val="90000"/>
-              </a:lnSpc>
-              <a:spcBef>
-                <a:spcPts val="500"/>
-              </a:spcBef>
-              <a:buFont typeface="Arial" panose="020B0604020202020204" pitchFamily="34" charset="0"/>
-              <a:buChar char="•"/>
-              <a:defRPr sz="2400" kern="1200">
-                <a:solidFill>
-                  <a:schemeClr val="tx1"/>
-                </a:solidFill>
-                <a:latin typeface="+mn-lt"/>
-                <a:ea typeface="+mn-ea"/>
-                <a:cs typeface="+mn-cs"/>
-              </a:defRPr>
-            </a:lvl2pPr>
-            <a:lvl3pPr marL="1143000" indent="-228600" algn="l" defTabSz="914400" rtl="0" eaLnBrk="1" latinLnBrk="0" hangingPunct="1">
-              <a:lnSpc>
-                <a:spcPct val="90000"/>
-              </a:lnSpc>
-              <a:spcBef>
-                <a:spcPts val="500"/>
-              </a:spcBef>
-              <a:buFont typeface="Arial" panose="020B0604020202020204" pitchFamily="34" charset="0"/>
-              <a:buChar char="•"/>
-              <a:defRPr sz="2000" kern="1200">
-                <a:solidFill>
-                  <a:schemeClr val="tx1"/>
-                </a:solidFill>
-                <a:latin typeface="+mn-lt"/>
-                <a:ea typeface="+mn-ea"/>
-                <a:cs typeface="+mn-cs"/>
-              </a:defRPr>
-            </a:lvl3pPr>
-            <a:lvl4pPr marL="1600200" indent="-228600" algn="l" defTabSz="914400" rtl="0" eaLnBrk="1" latinLnBrk="0" hangingPunct="1">
-              <a:lnSpc>
-                <a:spcPct val="90000"/>
-              </a:lnSpc>
-              <a:spcBef>
-                <a:spcPts val="500"/>
-              </a:spcBef>
-              <a:buFont typeface="Arial" panose="020B0604020202020204" pitchFamily="34" charset="0"/>
-              <a:buChar char="•"/>
-              <a:defRPr sz="1800" kern="1200">
-                <a:solidFill>
-                  <a:schemeClr val="tx1"/>
-                </a:solidFill>
-                <a:latin typeface="+mn-lt"/>
-                <a:ea typeface="+mn-ea"/>
-                <a:cs typeface="+mn-cs"/>
-              </a:defRPr>
-            </a:lvl4pPr>
-            <a:lvl5pPr marL="2057400" indent="-228600" algn="l" defTabSz="914400" rtl="0" eaLnBrk="1" latinLnBrk="0" hangingPunct="1">
-              <a:lnSpc>
-                <a:spcPct val="90000"/>
-              </a:lnSpc>
-              <a:spcBef>
-                <a:spcPts val="500"/>
-              </a:spcBef>
-              <a:buFont typeface="Arial" panose="020B0604020202020204" pitchFamily="34" charset="0"/>
-              <a:buChar char="•"/>
-              <a:defRPr sz="1800" kern="1200">
-                <a:solidFill>
-                  <a:schemeClr val="tx1"/>
-                </a:solidFill>
-                <a:latin typeface="+mn-lt"/>
-                <a:ea typeface="+mn-ea"/>
-                <a:cs typeface="+mn-cs"/>
-              </a:defRPr>
-            </a:lvl5pPr>
-            <a:lvl6pPr marL="2514600" indent="-228600" algn="l" defTabSz="914400" rtl="0" eaLnBrk="1" latinLnBrk="0" hangingPunct="1">
-              <a:lnSpc>
-                <a:spcPct val="90000"/>
-              </a:lnSpc>
-              <a:spcBef>
-                <a:spcPts val="500"/>
-              </a:spcBef>
-              <a:buFont typeface="Arial" panose="020B0604020202020204" pitchFamily="34" charset="0"/>
-              <a:buChar char="•"/>
-              <a:defRPr sz="1800" kern="1200">
-                <a:solidFill>
-                  <a:schemeClr val="tx1"/>
-                </a:solidFill>
-                <a:latin typeface="+mn-lt"/>
-                <a:ea typeface="+mn-ea"/>
-                <a:cs typeface="+mn-cs"/>
-              </a:defRPr>
-            </a:lvl6pPr>
-            <a:lvl7pPr marL="2971800" indent="-228600" algn="l" defTabSz="914400" rtl="0" eaLnBrk="1" latinLnBrk="0" hangingPunct="1">
-              <a:lnSpc>
-                <a:spcPct val="90000"/>
-              </a:lnSpc>
-              <a:spcBef>
-                <a:spcPts val="500"/>
-              </a:spcBef>
-              <a:buFont typeface="Arial" panose="020B0604020202020204" pitchFamily="34" charset="0"/>
-              <a:buChar char="•"/>
-              <a:defRPr sz="1800" kern="1200">
-                <a:solidFill>
-                  <a:schemeClr val="tx1"/>
-                </a:solidFill>
-                <a:latin typeface="+mn-lt"/>
-                <a:ea typeface="+mn-ea"/>
-                <a:cs typeface="+mn-cs"/>
-              </a:defRPr>
-            </a:lvl7pPr>
-            <a:lvl8pPr marL="3429000" indent="-228600" algn="l" defTabSz="914400" rtl="0" eaLnBrk="1" latinLnBrk="0" hangingPunct="1">
-              <a:lnSpc>
-                <a:spcPct val="90000"/>
-              </a:lnSpc>
-              <a:spcBef>
-                <a:spcPts val="500"/>
-              </a:spcBef>
-              <a:buFont typeface="Arial" panose="020B0604020202020204" pitchFamily="34" charset="0"/>
-              <a:buChar char="•"/>
-              <a:defRPr sz="1800" kern="1200">
-                <a:solidFill>
-                  <a:schemeClr val="tx1"/>
-                </a:solidFill>
-                <a:latin typeface="+mn-lt"/>
-                <a:ea typeface="+mn-ea"/>
-                <a:cs typeface="+mn-cs"/>
-              </a:defRPr>
-            </a:lvl8pPr>
-            <a:lvl9pPr marL="3886200" indent="-228600" algn="l" defTabSz="914400" rtl="0" eaLnBrk="1" latinLnBrk="0" hangingPunct="1">
-              <a:lnSpc>
-                <a:spcPct val="90000"/>
-              </a:lnSpc>
-              <a:spcBef>
-                <a:spcPts val="500"/>
-              </a:spcBef>
-              <a:buFont typeface="Arial" panose="020B0604020202020204" pitchFamily="34" charset="0"/>
-              <a:buChar char="•"/>
-              <a:defRPr sz="1800" kern="1200">
-                <a:solidFill>
-                  <a:schemeClr val="tx1"/>
-                </a:solidFill>
-                <a:latin typeface="+mn-lt"/>
-                <a:ea typeface="+mn-ea"/>
-                <a:cs typeface="+mn-cs"/>
-              </a:defRPr>
-            </a:lvl9pPr>
-          </a:lstStyle>
-          <a:p>
-            <a:r>
-              <a:rPr lang="nl-NL"/>
-              <a:t>This data is generated by Bruker TopSpin Software. It has the format ‘.fid’ and a size of 240 KB.</a:t>
-            </a:r>
-            <a:endParaRPr lang="nl-NL" dirty="0"/>
           </a:p>
         </p:txBody>
       </p:sp>
@@ -26706,10 +26938,224 @@
       </p:sp>
       <p:sp>
         <p:nvSpPr>
-          <p:cNvPr id="11" name="Tijdelijke aanduiding voor tekst 24">
-            <a:extLst>
-              <a:ext uri="{FF2B5EF4-FFF2-40B4-BE49-F238E27FC236}">
-                <a16:creationId xmlns:a16="http://schemas.microsoft.com/office/drawing/2014/main" id="{CED2397B-94DF-0092-45EF-5BF727145B44}"/>
+          <p:cNvPr id="12" name="Tijdelijke aanduiding voor tekst 25">
+            <a:extLst>
+              <a:ext uri="{FF2B5EF4-FFF2-40B4-BE49-F238E27FC236}">
+                <a16:creationId xmlns:a16="http://schemas.microsoft.com/office/drawing/2014/main" id="{ED5BF81E-715D-B7E5-1368-47DC1E79A7BC}"/>
+              </a:ext>
+            </a:extLst>
+          </p:cNvPr>
+          <p:cNvSpPr txBox="1">
+            <a:spLocks/>
+          </p:cNvSpPr>
+          <p:nvPr/>
+        </p:nvSpPr>
+        <p:spPr>
+          <a:xfrm>
+            <a:off x="4180186" y="4394006"/>
+            <a:ext cx="2208931" cy="1059093"/>
+          </a:xfrm>
+          <a:prstGeom prst="rect">
+            <a:avLst/>
+          </a:prstGeom>
+          <a:solidFill>
+            <a:schemeClr val="accent3">
+              <a:lumMod val="40000"/>
+              <a:lumOff val="60000"/>
+            </a:schemeClr>
+          </a:solidFill>
+        </p:spPr>
+        <p:txBody>
+          <a:bodyPr vert="horz" lIns="91440" tIns="45720" rIns="91440" bIns="45720" rtlCol="0" anchor="ctr">
+            <a:normAutofit fontScale="70000" lnSpcReduction="20000"/>
+          </a:bodyPr>
+          <a:lstStyle>
+            <a:lvl1pPr marL="0" indent="0" algn="ctr" defTabSz="914400" rtl="0" eaLnBrk="1" latinLnBrk="0" hangingPunct="1">
+              <a:lnSpc>
+                <a:spcPct val="90000"/>
+              </a:lnSpc>
+              <a:spcBef>
+                <a:spcPts val="1000"/>
+              </a:spcBef>
+              <a:buFont typeface="Arial" panose="020B0604020202020204" pitchFamily="34" charset="0"/>
+              <a:buNone/>
+              <a:defRPr sz="1600" b="0" i="1" u="none" kern="1200">
+                <a:solidFill>
+                  <a:schemeClr val="tx1"/>
+                </a:solidFill>
+                <a:latin typeface="+mn-lt"/>
+                <a:ea typeface="+mn-ea"/>
+                <a:cs typeface="+mn-cs"/>
+              </a:defRPr>
+            </a:lvl1pPr>
+            <a:lvl2pPr marL="685800" indent="-228600" algn="l" defTabSz="914400" rtl="0" eaLnBrk="1" latinLnBrk="0" hangingPunct="1">
+              <a:lnSpc>
+                <a:spcPct val="90000"/>
+              </a:lnSpc>
+              <a:spcBef>
+                <a:spcPts val="500"/>
+              </a:spcBef>
+              <a:buFont typeface="Arial" panose="020B0604020202020204" pitchFamily="34" charset="0"/>
+              <a:buChar char="•"/>
+              <a:defRPr sz="2400" kern="1200">
+                <a:solidFill>
+                  <a:schemeClr val="tx1"/>
+                </a:solidFill>
+                <a:latin typeface="+mn-lt"/>
+                <a:ea typeface="+mn-ea"/>
+                <a:cs typeface="+mn-cs"/>
+              </a:defRPr>
+            </a:lvl2pPr>
+            <a:lvl3pPr marL="1143000" indent="-228600" algn="l" defTabSz="914400" rtl="0" eaLnBrk="1" latinLnBrk="0" hangingPunct="1">
+              <a:lnSpc>
+                <a:spcPct val="90000"/>
+              </a:lnSpc>
+              <a:spcBef>
+                <a:spcPts val="500"/>
+              </a:spcBef>
+              <a:buFont typeface="Arial" panose="020B0604020202020204" pitchFamily="34" charset="0"/>
+              <a:buChar char="•"/>
+              <a:defRPr sz="2000" kern="1200">
+                <a:solidFill>
+                  <a:schemeClr val="tx1"/>
+                </a:solidFill>
+                <a:latin typeface="+mn-lt"/>
+                <a:ea typeface="+mn-ea"/>
+                <a:cs typeface="+mn-cs"/>
+              </a:defRPr>
+            </a:lvl3pPr>
+            <a:lvl4pPr marL="1600200" indent="-228600" algn="l" defTabSz="914400" rtl="0" eaLnBrk="1" latinLnBrk="0" hangingPunct="1">
+              <a:lnSpc>
+                <a:spcPct val="90000"/>
+              </a:lnSpc>
+              <a:spcBef>
+                <a:spcPts val="500"/>
+              </a:spcBef>
+              <a:buFont typeface="Arial" panose="020B0604020202020204" pitchFamily="34" charset="0"/>
+              <a:buChar char="•"/>
+              <a:defRPr sz="1800" kern="1200">
+                <a:solidFill>
+                  <a:schemeClr val="tx1"/>
+                </a:solidFill>
+                <a:latin typeface="+mn-lt"/>
+                <a:ea typeface="+mn-ea"/>
+                <a:cs typeface="+mn-cs"/>
+              </a:defRPr>
+            </a:lvl4pPr>
+            <a:lvl5pPr marL="2057400" indent="-228600" algn="l" defTabSz="914400" rtl="0" eaLnBrk="1" latinLnBrk="0" hangingPunct="1">
+              <a:lnSpc>
+                <a:spcPct val="90000"/>
+              </a:lnSpc>
+              <a:spcBef>
+                <a:spcPts val="500"/>
+              </a:spcBef>
+              <a:buFont typeface="Arial" panose="020B0604020202020204" pitchFamily="34" charset="0"/>
+              <a:buChar char="•"/>
+              <a:defRPr sz="1800" kern="1200">
+                <a:solidFill>
+                  <a:schemeClr val="tx1"/>
+                </a:solidFill>
+                <a:latin typeface="+mn-lt"/>
+                <a:ea typeface="+mn-ea"/>
+                <a:cs typeface="+mn-cs"/>
+              </a:defRPr>
+            </a:lvl5pPr>
+            <a:lvl6pPr marL="2514600" indent="-228600" algn="l" defTabSz="914400" rtl="0" eaLnBrk="1" latinLnBrk="0" hangingPunct="1">
+              <a:lnSpc>
+                <a:spcPct val="90000"/>
+              </a:lnSpc>
+              <a:spcBef>
+                <a:spcPts val="500"/>
+              </a:spcBef>
+              <a:buFont typeface="Arial" panose="020B0604020202020204" pitchFamily="34" charset="0"/>
+              <a:buChar char="•"/>
+              <a:defRPr sz="1800" kern="1200">
+                <a:solidFill>
+                  <a:schemeClr val="tx1"/>
+                </a:solidFill>
+                <a:latin typeface="+mn-lt"/>
+                <a:ea typeface="+mn-ea"/>
+                <a:cs typeface="+mn-cs"/>
+              </a:defRPr>
+            </a:lvl6pPr>
+            <a:lvl7pPr marL="2971800" indent="-228600" algn="l" defTabSz="914400" rtl="0" eaLnBrk="1" latinLnBrk="0" hangingPunct="1">
+              <a:lnSpc>
+                <a:spcPct val="90000"/>
+              </a:lnSpc>
+              <a:spcBef>
+                <a:spcPts val="500"/>
+              </a:spcBef>
+              <a:buFont typeface="Arial" panose="020B0604020202020204" pitchFamily="34" charset="0"/>
+              <a:buChar char="•"/>
+              <a:defRPr sz="1800" kern="1200">
+                <a:solidFill>
+                  <a:schemeClr val="tx1"/>
+                </a:solidFill>
+                <a:latin typeface="+mn-lt"/>
+                <a:ea typeface="+mn-ea"/>
+                <a:cs typeface="+mn-cs"/>
+              </a:defRPr>
+            </a:lvl7pPr>
+            <a:lvl8pPr marL="3429000" indent="-228600" algn="l" defTabSz="914400" rtl="0" eaLnBrk="1" latinLnBrk="0" hangingPunct="1">
+              <a:lnSpc>
+                <a:spcPct val="90000"/>
+              </a:lnSpc>
+              <a:spcBef>
+                <a:spcPts val="500"/>
+              </a:spcBef>
+              <a:buFont typeface="Arial" panose="020B0604020202020204" pitchFamily="34" charset="0"/>
+              <a:buChar char="•"/>
+              <a:defRPr sz="1800" kern="1200">
+                <a:solidFill>
+                  <a:schemeClr val="tx1"/>
+                </a:solidFill>
+                <a:latin typeface="+mn-lt"/>
+                <a:ea typeface="+mn-ea"/>
+                <a:cs typeface="+mn-cs"/>
+              </a:defRPr>
+            </a:lvl8pPr>
+            <a:lvl9pPr marL="3886200" indent="-228600" algn="l" defTabSz="914400" rtl="0" eaLnBrk="1" latinLnBrk="0" hangingPunct="1">
+              <a:lnSpc>
+                <a:spcPct val="90000"/>
+              </a:lnSpc>
+              <a:spcBef>
+                <a:spcPts val="500"/>
+              </a:spcBef>
+              <a:buFont typeface="Arial" panose="020B0604020202020204" pitchFamily="34" charset="0"/>
+              <a:buChar char="•"/>
+              <a:defRPr sz="1800" kern="1200">
+                <a:solidFill>
+                  <a:schemeClr val="tx1"/>
+                </a:solidFill>
+                <a:latin typeface="+mn-lt"/>
+                <a:ea typeface="+mn-ea"/>
+                <a:cs typeface="+mn-cs"/>
+              </a:defRPr>
+            </a:lvl9pPr>
+          </a:lstStyle>
+          <a:p>
+            <a:r>
+              <a:rPr lang="nl-NL" dirty="0"/>
+              <a:t>This data is collected using the in-house Bruker X-ray diffractometer. The format could either .xrdml or .raw. The size is around 20 KB.</a:t>
+            </a:r>
+          </a:p>
+          <a:p>
+            <a:r>
+              <a:rPr lang="nl-NL" dirty="0"/>
+              <a:t>YYMMDD_{sample_name}.xrdml</a:t>
+            </a:r>
+          </a:p>
+          <a:p>
+            <a:endParaRPr lang="nl-NL" dirty="0"/>
+          </a:p>
+        </p:txBody>
+      </p:sp>
+      <p:sp>
+        <p:nvSpPr>
+          <p:cNvPr id="13" name="Tijdelijke aanduiding voor tekst 24">
+            <a:extLst>
+              <a:ext uri="{FF2B5EF4-FFF2-40B4-BE49-F238E27FC236}">
+                <a16:creationId xmlns:a16="http://schemas.microsoft.com/office/drawing/2014/main" id="{92E7354D-26D6-7A57-9E4A-21F293165B34}"/>
               </a:ext>
             </a:extLst>
           </p:cNvPr>
@@ -26735,7 +27181,7 @@
         </p:spPr>
         <p:txBody>
           <a:bodyPr vert="horz" lIns="91440" tIns="45720" rIns="91440" bIns="45720" rtlCol="0" anchor="ctr">
-            <a:normAutofit fontScale="85000" lnSpcReduction="20000"/>
+            <a:normAutofit fontScale="70000" lnSpcReduction="20000"/>
           </a:bodyPr>
           <a:lstStyle>
             <a:lvl1pPr marL="0" indent="0" algn="ctr" defTabSz="914400" rtl="0" eaLnBrk="1" latinLnBrk="0" hangingPunct="1">
@@ -26905,6 +27351,223 @@
             <a:r>
               <a:rPr lang="nl-NL" dirty="0"/>
               <a:t>This data is generated by the MT-Lab Software. The formats possible are .fra, .Z, and .dat. The size depends on how the data is collected.</a:t>
+            </a:r>
+          </a:p>
+          <a:p>
+            <a:r>
+              <a:rPr lang="nl-NL" dirty="0"/>
+              <a:t>YYMMDD_{sample_name}_{impedance_experimental_condition}.z</a:t>
+            </a:r>
+          </a:p>
+        </p:txBody>
+      </p:sp>
+      <p:sp>
+        <p:nvSpPr>
+          <p:cNvPr id="14" name="Tijdelijke aanduiding voor tekst 23">
+            <a:extLst>
+              <a:ext uri="{FF2B5EF4-FFF2-40B4-BE49-F238E27FC236}">
+                <a16:creationId xmlns:a16="http://schemas.microsoft.com/office/drawing/2014/main" id="{9DE7E02B-C6EB-4F2A-8FAC-9FB5D78C8537}"/>
+              </a:ext>
+            </a:extLst>
+          </p:cNvPr>
+          <p:cNvSpPr txBox="1">
+            <a:spLocks/>
+          </p:cNvSpPr>
+          <p:nvPr/>
+        </p:nvSpPr>
+        <p:spPr>
+          <a:xfrm>
+            <a:off x="4180187" y="1496371"/>
+            <a:ext cx="2208931" cy="1059093"/>
+          </a:xfrm>
+          <a:prstGeom prst="rect">
+            <a:avLst/>
+          </a:prstGeom>
+          <a:solidFill>
+            <a:schemeClr val="accent3">
+              <a:lumMod val="40000"/>
+              <a:lumOff val="60000"/>
+            </a:schemeClr>
+          </a:solidFill>
+        </p:spPr>
+        <p:txBody>
+          <a:bodyPr vert="horz" lIns="91440" tIns="45720" rIns="91440" bIns="45720" rtlCol="0" anchor="ctr">
+            <a:normAutofit fontScale="77500" lnSpcReduction="20000"/>
+          </a:bodyPr>
+          <a:lstStyle>
+            <a:lvl1pPr marL="0" indent="0" algn="ctr" defTabSz="914400" rtl="0" eaLnBrk="1" latinLnBrk="0" hangingPunct="1">
+              <a:lnSpc>
+                <a:spcPct val="90000"/>
+              </a:lnSpc>
+              <a:spcBef>
+                <a:spcPts val="1000"/>
+              </a:spcBef>
+              <a:buFont typeface="Arial" panose="020B0604020202020204" pitchFamily="34" charset="0"/>
+              <a:buNone/>
+              <a:defRPr sz="1600" b="0" i="1" u="none" kern="1200">
+                <a:solidFill>
+                  <a:schemeClr val="tx1"/>
+                </a:solidFill>
+                <a:latin typeface="+mn-lt"/>
+                <a:ea typeface="+mn-ea"/>
+                <a:cs typeface="+mn-cs"/>
+              </a:defRPr>
+            </a:lvl1pPr>
+            <a:lvl2pPr marL="685800" indent="-228600" algn="l" defTabSz="914400" rtl="0" eaLnBrk="1" latinLnBrk="0" hangingPunct="1">
+              <a:lnSpc>
+                <a:spcPct val="90000"/>
+              </a:lnSpc>
+              <a:spcBef>
+                <a:spcPts val="500"/>
+              </a:spcBef>
+              <a:buFont typeface="Arial" panose="020B0604020202020204" pitchFamily="34" charset="0"/>
+              <a:buChar char="•"/>
+              <a:defRPr sz="2400" kern="1200">
+                <a:solidFill>
+                  <a:schemeClr val="tx1"/>
+                </a:solidFill>
+                <a:latin typeface="+mn-lt"/>
+                <a:ea typeface="+mn-ea"/>
+                <a:cs typeface="+mn-cs"/>
+              </a:defRPr>
+            </a:lvl2pPr>
+            <a:lvl3pPr marL="1143000" indent="-228600" algn="l" defTabSz="914400" rtl="0" eaLnBrk="1" latinLnBrk="0" hangingPunct="1">
+              <a:lnSpc>
+                <a:spcPct val="90000"/>
+              </a:lnSpc>
+              <a:spcBef>
+                <a:spcPts val="500"/>
+              </a:spcBef>
+              <a:buFont typeface="Arial" panose="020B0604020202020204" pitchFamily="34" charset="0"/>
+              <a:buChar char="•"/>
+              <a:defRPr sz="2000" kern="1200">
+                <a:solidFill>
+                  <a:schemeClr val="tx1"/>
+                </a:solidFill>
+                <a:latin typeface="+mn-lt"/>
+                <a:ea typeface="+mn-ea"/>
+                <a:cs typeface="+mn-cs"/>
+              </a:defRPr>
+            </a:lvl3pPr>
+            <a:lvl4pPr marL="1600200" indent="-228600" algn="l" defTabSz="914400" rtl="0" eaLnBrk="1" latinLnBrk="0" hangingPunct="1">
+              <a:lnSpc>
+                <a:spcPct val="90000"/>
+              </a:lnSpc>
+              <a:spcBef>
+                <a:spcPts val="500"/>
+              </a:spcBef>
+              <a:buFont typeface="Arial" panose="020B0604020202020204" pitchFamily="34" charset="0"/>
+              <a:buChar char="•"/>
+              <a:defRPr sz="1800" kern="1200">
+                <a:solidFill>
+                  <a:schemeClr val="tx1"/>
+                </a:solidFill>
+                <a:latin typeface="+mn-lt"/>
+                <a:ea typeface="+mn-ea"/>
+                <a:cs typeface="+mn-cs"/>
+              </a:defRPr>
+            </a:lvl4pPr>
+            <a:lvl5pPr marL="2057400" indent="-228600" algn="l" defTabSz="914400" rtl="0" eaLnBrk="1" latinLnBrk="0" hangingPunct="1">
+              <a:lnSpc>
+                <a:spcPct val="90000"/>
+              </a:lnSpc>
+              <a:spcBef>
+                <a:spcPts val="500"/>
+              </a:spcBef>
+              <a:buFont typeface="Arial" panose="020B0604020202020204" pitchFamily="34" charset="0"/>
+              <a:buChar char="•"/>
+              <a:defRPr sz="1800" kern="1200">
+                <a:solidFill>
+                  <a:schemeClr val="tx1"/>
+                </a:solidFill>
+                <a:latin typeface="+mn-lt"/>
+                <a:ea typeface="+mn-ea"/>
+                <a:cs typeface="+mn-cs"/>
+              </a:defRPr>
+            </a:lvl5pPr>
+            <a:lvl6pPr marL="2514600" indent="-228600" algn="l" defTabSz="914400" rtl="0" eaLnBrk="1" latinLnBrk="0" hangingPunct="1">
+              <a:lnSpc>
+                <a:spcPct val="90000"/>
+              </a:lnSpc>
+              <a:spcBef>
+                <a:spcPts val="500"/>
+              </a:spcBef>
+              <a:buFont typeface="Arial" panose="020B0604020202020204" pitchFamily="34" charset="0"/>
+              <a:buChar char="•"/>
+              <a:defRPr sz="1800" kern="1200">
+                <a:solidFill>
+                  <a:schemeClr val="tx1"/>
+                </a:solidFill>
+                <a:latin typeface="+mn-lt"/>
+                <a:ea typeface="+mn-ea"/>
+                <a:cs typeface="+mn-cs"/>
+              </a:defRPr>
+            </a:lvl6pPr>
+            <a:lvl7pPr marL="2971800" indent="-228600" algn="l" defTabSz="914400" rtl="0" eaLnBrk="1" latinLnBrk="0" hangingPunct="1">
+              <a:lnSpc>
+                <a:spcPct val="90000"/>
+              </a:lnSpc>
+              <a:spcBef>
+                <a:spcPts val="500"/>
+              </a:spcBef>
+              <a:buFont typeface="Arial" panose="020B0604020202020204" pitchFamily="34" charset="0"/>
+              <a:buChar char="•"/>
+              <a:defRPr sz="1800" kern="1200">
+                <a:solidFill>
+                  <a:schemeClr val="tx1"/>
+                </a:solidFill>
+                <a:latin typeface="+mn-lt"/>
+                <a:ea typeface="+mn-ea"/>
+                <a:cs typeface="+mn-cs"/>
+              </a:defRPr>
+            </a:lvl7pPr>
+            <a:lvl8pPr marL="3429000" indent="-228600" algn="l" defTabSz="914400" rtl="0" eaLnBrk="1" latinLnBrk="0" hangingPunct="1">
+              <a:lnSpc>
+                <a:spcPct val="90000"/>
+              </a:lnSpc>
+              <a:spcBef>
+                <a:spcPts val="500"/>
+              </a:spcBef>
+              <a:buFont typeface="Arial" panose="020B0604020202020204" pitchFamily="34" charset="0"/>
+              <a:buChar char="•"/>
+              <a:defRPr sz="1800" kern="1200">
+                <a:solidFill>
+                  <a:schemeClr val="tx1"/>
+                </a:solidFill>
+                <a:latin typeface="+mn-lt"/>
+                <a:ea typeface="+mn-ea"/>
+                <a:cs typeface="+mn-cs"/>
+              </a:defRPr>
+            </a:lvl8pPr>
+            <a:lvl9pPr marL="3886200" indent="-228600" algn="l" defTabSz="914400" rtl="0" eaLnBrk="1" latinLnBrk="0" hangingPunct="1">
+              <a:lnSpc>
+                <a:spcPct val="90000"/>
+              </a:lnSpc>
+              <a:spcBef>
+                <a:spcPts val="500"/>
+              </a:spcBef>
+              <a:buFont typeface="Arial" panose="020B0604020202020204" pitchFamily="34" charset="0"/>
+              <a:buChar char="•"/>
+              <a:defRPr sz="1800" kern="1200">
+                <a:solidFill>
+                  <a:schemeClr val="tx1"/>
+                </a:solidFill>
+                <a:latin typeface="+mn-lt"/>
+                <a:ea typeface="+mn-ea"/>
+                <a:cs typeface="+mn-cs"/>
+              </a:defRPr>
+            </a:lvl9pPr>
+          </a:lstStyle>
+          <a:p>
+            <a:r>
+              <a:rPr lang="nl-NL" dirty="0"/>
+              <a:t>This data is generated by Bruker TopSpin Software. It has the format ‘.fid’ and a size of 240 KB.</a:t>
+            </a:r>
+          </a:p>
+          <a:p>
+            <a:r>
+              <a:rPr lang="nl-NL" dirty="0"/>
+              <a:t>YYMMDD_{sample_name}_{nmr_experimental_condition}.fid</a:t>
             </a:r>
           </a:p>
         </p:txBody>
